--- a/Programming_project/presentation_powerpoint/LibraryLink_Plataforma_Libros_Gratuitos_Presentacion.pptx
+++ b/Programming_project/presentation_powerpoint/LibraryLink_Plataforma_Libros_Gratuitos_Presentacion.pptx
@@ -77,14 +77,14 @@
             <a:noAutofit/>
           </a:bodyPr>
           <a:p>
-            <a:pPr indent="0">
+            <a:pPr indent="0" algn="ctr">
               <a:buNone/>
             </a:pPr>
-            <a:endParaRPr b="0" lang="en-US" sz="1800" spc="-1" strike="noStrike">
-              <a:solidFill>
-                <a:schemeClr val="dk1"/>
-              </a:solidFill>
-              <a:latin typeface="Calibri"/>
+            <a:endParaRPr b="0" lang="en-US" sz="4400" spc="-1" strike="noStrike">
+              <a:solidFill>
+                <a:srgbClr val="000000"/>
+              </a:solidFill>
+              <a:latin typeface="Arial"/>
             </a:endParaRPr>
           </a:p>
         </p:txBody>
@@ -136,7 +136,7 @@
             <a:spLocks noGrp="1"/>
           </p:cNvSpPr>
           <p:nvPr>
-            <p:ph type="ftr" idx="2"/>
+            <p:ph type="ftr" idx="1"/>
           </p:nvPr>
         </p:nvSpPr>
         <p:spPr/>
@@ -156,14 +156,14 @@
             <a:spLocks noGrp="1"/>
           </p:cNvSpPr>
           <p:nvPr>
-            <p:ph type="sldNum" idx="3"/>
+            <p:ph type="sldNum" idx="2"/>
           </p:nvPr>
         </p:nvSpPr>
         <p:spPr/>
         <p:txBody>
           <a:bodyPr/>
           <a:p>
-            <a:fld id="{214BCF81-5BB4-481C-BEB5-EFB2EE2BD48C}" type="slidenum">
+            <a:fld id="{FD86A936-9C1D-477C-9EDE-F5D8A4A386D3}" type="slidenum">
               <a:t>&lt;#&gt;</a:t>
             </a:fld>
           </a:p>
@@ -176,7 +176,7 @@
             <a:spLocks noGrp="1"/>
           </p:cNvSpPr>
           <p:nvPr>
-            <p:ph type="dt" idx="1"/>
+            <p:ph type="dt" idx="3"/>
           </p:nvPr>
         </p:nvSpPr>
         <p:spPr/>
@@ -219,7 +219,7 @@
             <a:spLocks noGrp="1"/>
           </p:cNvSpPr>
           <p:nvPr>
-            <p:ph type="ftr" idx="29"/>
+            <p:ph type="ftr" idx="28"/>
           </p:nvPr>
         </p:nvSpPr>
         <p:spPr/>
@@ -239,14 +239,14 @@
             <a:spLocks noGrp="1"/>
           </p:cNvSpPr>
           <p:nvPr>
-            <p:ph type="sldNum" idx="30"/>
+            <p:ph type="sldNum" idx="29"/>
           </p:nvPr>
         </p:nvSpPr>
         <p:spPr/>
         <p:txBody>
           <a:bodyPr/>
           <a:p>
-            <a:fld id="{2F74DEDA-12DF-4406-9DD8-61AD03535A09}" type="slidenum">
+            <a:fld id="{8C82949B-0388-4F5A-9AFF-D45022ADE285}" type="slidenum">
               <a:t>&lt;#&gt;</a:t>
             </a:fld>
           </a:p>
@@ -259,7 +259,7 @@
             <a:spLocks noGrp="1"/>
           </p:cNvSpPr>
           <p:nvPr>
-            <p:ph type="dt" idx="28"/>
+            <p:ph type="dt" idx="30"/>
           </p:nvPr>
         </p:nvSpPr>
         <p:spPr/>
@@ -302,7 +302,7 @@
             <a:spLocks noGrp="1"/>
           </p:cNvSpPr>
           <p:nvPr>
-            <p:ph type="ftr" idx="32"/>
+            <p:ph type="ftr" idx="31"/>
           </p:nvPr>
         </p:nvSpPr>
         <p:spPr/>
@@ -322,14 +322,14 @@
             <a:spLocks noGrp="1"/>
           </p:cNvSpPr>
           <p:nvPr>
-            <p:ph type="sldNum" idx="33"/>
+            <p:ph type="sldNum" idx="32"/>
           </p:nvPr>
         </p:nvSpPr>
         <p:spPr/>
         <p:txBody>
           <a:bodyPr/>
           <a:p>
-            <a:fld id="{C4455BA1-20EC-4A2D-B0DF-6326E3629CD8}" type="slidenum">
+            <a:fld id="{BD19D4F7-C5CE-4E5C-81D0-9C4D89C25F1A}" type="slidenum">
               <a:t>&lt;#&gt;</a:t>
             </a:fld>
           </a:p>
@@ -342,7 +342,7 @@
             <a:spLocks noGrp="1"/>
           </p:cNvSpPr>
           <p:nvPr>
-            <p:ph type="dt" idx="31"/>
+            <p:ph type="dt" idx="33"/>
           </p:nvPr>
         </p:nvSpPr>
         <p:spPr/>
@@ -385,7 +385,7 @@
             <a:spLocks noGrp="1"/>
           </p:cNvSpPr>
           <p:nvPr>
-            <p:ph type="ftr" idx="5"/>
+            <p:ph type="ftr" idx="4"/>
           </p:nvPr>
         </p:nvSpPr>
         <p:spPr/>
@@ -405,14 +405,14 @@
             <a:spLocks noGrp="1"/>
           </p:cNvSpPr>
           <p:nvPr>
-            <p:ph type="sldNum" idx="6"/>
+            <p:ph type="sldNum" idx="5"/>
           </p:nvPr>
         </p:nvSpPr>
         <p:spPr/>
         <p:txBody>
           <a:bodyPr/>
           <a:p>
-            <a:fld id="{0C2FD8BB-A93E-462C-93BC-30F138ABA5B1}" type="slidenum">
+            <a:fld id="{84307832-7262-4221-BE51-395725F6C928}" type="slidenum">
               <a:t>&lt;#&gt;</a:t>
             </a:fld>
           </a:p>
@@ -425,7 +425,7 @@
             <a:spLocks noGrp="1"/>
           </p:cNvSpPr>
           <p:nvPr>
-            <p:ph type="dt" idx="4"/>
+            <p:ph type="dt" idx="6"/>
           </p:nvPr>
         </p:nvSpPr>
         <p:spPr/>
@@ -468,7 +468,7 @@
             <a:spLocks noGrp="1"/>
           </p:cNvSpPr>
           <p:nvPr>
-            <p:ph type="ftr" idx="8"/>
+            <p:ph type="ftr" idx="7"/>
           </p:nvPr>
         </p:nvSpPr>
         <p:spPr/>
@@ -488,14 +488,14 @@
             <a:spLocks noGrp="1"/>
           </p:cNvSpPr>
           <p:nvPr>
-            <p:ph type="sldNum" idx="9"/>
+            <p:ph type="sldNum" idx="8"/>
           </p:nvPr>
         </p:nvSpPr>
         <p:spPr/>
         <p:txBody>
           <a:bodyPr/>
           <a:p>
-            <a:fld id="{E69EFB7E-0F5B-43D7-9801-BC31ECE40371}" type="slidenum">
+            <a:fld id="{662047C7-02D5-4477-931C-AABD90BB7587}" type="slidenum">
               <a:t>&lt;#&gt;</a:t>
             </a:fld>
           </a:p>
@@ -508,7 +508,7 @@
             <a:spLocks noGrp="1"/>
           </p:cNvSpPr>
           <p:nvPr>
-            <p:ph type="dt" idx="7"/>
+            <p:ph type="dt" idx="9"/>
           </p:nvPr>
         </p:nvSpPr>
         <p:spPr/>
@@ -546,7 +546,7 @@
       </p:grpSpPr>
       <p:sp>
         <p:nvSpPr>
-          <p:cNvPr id="22" name="PlaceHolder 1"/>
+          <p:cNvPr id="18" name="PlaceHolder 1"/>
           <p:cNvSpPr>
             <a:spLocks noGrp="1"/>
           </p:cNvSpPr>
@@ -572,21 +572,21 @@
             <a:noAutofit/>
           </a:bodyPr>
           <a:p>
-            <a:pPr indent="0">
+            <a:pPr indent="0" algn="ctr">
               <a:buNone/>
             </a:pPr>
-            <a:endParaRPr b="0" lang="en-US" sz="1800" spc="-1" strike="noStrike">
-              <a:solidFill>
-                <a:schemeClr val="dk1"/>
-              </a:solidFill>
-              <a:latin typeface="Calibri"/>
-            </a:endParaRPr>
-          </a:p>
-        </p:txBody>
-      </p:sp>
-      <p:sp>
-        <p:nvSpPr>
-          <p:cNvPr id="23" name="PlaceHolder 2"/>
+            <a:endParaRPr b="0" lang="en-US" sz="4400" spc="-1" strike="noStrike">
+              <a:solidFill>
+                <a:srgbClr val="000000"/>
+              </a:solidFill>
+              <a:latin typeface="Arial"/>
+            </a:endParaRPr>
+          </a:p>
+        </p:txBody>
+      </p:sp>
+      <p:sp>
+        <p:nvSpPr>
+          <p:cNvPr id="19" name="PlaceHolder 2"/>
           <p:cNvSpPr>
             <a:spLocks noGrp="1"/>
           </p:cNvSpPr>
@@ -620,9 +620,9 @@
             </a:pPr>
             <a:endParaRPr b="0" lang="en-US" sz="3200" spc="-1" strike="noStrike">
               <a:solidFill>
-                <a:schemeClr val="dk1"/>
-              </a:solidFill>
-              <a:latin typeface="Calibri"/>
+                <a:srgbClr val="000000"/>
+              </a:solidFill>
+              <a:latin typeface="Arial"/>
             </a:endParaRPr>
           </a:p>
         </p:txBody>
@@ -634,7 +634,7 @@
             <a:spLocks noGrp="1"/>
           </p:cNvSpPr>
           <p:nvPr>
-            <p:ph type="ftr" idx="11"/>
+            <p:ph type="ftr" idx="10"/>
           </p:nvPr>
         </p:nvSpPr>
         <p:spPr/>
@@ -654,14 +654,14 @@
             <a:spLocks noGrp="1"/>
           </p:cNvSpPr>
           <p:nvPr>
-            <p:ph type="sldNum" idx="12"/>
+            <p:ph type="sldNum" idx="11"/>
           </p:nvPr>
         </p:nvSpPr>
         <p:spPr/>
         <p:txBody>
           <a:bodyPr/>
           <a:p>
-            <a:fld id="{525EA86D-9243-4B45-8391-9AB2A6BD8B97}" type="slidenum">
+            <a:fld id="{875D3182-87E8-4460-9D7F-5E6B255008BC}" type="slidenum">
               <a:t>&lt;#&gt;</a:t>
             </a:fld>
           </a:p>
@@ -674,7 +674,7 @@
             <a:spLocks noGrp="1"/>
           </p:cNvSpPr>
           <p:nvPr>
-            <p:ph type="dt" idx="10"/>
+            <p:ph type="dt" idx="12"/>
           </p:nvPr>
         </p:nvSpPr>
         <p:spPr/>
@@ -717,7 +717,7 @@
             <a:spLocks noGrp="1"/>
           </p:cNvSpPr>
           <p:nvPr>
-            <p:ph type="ftr" idx="14"/>
+            <p:ph type="ftr" idx="13"/>
           </p:nvPr>
         </p:nvSpPr>
         <p:spPr/>
@@ -737,14 +737,14 @@
             <a:spLocks noGrp="1"/>
           </p:cNvSpPr>
           <p:nvPr>
-            <p:ph type="sldNum" idx="15"/>
+            <p:ph type="sldNum" idx="14"/>
           </p:nvPr>
         </p:nvSpPr>
         <p:spPr/>
         <p:txBody>
           <a:bodyPr/>
           <a:p>
-            <a:fld id="{05724D6D-F634-495D-82DD-175804D8D4A6}" type="slidenum">
+            <a:fld id="{5DE93175-A4F7-4036-BF5A-015A0178A051}" type="slidenum">
               <a:t>&lt;#&gt;</a:t>
             </a:fld>
           </a:p>
@@ -757,7 +757,7 @@
             <a:spLocks noGrp="1"/>
           </p:cNvSpPr>
           <p:nvPr>
-            <p:ph type="dt" idx="13"/>
+            <p:ph type="dt" idx="15"/>
           </p:nvPr>
         </p:nvSpPr>
         <p:spPr/>
@@ -795,7 +795,7 @@
       </p:grpSpPr>
       <p:sp>
         <p:nvSpPr>
-          <p:cNvPr id="35" name="PlaceHolder 1"/>
+          <p:cNvPr id="29" name="PlaceHolder 1"/>
           <p:cNvSpPr>
             <a:spLocks noGrp="1"/>
           </p:cNvSpPr>
@@ -821,21 +821,21 @@
             <a:noAutofit/>
           </a:bodyPr>
           <a:p>
-            <a:pPr indent="0">
+            <a:pPr indent="0" algn="ctr">
               <a:buNone/>
             </a:pPr>
-            <a:endParaRPr b="0" lang="en-US" sz="1800" spc="-1" strike="noStrike">
-              <a:solidFill>
-                <a:schemeClr val="dk1"/>
-              </a:solidFill>
-              <a:latin typeface="Calibri"/>
-            </a:endParaRPr>
-          </a:p>
-        </p:txBody>
-      </p:sp>
-      <p:sp>
-        <p:nvSpPr>
-          <p:cNvPr id="36" name="PlaceHolder 2"/>
+            <a:endParaRPr b="0" lang="en-US" sz="4400" spc="-1" strike="noStrike">
+              <a:solidFill>
+                <a:srgbClr val="000000"/>
+              </a:solidFill>
+              <a:latin typeface="Arial"/>
+            </a:endParaRPr>
+          </a:p>
+        </p:txBody>
+      </p:sp>
+      <p:sp>
+        <p:nvSpPr>
+          <p:cNvPr id="30" name="PlaceHolder 2"/>
           <p:cNvSpPr>
             <a:spLocks noGrp="1"/>
           </p:cNvSpPr>
@@ -869,16 +869,16 @@
             </a:pPr>
             <a:endParaRPr b="0" lang="en-US" sz="3200" spc="-1" strike="noStrike">
               <a:solidFill>
-                <a:schemeClr val="dk1"/>
-              </a:solidFill>
-              <a:latin typeface="Calibri"/>
-            </a:endParaRPr>
-          </a:p>
-        </p:txBody>
-      </p:sp>
-      <p:sp>
-        <p:nvSpPr>
-          <p:cNvPr id="37" name="PlaceHolder 3"/>
+                <a:srgbClr val="000000"/>
+              </a:solidFill>
+              <a:latin typeface="Arial"/>
+            </a:endParaRPr>
+          </a:p>
+        </p:txBody>
+      </p:sp>
+      <p:sp>
+        <p:nvSpPr>
+          <p:cNvPr id="31" name="PlaceHolder 3"/>
           <p:cNvSpPr>
             <a:spLocks noGrp="1"/>
           </p:cNvSpPr>
@@ -912,9 +912,9 @@
             </a:pPr>
             <a:endParaRPr b="0" lang="en-US" sz="3200" spc="-1" strike="noStrike">
               <a:solidFill>
-                <a:schemeClr val="dk1"/>
-              </a:solidFill>
-              <a:latin typeface="Calibri"/>
+                <a:srgbClr val="000000"/>
+              </a:solidFill>
+              <a:latin typeface="Arial"/>
             </a:endParaRPr>
           </a:p>
         </p:txBody>
@@ -926,7 +926,7 @@
             <a:spLocks noGrp="1"/>
           </p:cNvSpPr>
           <p:nvPr>
-            <p:ph type="ftr" idx="17"/>
+            <p:ph type="ftr" idx="16"/>
           </p:nvPr>
         </p:nvSpPr>
         <p:spPr/>
@@ -946,14 +946,14 @@
             <a:spLocks noGrp="1"/>
           </p:cNvSpPr>
           <p:nvPr>
-            <p:ph type="sldNum" idx="18"/>
+            <p:ph type="sldNum" idx="17"/>
           </p:nvPr>
         </p:nvSpPr>
         <p:spPr/>
         <p:txBody>
           <a:bodyPr/>
           <a:p>
-            <a:fld id="{373B077C-3CEC-4DB7-A88B-AA86B6F5D283}" type="slidenum">
+            <a:fld id="{C0772315-4AF3-49A1-9B0F-E99125D5478B}" type="slidenum">
               <a:t>&lt;#&gt;</a:t>
             </a:fld>
           </a:p>
@@ -966,7 +966,7 @@
             <a:spLocks noGrp="1"/>
           </p:cNvSpPr>
           <p:nvPr>
-            <p:ph type="dt" idx="16"/>
+            <p:ph type="dt" idx="18"/>
           </p:nvPr>
         </p:nvSpPr>
         <p:spPr/>
@@ -1009,7 +1009,7 @@
             <a:spLocks noGrp="1"/>
           </p:cNvSpPr>
           <p:nvPr>
-            <p:ph type="ftr" idx="20"/>
+            <p:ph type="ftr" idx="19"/>
           </p:nvPr>
         </p:nvSpPr>
         <p:spPr/>
@@ -1029,14 +1029,14 @@
             <a:spLocks noGrp="1"/>
           </p:cNvSpPr>
           <p:nvPr>
-            <p:ph type="sldNum" idx="21"/>
+            <p:ph type="sldNum" idx="20"/>
           </p:nvPr>
         </p:nvSpPr>
         <p:spPr/>
         <p:txBody>
           <a:bodyPr/>
           <a:p>
-            <a:fld id="{19EF590A-3A89-41D9-9D9A-0443DFD15625}" type="slidenum">
+            <a:fld id="{001944A3-920E-4E59-B804-B023F9F8A6DF}" type="slidenum">
               <a:t>&lt;#&gt;</a:t>
             </a:fld>
           </a:p>
@@ -1049,7 +1049,7 @@
             <a:spLocks noGrp="1"/>
           </p:cNvSpPr>
           <p:nvPr>
-            <p:ph type="dt" idx="19"/>
+            <p:ph type="dt" idx="21"/>
           </p:nvPr>
         </p:nvSpPr>
         <p:spPr/>
@@ -1087,7 +1087,7 @@
       </p:grpSpPr>
       <p:sp>
         <p:nvSpPr>
-          <p:cNvPr id="50" name="PlaceHolder 1"/>
+          <p:cNvPr id="39" name="PlaceHolder 1"/>
           <p:cNvSpPr>
             <a:spLocks noGrp="1"/>
           </p:cNvSpPr>
@@ -1113,14 +1113,14 @@
             <a:noAutofit/>
           </a:bodyPr>
           <a:p>
-            <a:pPr indent="0">
+            <a:pPr indent="0" algn="ctr">
               <a:buNone/>
             </a:pPr>
-            <a:endParaRPr b="0" lang="en-US" sz="1800" spc="-1" strike="noStrike">
-              <a:solidFill>
-                <a:schemeClr val="dk1"/>
-              </a:solidFill>
-              <a:latin typeface="Calibri"/>
+            <a:endParaRPr b="0" lang="en-US" sz="4400" spc="-1" strike="noStrike">
+              <a:solidFill>
+                <a:srgbClr val="000000"/>
+              </a:solidFill>
+              <a:latin typeface="Arial"/>
             </a:endParaRPr>
           </a:p>
         </p:txBody>
@@ -1132,7 +1132,7 @@
             <a:spLocks noGrp="1"/>
           </p:cNvSpPr>
           <p:nvPr>
-            <p:ph type="ftr" idx="23"/>
+            <p:ph type="ftr" idx="22"/>
           </p:nvPr>
         </p:nvSpPr>
         <p:spPr/>
@@ -1152,14 +1152,14 @@
             <a:spLocks noGrp="1"/>
           </p:cNvSpPr>
           <p:nvPr>
-            <p:ph type="sldNum" idx="24"/>
+            <p:ph type="sldNum" idx="23"/>
           </p:nvPr>
         </p:nvSpPr>
         <p:spPr/>
         <p:txBody>
           <a:bodyPr/>
           <a:p>
-            <a:fld id="{669FF90A-1A9C-44F0-85AA-5403393E34CC}" type="slidenum">
+            <a:fld id="{87B29D32-2568-4320-A753-2CB2B72ECCCD}" type="slidenum">
               <a:t>&lt;#&gt;</a:t>
             </a:fld>
           </a:p>
@@ -1172,7 +1172,7 @@
             <a:spLocks noGrp="1"/>
           </p:cNvSpPr>
           <p:nvPr>
-            <p:ph type="dt" idx="22"/>
+            <p:ph type="dt" idx="24"/>
           </p:nvPr>
         </p:nvSpPr>
         <p:spPr/>
@@ -1215,7 +1215,7 @@
             <a:spLocks noGrp="1"/>
           </p:cNvSpPr>
           <p:nvPr>
-            <p:ph type="ftr" idx="26"/>
+            <p:ph type="ftr" idx="25"/>
           </p:nvPr>
         </p:nvSpPr>
         <p:spPr/>
@@ -1235,14 +1235,14 @@
             <a:spLocks noGrp="1"/>
           </p:cNvSpPr>
           <p:nvPr>
-            <p:ph type="sldNum" idx="27"/>
+            <p:ph type="sldNum" idx="26"/>
           </p:nvPr>
         </p:nvSpPr>
         <p:spPr/>
         <p:txBody>
           <a:bodyPr/>
           <a:p>
-            <a:fld id="{6448EC16-754C-400D-B585-235FA079F43E}" type="slidenum">
+            <a:fld id="{0CAC3203-F4D3-4193-9F93-4491A86F7091}" type="slidenum">
               <a:t>&lt;#&gt;</a:t>
             </a:fld>
           </a:p>
@@ -1255,7 +1255,7 @@
             <a:spLocks noGrp="1"/>
           </p:cNvSpPr>
           <p:nvPr>
-            <p:ph type="dt" idx="25"/>
+            <p:ph type="dt" idx="27"/>
           </p:nvPr>
         </p:nvSpPr>
         <p:spPr/>
@@ -1310,8 +1310,8 @@
         </p:nvSpPr>
         <p:spPr>
           <a:xfrm>
-            <a:off x="685800" y="2130480"/>
-            <a:ext cx="7772040" cy="1469520"/>
+            <a:off x="457200" y="273600"/>
+            <a:ext cx="8228880" cy="1144440"/>
           </a:xfrm>
           <a:prstGeom prst="rect">
             <a:avLst/>
@@ -1322,30 +1322,27 @@
           </a:ln>
         </p:spPr>
         <p:txBody>
-          <a:bodyPr lIns="91440" rIns="91440" tIns="45720" bIns="45720" anchor="ctr">
+          <a:bodyPr lIns="0" rIns="0" tIns="0" bIns="0" anchor="ctr">
             <a:noAutofit/>
           </a:bodyPr>
           <a:p>
-            <a:pPr indent="0" algn="ctr" defTabSz="457200">
-              <a:lnSpc>
-                <a:spcPct val="100000"/>
-              </a:lnSpc>
+            <a:pPr indent="0">
               <a:buNone/>
             </a:pPr>
             <a:r>
-              <a:rPr b="0" lang="en-US" sz="4400" spc="-1" strike="noStrike">
-                <a:solidFill>
-                  <a:schemeClr val="dk1"/>
-                </a:solidFill>
-                <a:latin typeface="Calibri"/>
-              </a:rPr>
-              <a:t>Click to edit Master title style</a:t>
-            </a:r>
-            <a:endParaRPr b="0" lang="en-US" sz="4400" spc="-1" strike="noStrike">
-              <a:solidFill>
-                <a:schemeClr val="dk1"/>
-              </a:solidFill>
-              <a:latin typeface="Calibri"/>
+              <a:rPr b="0" lang="en-US" sz="1800" spc="-1" strike="noStrike">
+                <a:solidFill>
+                  <a:srgbClr val="000000"/>
+                </a:solidFill>
+                <a:latin typeface="Arial"/>
+              </a:rPr>
+              <a:t>Click to edit the title text format</a:t>
+            </a:r>
+            <a:endParaRPr b="0" lang="en-US" sz="1800" spc="-1" strike="noStrike">
+              <a:solidFill>
+                <a:srgbClr val="000000"/>
+              </a:solidFill>
+              <a:latin typeface="Arial"/>
             </a:endParaRPr>
           </a:p>
         </p:txBody>
@@ -1357,13 +1354,13 @@
             <a:spLocks noGrp="1"/>
           </p:cNvSpPr>
           <p:nvPr>
-            <p:ph type="dt" idx="1"/>
+            <p:ph type="ftr" idx="1"/>
           </p:nvPr>
         </p:nvSpPr>
         <p:spPr>
           <a:xfrm>
-            <a:off x="457200" y="6356520"/>
-            <a:ext cx="2133360" cy="364680"/>
+            <a:off x="3124080" y="6356520"/>
+            <a:ext cx="2894760" cy="364320"/>
           </a:xfrm>
           <a:prstGeom prst="rect">
             <a:avLst/>
@@ -1378,40 +1375,42 @@
             <a:noAutofit/>
           </a:bodyPr>
           <a:lstStyle>
-            <a:lvl1pPr indent="0" defTabSz="457200">
+            <a:lvl1pPr indent="0" algn="ctr">
               <a:lnSpc>
                 <a:spcPct val="100000"/>
               </a:lnSpc>
               <a:buNone/>
-              <a:defRPr b="0" lang="en-US" sz="1200" spc="-1" strike="noStrike">
-                <a:solidFill>
-                  <a:schemeClr val="dk1">
-                    <a:tint val="75000"/>
-                  </a:schemeClr>
-                </a:solidFill>
-                <a:latin typeface="Calibri"/>
+              <a:tabLst>
+                <a:tab algn="l" pos="0"/>
+              </a:tabLst>
+              <a:defRPr b="0" lang="en-US" sz="1400" spc="-1" strike="noStrike">
+                <a:solidFill>
+                  <a:srgbClr val="000000"/>
+                </a:solidFill>
+                <a:latin typeface="Times New Roman"/>
               </a:defRPr>
             </a:lvl1pPr>
           </a:lstStyle>
           <a:p>
-            <a:pPr indent="0" defTabSz="457200">
+            <a:pPr indent="0" algn="ctr">
               <a:lnSpc>
                 <a:spcPct val="100000"/>
               </a:lnSpc>
               <a:buNone/>
-            </a:pPr>
-            <a:r>
-              <a:rPr b="0" lang="en-US" sz="1200" spc="-1" strike="noStrike">
-                <a:solidFill>
-                  <a:schemeClr val="dk1">
-                    <a:tint val="75000"/>
-                  </a:schemeClr>
-                </a:solidFill>
-                <a:latin typeface="Calibri"/>
-              </a:rPr>
-              <a:t>&lt;date/time&gt;</a:t>
-            </a:r>
-            <a:endParaRPr b="0" lang="en-US" sz="1200" spc="-1" strike="noStrike">
+              <a:tabLst>
+                <a:tab algn="l" pos="0"/>
+              </a:tabLst>
+            </a:pPr>
+            <a:r>
+              <a:rPr b="0" lang="en-US" sz="1400" spc="-1" strike="noStrike">
+                <a:solidFill>
+                  <a:srgbClr val="000000"/>
+                </a:solidFill>
+                <a:latin typeface="Times New Roman"/>
+              </a:rPr>
+              <a:t>&lt;footer&gt;</a:t>
+            </a:r>
+            <a:endParaRPr b="0" lang="en-US" sz="1400" spc="-1" strike="noStrike">
               <a:solidFill>
                 <a:srgbClr val="000000"/>
               </a:solidFill>
@@ -1427,13 +1426,13 @@
             <a:spLocks noGrp="1"/>
           </p:cNvSpPr>
           <p:nvPr>
-            <p:ph type="ftr" idx="2"/>
+            <p:ph type="sldNum" idx="2"/>
           </p:nvPr>
         </p:nvSpPr>
         <p:spPr>
           <a:xfrm>
-            <a:off x="3124080" y="6356520"/>
-            <a:ext cx="2895120" cy="364680"/>
+            <a:off x="6553080" y="6356520"/>
+            <a:ext cx="2133000" cy="364320"/>
           </a:xfrm>
           <a:prstGeom prst="rect">
             <a:avLst/>
@@ -1448,30 +1447,46 @@
             <a:noAutofit/>
           </a:bodyPr>
           <a:lstStyle>
-            <a:lvl1pPr indent="0" algn="ctr">
+            <a:lvl1pPr indent="0" algn="r" defTabSz="457200">
+              <a:lnSpc>
+                <a:spcPct val="100000"/>
+              </a:lnSpc>
               <a:buNone/>
-              <a:defRPr b="0" lang="en-US" sz="1400" spc="-1" strike="noStrike">
-                <a:solidFill>
-                  <a:srgbClr val="000000"/>
-                </a:solidFill>
-                <a:latin typeface="Times New Roman"/>
+              <a:tabLst>
+                <a:tab algn="l" pos="0"/>
+              </a:tabLst>
+              <a:defRPr b="0" lang="en-US" sz="1200" spc="-1" strike="noStrike">
+                <a:solidFill>
+                  <a:schemeClr val="dk1">
+                    <a:tint val="75000"/>
+                  </a:schemeClr>
+                </a:solidFill>
+                <a:latin typeface="Calibri"/>
               </a:defRPr>
             </a:lvl1pPr>
           </a:lstStyle>
           <a:p>
-            <a:pPr indent="0" algn="ctr">
+            <a:pPr indent="0" algn="r" defTabSz="457200">
+              <a:lnSpc>
+                <a:spcPct val="100000"/>
+              </a:lnSpc>
               <a:buNone/>
-            </a:pPr>
-            <a:r>
-              <a:rPr b="0" lang="en-US" sz="1400" spc="-1" strike="noStrike">
-                <a:solidFill>
-                  <a:srgbClr val="000000"/>
-                </a:solidFill>
-                <a:latin typeface="Times New Roman"/>
-              </a:rPr>
-              <a:t>&lt;footer&gt;</a:t>
-            </a:r>
-            <a:endParaRPr b="0" lang="en-US" sz="1400" spc="-1" strike="noStrike">
+              <a:tabLst>
+                <a:tab algn="l" pos="0"/>
+              </a:tabLst>
+            </a:pPr>
+            <a:fld id="{84C7CA23-CD3F-4BA1-BA4F-CD626AD6972E}" type="slidenum">
+              <a:rPr b="0" lang="en-US" sz="1200" spc="-1" strike="noStrike">
+                <a:solidFill>
+                  <a:schemeClr val="dk1">
+                    <a:tint val="75000"/>
+                  </a:schemeClr>
+                </a:solidFill>
+                <a:latin typeface="Calibri"/>
+              </a:rPr>
+              <a:t>&lt;number&gt;</a:t>
+            </a:fld>
+            <a:endParaRPr b="0" lang="en-US" sz="1200" spc="-1" strike="noStrike">
               <a:solidFill>
                 <a:srgbClr val="000000"/>
               </a:solidFill>
@@ -1487,13 +1502,13 @@
             <a:spLocks noGrp="1"/>
           </p:cNvSpPr>
           <p:nvPr>
-            <p:ph type="sldNum" idx="3"/>
+            <p:ph type="dt" idx="3"/>
           </p:nvPr>
         </p:nvSpPr>
         <p:spPr>
           <a:xfrm>
-            <a:off x="6553080" y="6356520"/>
-            <a:ext cx="2133360" cy="364680"/>
+            <a:off x="457200" y="6356520"/>
+            <a:ext cx="2133000" cy="364320"/>
           </a:xfrm>
           <a:prstGeom prst="rect">
             <a:avLst/>
@@ -1508,40 +1523,30 @@
             <a:noAutofit/>
           </a:bodyPr>
           <a:lstStyle>
-            <a:lvl1pPr indent="0" algn="r" defTabSz="457200">
-              <a:lnSpc>
-                <a:spcPct val="100000"/>
-              </a:lnSpc>
+            <a:lvl1pPr indent="0">
               <a:buNone/>
-              <a:defRPr b="0" lang="en-US" sz="1200" spc="-1" strike="noStrike">
-                <a:solidFill>
-                  <a:schemeClr val="dk1">
-                    <a:tint val="75000"/>
-                  </a:schemeClr>
-                </a:solidFill>
-                <a:latin typeface="Calibri"/>
+              <a:defRPr b="0" lang="en-US" sz="1400" spc="-1" strike="noStrike">
+                <a:solidFill>
+                  <a:srgbClr val="000000"/>
+                </a:solidFill>
+                <a:latin typeface="Times New Roman"/>
               </a:defRPr>
             </a:lvl1pPr>
           </a:lstStyle>
           <a:p>
-            <a:pPr indent="0" algn="r" defTabSz="457200">
-              <a:lnSpc>
-                <a:spcPct val="100000"/>
-              </a:lnSpc>
+            <a:pPr indent="0">
               <a:buNone/>
             </a:pPr>
-            <a:fld id="{BCEF9BE3-FBD9-434C-B344-BC6FF303DC7D}" type="slidenum">
-              <a:rPr b="0" lang="en-US" sz="1200" spc="-1" strike="noStrike">
-                <a:solidFill>
-                  <a:schemeClr val="dk1">
-                    <a:tint val="75000"/>
-                  </a:schemeClr>
-                </a:solidFill>
-                <a:latin typeface="Calibri"/>
-              </a:rPr>
-              <a:t>&lt;number&gt;</a:t>
-            </a:fld>
-            <a:endParaRPr b="0" lang="en-US" sz="1200" spc="-1" strike="noStrike">
+            <a:r>
+              <a:rPr b="0" lang="en-US" sz="1400" spc="-1" strike="noStrike">
+                <a:solidFill>
+                  <a:srgbClr val="000000"/>
+                </a:solidFill>
+                <a:latin typeface="Times New Roman"/>
+              </a:rPr>
+              <a:t>&lt;date/time&gt;</a:t>
+            </a:r>
+            <a:endParaRPr b="0" lang="en-US" sz="1400" spc="-1" strike="noStrike">
               <a:solidFill>
                 <a:srgbClr val="000000"/>
               </a:solidFill>
@@ -1592,17 +1597,17 @@
             <a:r>
               <a:rPr b="0" lang="en-US" sz="3200" spc="-1" strike="noStrike">
                 <a:solidFill>
-                  <a:schemeClr val="dk1"/>
-                </a:solidFill>
-                <a:latin typeface="Calibri"/>
+                  <a:srgbClr val="000000"/>
+                </a:solidFill>
+                <a:latin typeface="Arial"/>
               </a:rPr>
               <a:t>Click to edit the outline text format</a:t>
             </a:r>
             <a:endParaRPr b="0" lang="en-US" sz="3200" spc="-1" strike="noStrike">
               <a:solidFill>
-                <a:schemeClr val="dk1"/>
-              </a:solidFill>
-              <a:latin typeface="Calibri"/>
+                <a:srgbClr val="000000"/>
+              </a:solidFill>
+              <a:latin typeface="Arial"/>
             </a:endParaRPr>
           </a:p>
           <a:p>
@@ -1618,19 +1623,19 @@
               <a:buChar char=""/>
             </a:pPr>
             <a:r>
-              <a:rPr b="0" lang="en-US" sz="2400" spc="-1" strike="noStrike">
-                <a:solidFill>
-                  <a:schemeClr val="dk1"/>
-                </a:solidFill>
-                <a:latin typeface="Calibri"/>
+              <a:rPr b="0" lang="en-US" sz="2800" spc="-1" strike="noStrike">
+                <a:solidFill>
+                  <a:srgbClr val="000000"/>
+                </a:solidFill>
+                <a:latin typeface="Arial"/>
               </a:rPr>
               <a:t>Second Outline Level</a:t>
             </a:r>
-            <a:endParaRPr b="0" lang="en-US" sz="2400" spc="-1" strike="noStrike">
-              <a:solidFill>
-                <a:schemeClr val="dk1"/>
-              </a:solidFill>
-              <a:latin typeface="Calibri"/>
+            <a:endParaRPr b="0" lang="en-US" sz="2800" spc="-1" strike="noStrike">
+              <a:solidFill>
+                <a:srgbClr val="000000"/>
+              </a:solidFill>
+              <a:latin typeface="Arial"/>
             </a:endParaRPr>
           </a:p>
           <a:p>
@@ -1646,19 +1651,19 @@
               <a:buChar char=""/>
             </a:pPr>
             <a:r>
-              <a:rPr b="0" lang="en-US" sz="2000" spc="-1" strike="noStrike">
-                <a:solidFill>
-                  <a:schemeClr val="dk1"/>
-                </a:solidFill>
-                <a:latin typeface="Calibri"/>
+              <a:rPr b="0" lang="en-US" sz="2400" spc="-1" strike="noStrike">
+                <a:solidFill>
+                  <a:srgbClr val="000000"/>
+                </a:solidFill>
+                <a:latin typeface="Arial"/>
               </a:rPr>
               <a:t>Third Outline Level</a:t>
             </a:r>
-            <a:endParaRPr b="0" lang="en-US" sz="2000" spc="-1" strike="noStrike">
-              <a:solidFill>
-                <a:schemeClr val="dk1"/>
-              </a:solidFill>
-              <a:latin typeface="Calibri"/>
+            <a:endParaRPr b="0" lang="en-US" sz="2400" spc="-1" strike="noStrike">
+              <a:solidFill>
+                <a:srgbClr val="000000"/>
+              </a:solidFill>
+              <a:latin typeface="Arial"/>
             </a:endParaRPr>
           </a:p>
           <a:p>
@@ -1676,17 +1681,17 @@
             <a:r>
               <a:rPr b="0" lang="en-US" sz="2000" spc="-1" strike="noStrike">
                 <a:solidFill>
-                  <a:schemeClr val="dk1"/>
-                </a:solidFill>
-                <a:latin typeface="Calibri"/>
+                  <a:srgbClr val="000000"/>
+                </a:solidFill>
+                <a:latin typeface="Arial"/>
               </a:rPr>
               <a:t>Fourth Outline Level</a:t>
             </a:r>
             <a:endParaRPr b="0" lang="en-US" sz="2000" spc="-1" strike="noStrike">
               <a:solidFill>
-                <a:schemeClr val="dk1"/>
-              </a:solidFill>
-              <a:latin typeface="Calibri"/>
+                <a:srgbClr val="000000"/>
+              </a:solidFill>
+              <a:latin typeface="Arial"/>
             </a:endParaRPr>
           </a:p>
           <a:p>
@@ -1704,17 +1709,17 @@
             <a:r>
               <a:rPr b="0" lang="en-US" sz="2000" spc="-1" strike="noStrike">
                 <a:solidFill>
-                  <a:schemeClr val="dk1"/>
-                </a:solidFill>
-                <a:latin typeface="Calibri"/>
+                  <a:srgbClr val="000000"/>
+                </a:solidFill>
+                <a:latin typeface="Arial"/>
               </a:rPr>
               <a:t>Fifth Outline Level</a:t>
             </a:r>
             <a:endParaRPr b="0" lang="en-US" sz="2000" spc="-1" strike="noStrike">
               <a:solidFill>
-                <a:schemeClr val="dk1"/>
-              </a:solidFill>
-              <a:latin typeface="Calibri"/>
+                <a:srgbClr val="000000"/>
+              </a:solidFill>
+              <a:latin typeface="Arial"/>
             </a:endParaRPr>
           </a:p>
           <a:p>
@@ -1732,17 +1737,17 @@
             <a:r>
               <a:rPr b="0" lang="en-US" sz="2000" spc="-1" strike="noStrike">
                 <a:solidFill>
-                  <a:schemeClr val="dk1"/>
-                </a:solidFill>
-                <a:latin typeface="Calibri"/>
+                  <a:srgbClr val="000000"/>
+                </a:solidFill>
+                <a:latin typeface="Arial"/>
               </a:rPr>
               <a:t>Sixth Outline Level</a:t>
             </a:r>
             <a:endParaRPr b="0" lang="en-US" sz="2000" spc="-1" strike="noStrike">
               <a:solidFill>
-                <a:schemeClr val="dk1"/>
-              </a:solidFill>
-              <a:latin typeface="Calibri"/>
+                <a:srgbClr val="000000"/>
+              </a:solidFill>
+              <a:latin typeface="Arial"/>
             </a:endParaRPr>
           </a:p>
           <a:p>
@@ -1760,17 +1765,17 @@
             <a:r>
               <a:rPr b="0" lang="en-US" sz="2000" spc="-1" strike="noStrike">
                 <a:solidFill>
-                  <a:schemeClr val="dk1"/>
-                </a:solidFill>
-                <a:latin typeface="Calibri"/>
+                  <a:srgbClr val="000000"/>
+                </a:solidFill>
+                <a:latin typeface="Arial"/>
               </a:rPr>
               <a:t>Seventh Outline Level</a:t>
             </a:r>
             <a:endParaRPr b="0" lang="en-US" sz="2000" spc="-1" strike="noStrike">
               <a:solidFill>
-                <a:schemeClr val="dk1"/>
-              </a:solidFill>
-              <a:latin typeface="Calibri"/>
+                <a:srgbClr val="000000"/>
+              </a:solidFill>
+              <a:latin typeface="Arial"/>
             </a:endParaRPr>
           </a:p>
         </p:txBody>
@@ -1810,18 +1815,18 @@
       </p:grpSpPr>
       <p:sp>
         <p:nvSpPr>
-          <p:cNvPr id="56" name="PlaceHolder 1"/>
+          <p:cNvPr id="45" name="PlaceHolder 1"/>
           <p:cNvSpPr>
             <a:spLocks noGrp="1"/>
           </p:cNvSpPr>
           <p:nvPr>
-            <p:ph type="title"/>
+            <p:ph type="ftr" idx="28"/>
           </p:nvPr>
         </p:nvSpPr>
         <p:spPr>
           <a:xfrm>
-            <a:off x="457200" y="272880"/>
-            <a:ext cx="3007800" cy="1161720"/>
+            <a:off x="3124080" y="6356520"/>
+            <a:ext cx="2894760" cy="364320"/>
           </a:xfrm>
           <a:prstGeom prst="rect">
             <a:avLst/>
@@ -1832,48 +1837,68 @@
           </a:ln>
         </p:spPr>
         <p:txBody>
-          <a:bodyPr lIns="91440" rIns="91440" tIns="45720" bIns="45720" anchor="b">
+          <a:bodyPr lIns="91440" rIns="91440" tIns="45720" bIns="45720" anchor="ctr">
             <a:noAutofit/>
           </a:bodyPr>
-          <a:p>
-            <a:pPr indent="0" defTabSz="457200">
+          <a:lstStyle>
+            <a:lvl1pPr indent="0" algn="ctr">
               <a:lnSpc>
                 <a:spcPct val="100000"/>
               </a:lnSpc>
               <a:buNone/>
-            </a:pPr>
-            <a:r>
-              <a:rPr b="1" lang="en-US" sz="2000" spc="-1" strike="noStrike">
-                <a:solidFill>
-                  <a:schemeClr val="dk1"/>
-                </a:solidFill>
-                <a:latin typeface="Calibri"/>
-              </a:rPr>
-              <a:t>Click to edit Master title style</a:t>
-            </a:r>
-            <a:endParaRPr b="0" lang="en-US" sz="2000" spc="-1" strike="noStrike">
-              <a:solidFill>
-                <a:schemeClr val="dk1"/>
-              </a:solidFill>
-              <a:latin typeface="Calibri"/>
-            </a:endParaRPr>
-          </a:p>
-        </p:txBody>
-      </p:sp>
-      <p:sp>
-        <p:nvSpPr>
-          <p:cNvPr id="57" name="PlaceHolder 2"/>
+              <a:tabLst>
+                <a:tab algn="l" pos="0"/>
+              </a:tabLst>
+              <a:defRPr b="0" lang="en-US" sz="1400" spc="-1" strike="noStrike">
+                <a:solidFill>
+                  <a:srgbClr val="000000"/>
+                </a:solidFill>
+                <a:latin typeface="Times New Roman"/>
+              </a:defRPr>
+            </a:lvl1pPr>
+          </a:lstStyle>
+          <a:p>
+            <a:pPr indent="0" algn="ctr">
+              <a:lnSpc>
+                <a:spcPct val="100000"/>
+              </a:lnSpc>
+              <a:buNone/>
+              <a:tabLst>
+                <a:tab algn="l" pos="0"/>
+              </a:tabLst>
+            </a:pPr>
+            <a:r>
+              <a:rPr b="0" lang="en-US" sz="1400" spc="-1" strike="noStrike">
+                <a:solidFill>
+                  <a:srgbClr val="000000"/>
+                </a:solidFill>
+                <a:latin typeface="Times New Roman"/>
+              </a:rPr>
+              <a:t>&lt;footer&gt;</a:t>
+            </a:r>
+            <a:endParaRPr b="0" lang="en-US" sz="1400" spc="-1" strike="noStrike">
+              <a:solidFill>
+                <a:srgbClr val="000000"/>
+              </a:solidFill>
+              <a:latin typeface="Times New Roman"/>
+            </a:endParaRPr>
+          </a:p>
+        </p:txBody>
+      </p:sp>
+      <p:sp>
+        <p:nvSpPr>
+          <p:cNvPr id="46" name="PlaceHolder 2"/>
           <p:cNvSpPr>
             <a:spLocks noGrp="1"/>
           </p:cNvSpPr>
           <p:nvPr>
-            <p:ph type="body"/>
+            <p:ph type="sldNum" idx="29"/>
           </p:nvPr>
         </p:nvSpPr>
         <p:spPr>
           <a:xfrm>
-            <a:off x="3575160" y="272880"/>
-            <a:ext cx="5111280" cy="5852880"/>
+            <a:off x="6553080" y="6356520"/>
+            <a:ext cx="2133000" cy="364320"/>
           </a:xfrm>
           <a:prstGeom prst="rect">
             <a:avLst/>
@@ -1884,175 +1909,72 @@
           </a:ln>
         </p:spPr>
         <p:txBody>
-          <a:bodyPr lIns="91440" rIns="91440" tIns="45720" bIns="45720" anchor="t">
+          <a:bodyPr lIns="91440" rIns="91440" tIns="45720" bIns="45720" anchor="ctr">
             <a:noAutofit/>
           </a:bodyPr>
-          <a:p>
-            <a:pPr marL="343080" indent="-343080" defTabSz="457200">
-              <a:lnSpc>
-                <a:spcPct val="100000"/>
-              </a:lnSpc>
-              <a:spcBef>
-                <a:spcPts val="641"/>
-              </a:spcBef>
-              <a:buClr>
-                <a:srgbClr val="000000"/>
-              </a:buClr>
-              <a:buFont typeface="Arial"/>
-              <a:buChar char="•"/>
-            </a:pPr>
-            <a:r>
-              <a:rPr b="0" lang="en-US" sz="3200" spc="-1" strike="noStrike">
-                <a:solidFill>
-                  <a:schemeClr val="dk1"/>
-                </a:solidFill>
-                <a:latin typeface="Calibri"/>
-              </a:rPr>
-              <a:t>Click to edit Master text styles</a:t>
-            </a:r>
-            <a:endParaRPr b="0" lang="en-US" sz="3200" spc="-1" strike="noStrike">
-              <a:solidFill>
-                <a:schemeClr val="dk1"/>
-              </a:solidFill>
-              <a:latin typeface="Calibri"/>
-            </a:endParaRPr>
-          </a:p>
-          <a:p>
-            <a:pPr lvl="1" marL="743040" indent="-285840" defTabSz="457200">
-              <a:lnSpc>
-                <a:spcPct val="100000"/>
-              </a:lnSpc>
-              <a:spcBef>
-                <a:spcPts val="561"/>
-              </a:spcBef>
-              <a:buClr>
-                <a:srgbClr val="000000"/>
-              </a:buClr>
-              <a:buFont typeface="Arial"/>
-              <a:buChar char="–"/>
-            </a:pPr>
-            <a:r>
-              <a:rPr b="0" lang="en-US" sz="2800" spc="-1" strike="noStrike">
-                <a:solidFill>
-                  <a:schemeClr val="dk1"/>
-                </a:solidFill>
-                <a:latin typeface="Calibri"/>
-              </a:rPr>
-              <a:t>Second level</a:t>
-            </a:r>
-            <a:endParaRPr b="0" lang="en-US" sz="2800" spc="-1" strike="noStrike">
-              <a:solidFill>
-                <a:schemeClr val="dk1"/>
-              </a:solidFill>
-              <a:latin typeface="Calibri"/>
-            </a:endParaRPr>
-          </a:p>
-          <a:p>
-            <a:pPr lvl="2" marL="1143000" indent="-228600" defTabSz="457200">
-              <a:lnSpc>
-                <a:spcPct val="100000"/>
-              </a:lnSpc>
-              <a:spcBef>
-                <a:spcPts val="479"/>
-              </a:spcBef>
-              <a:buClr>
-                <a:srgbClr val="000000"/>
-              </a:buClr>
-              <a:buFont typeface="Arial"/>
-              <a:buChar char="•"/>
-            </a:pPr>
-            <a:r>
-              <a:rPr b="0" lang="en-US" sz="2400" spc="-1" strike="noStrike">
-                <a:solidFill>
-                  <a:schemeClr val="dk1"/>
-                </a:solidFill>
-                <a:latin typeface="Calibri"/>
-              </a:rPr>
-              <a:t>Third level</a:t>
-            </a:r>
-            <a:endParaRPr b="0" lang="en-US" sz="2400" spc="-1" strike="noStrike">
-              <a:solidFill>
-                <a:schemeClr val="dk1"/>
-              </a:solidFill>
-              <a:latin typeface="Calibri"/>
-            </a:endParaRPr>
-          </a:p>
-          <a:p>
-            <a:pPr lvl="3" marL="1600200" indent="-228600" defTabSz="457200">
-              <a:lnSpc>
-                <a:spcPct val="100000"/>
-              </a:lnSpc>
-              <a:spcBef>
-                <a:spcPts val="400"/>
-              </a:spcBef>
-              <a:buClr>
-                <a:srgbClr val="000000"/>
-              </a:buClr>
-              <a:buFont typeface="Arial"/>
-              <a:buChar char="–"/>
-            </a:pPr>
-            <a:r>
-              <a:rPr b="0" lang="en-US" sz="2000" spc="-1" strike="noStrike">
-                <a:solidFill>
-                  <a:schemeClr val="dk1"/>
-                </a:solidFill>
-                <a:latin typeface="Calibri"/>
-              </a:rPr>
-              <a:t>Fourth level</a:t>
-            </a:r>
-            <a:endParaRPr b="0" lang="en-US" sz="2000" spc="-1" strike="noStrike">
-              <a:solidFill>
-                <a:schemeClr val="dk1"/>
-              </a:solidFill>
-              <a:latin typeface="Calibri"/>
-            </a:endParaRPr>
-          </a:p>
-          <a:p>
-            <a:pPr lvl="4" marL="2057400" indent="-228600" defTabSz="457200">
-              <a:lnSpc>
-                <a:spcPct val="100000"/>
-              </a:lnSpc>
-              <a:spcBef>
-                <a:spcPts val="400"/>
-              </a:spcBef>
-              <a:buClr>
-                <a:srgbClr val="000000"/>
-              </a:buClr>
-              <a:buFont typeface="Arial"/>
-              <a:buChar char="»"/>
-            </a:pPr>
-            <a:r>
-              <a:rPr b="0" lang="en-US" sz="2000" spc="-1" strike="noStrike">
-                <a:solidFill>
-                  <a:schemeClr val="dk1"/>
-                </a:solidFill>
-                <a:latin typeface="Calibri"/>
-              </a:rPr>
-              <a:t>Fifth level</a:t>
-            </a:r>
-            <a:endParaRPr b="0" lang="en-US" sz="2000" spc="-1" strike="noStrike">
-              <a:solidFill>
-                <a:schemeClr val="dk1"/>
-              </a:solidFill>
-              <a:latin typeface="Calibri"/>
-            </a:endParaRPr>
-          </a:p>
-        </p:txBody>
-      </p:sp>
-      <p:sp>
-        <p:nvSpPr>
-          <p:cNvPr id="58" name="PlaceHolder 3"/>
+          <a:lstStyle>
+            <a:lvl1pPr indent="0" algn="r" defTabSz="457200">
+              <a:lnSpc>
+                <a:spcPct val="100000"/>
+              </a:lnSpc>
+              <a:buNone/>
+              <a:tabLst>
+                <a:tab algn="l" pos="0"/>
+              </a:tabLst>
+              <a:defRPr b="0" lang="en-US" sz="1200" spc="-1" strike="noStrike">
+                <a:solidFill>
+                  <a:schemeClr val="dk1">
+                    <a:tint val="75000"/>
+                  </a:schemeClr>
+                </a:solidFill>
+                <a:latin typeface="Calibri"/>
+              </a:defRPr>
+            </a:lvl1pPr>
+          </a:lstStyle>
+          <a:p>
+            <a:pPr indent="0" algn="r" defTabSz="457200">
+              <a:lnSpc>
+                <a:spcPct val="100000"/>
+              </a:lnSpc>
+              <a:buNone/>
+              <a:tabLst>
+                <a:tab algn="l" pos="0"/>
+              </a:tabLst>
+            </a:pPr>
+            <a:fld id="{C351789D-CD7F-4335-BD1A-68DAF7F953D1}" type="slidenum">
+              <a:rPr b="0" lang="en-US" sz="1200" spc="-1" strike="noStrike">
+                <a:solidFill>
+                  <a:schemeClr val="dk1">
+                    <a:tint val="75000"/>
+                  </a:schemeClr>
+                </a:solidFill>
+                <a:latin typeface="Calibri"/>
+              </a:rPr>
+              <a:t>&lt;number&gt;</a:t>
+            </a:fld>
+            <a:endParaRPr b="0" lang="en-US" sz="1200" spc="-1" strike="noStrike">
+              <a:solidFill>
+                <a:srgbClr val="000000"/>
+              </a:solidFill>
+              <a:latin typeface="Times New Roman"/>
+            </a:endParaRPr>
+          </a:p>
+        </p:txBody>
+      </p:sp>
+      <p:sp>
+        <p:nvSpPr>
+          <p:cNvPr id="47" name="PlaceHolder 3"/>
           <p:cNvSpPr>
             <a:spLocks noGrp="1"/>
           </p:cNvSpPr>
           <p:nvPr>
-            <p:ph type="body"/>
+            <p:ph type="dt" idx="30"/>
           </p:nvPr>
         </p:nvSpPr>
         <p:spPr>
           <a:xfrm>
-            <a:off x="457200" y="1434960"/>
-            <a:ext cx="3007800" cy="4690800"/>
+            <a:off x="457200" y="6356520"/>
+            <a:ext cx="2133000" cy="364320"/>
           </a:xfrm>
           <a:prstGeom prst="rect">
             <a:avLst/>
@@ -2063,139 +1985,11 @@
           </a:ln>
         </p:spPr>
         <p:txBody>
-          <a:bodyPr lIns="91440" rIns="91440" tIns="45720" bIns="45720" anchor="t">
-            <a:noAutofit/>
-          </a:bodyPr>
-          <a:p>
-            <a:pPr indent="0" defTabSz="457200">
-              <a:lnSpc>
-                <a:spcPct val="100000"/>
-              </a:lnSpc>
-              <a:spcBef>
-                <a:spcPts val="281"/>
-              </a:spcBef>
-              <a:buNone/>
-              <a:tabLst>
-                <a:tab algn="l" pos="0"/>
-              </a:tabLst>
-            </a:pPr>
-            <a:r>
-              <a:rPr b="0" lang="en-US" sz="1400" spc="-1" strike="noStrike">
-                <a:solidFill>
-                  <a:schemeClr val="dk1"/>
-                </a:solidFill>
-                <a:latin typeface="Calibri"/>
-              </a:rPr>
-              <a:t>Click to edit Master text styles</a:t>
-            </a:r>
-            <a:endParaRPr b="0" lang="en-US" sz="1400" spc="-1" strike="noStrike">
-              <a:solidFill>
-                <a:schemeClr val="dk1"/>
-              </a:solidFill>
-              <a:latin typeface="Calibri"/>
-            </a:endParaRPr>
-          </a:p>
-        </p:txBody>
-      </p:sp>
-      <p:sp>
-        <p:nvSpPr>
-          <p:cNvPr id="59" name="PlaceHolder 4"/>
-          <p:cNvSpPr>
-            <a:spLocks noGrp="1"/>
-          </p:cNvSpPr>
-          <p:nvPr>
-            <p:ph type="dt" idx="28"/>
-          </p:nvPr>
-        </p:nvSpPr>
-        <p:spPr>
-          <a:xfrm>
-            <a:off x="457200" y="6356520"/>
-            <a:ext cx="2133360" cy="364680"/>
-          </a:xfrm>
-          <a:prstGeom prst="rect">
-            <a:avLst/>
-          </a:prstGeom>
-          <a:noFill/>
-          <a:ln w="0">
-            <a:noFill/>
-          </a:ln>
-        </p:spPr>
-        <p:txBody>
           <a:bodyPr lIns="91440" rIns="91440" tIns="45720" bIns="45720" anchor="ctr">
             <a:noAutofit/>
           </a:bodyPr>
           <a:lstStyle>
-            <a:lvl1pPr indent="0" defTabSz="457200">
-              <a:lnSpc>
-                <a:spcPct val="100000"/>
-              </a:lnSpc>
-              <a:buNone/>
-              <a:defRPr b="0" lang="en-US" sz="1200" spc="-1" strike="noStrike">
-                <a:solidFill>
-                  <a:schemeClr val="dk1">
-                    <a:tint val="75000"/>
-                  </a:schemeClr>
-                </a:solidFill>
-                <a:latin typeface="Calibri"/>
-              </a:defRPr>
-            </a:lvl1pPr>
-          </a:lstStyle>
-          <a:p>
-            <a:pPr indent="0" defTabSz="457200">
-              <a:lnSpc>
-                <a:spcPct val="100000"/>
-              </a:lnSpc>
-              <a:buNone/>
-            </a:pPr>
-            <a:r>
-              <a:rPr b="0" lang="en-US" sz="1200" spc="-1" strike="noStrike">
-                <a:solidFill>
-                  <a:schemeClr val="dk1">
-                    <a:tint val="75000"/>
-                  </a:schemeClr>
-                </a:solidFill>
-                <a:latin typeface="Calibri"/>
-              </a:rPr>
-              <a:t>&lt;date/time&gt;</a:t>
-            </a:r>
-            <a:endParaRPr b="0" lang="en-US" sz="1200" spc="-1" strike="noStrike">
-              <a:solidFill>
-                <a:srgbClr val="000000"/>
-              </a:solidFill>
-              <a:latin typeface="Times New Roman"/>
-            </a:endParaRPr>
-          </a:p>
-        </p:txBody>
-      </p:sp>
-      <p:sp>
-        <p:nvSpPr>
-          <p:cNvPr id="60" name="PlaceHolder 5"/>
-          <p:cNvSpPr>
-            <a:spLocks noGrp="1"/>
-          </p:cNvSpPr>
-          <p:nvPr>
-            <p:ph type="ftr" idx="29"/>
-          </p:nvPr>
-        </p:nvSpPr>
-        <p:spPr>
-          <a:xfrm>
-            <a:off x="3124080" y="6356520"/>
-            <a:ext cx="2895120" cy="364680"/>
-          </a:xfrm>
-          <a:prstGeom prst="rect">
-            <a:avLst/>
-          </a:prstGeom>
-          <a:noFill/>
-          <a:ln w="0">
-            <a:noFill/>
-          </a:ln>
-        </p:spPr>
-        <p:txBody>
-          <a:bodyPr lIns="91440" rIns="91440" tIns="45720" bIns="45720" anchor="ctr">
-            <a:noAutofit/>
-          </a:bodyPr>
-          <a:lstStyle>
-            <a:lvl1pPr indent="0" algn="ctr">
+            <a:lvl1pPr indent="0">
               <a:buNone/>
               <a:defRPr b="0" lang="en-US" sz="1400" spc="-1" strike="noStrike">
                 <a:solidFill>
@@ -2206,7 +2000,7 @@
             </a:lvl1pPr>
           </a:lstStyle>
           <a:p>
-            <a:pPr indent="0" algn="ctr">
+            <a:pPr indent="0">
               <a:buNone/>
             </a:pPr>
             <a:r>
@@ -2216,79 +2010,9 @@
                 </a:solidFill>
                 <a:latin typeface="Times New Roman"/>
               </a:rPr>
-              <a:t>&lt;footer&gt;</a:t>
+              <a:t>&lt;date/time&gt;</a:t>
             </a:r>
             <a:endParaRPr b="0" lang="en-US" sz="1400" spc="-1" strike="noStrike">
-              <a:solidFill>
-                <a:srgbClr val="000000"/>
-              </a:solidFill>
-              <a:latin typeface="Times New Roman"/>
-            </a:endParaRPr>
-          </a:p>
-        </p:txBody>
-      </p:sp>
-      <p:sp>
-        <p:nvSpPr>
-          <p:cNvPr id="61" name="PlaceHolder 6"/>
-          <p:cNvSpPr>
-            <a:spLocks noGrp="1"/>
-          </p:cNvSpPr>
-          <p:nvPr>
-            <p:ph type="sldNum" idx="30"/>
-          </p:nvPr>
-        </p:nvSpPr>
-        <p:spPr>
-          <a:xfrm>
-            <a:off x="6553080" y="6356520"/>
-            <a:ext cx="2133360" cy="364680"/>
-          </a:xfrm>
-          <a:prstGeom prst="rect">
-            <a:avLst/>
-          </a:prstGeom>
-          <a:noFill/>
-          <a:ln w="0">
-            <a:noFill/>
-          </a:ln>
-        </p:spPr>
-        <p:txBody>
-          <a:bodyPr lIns="91440" rIns="91440" tIns="45720" bIns="45720" anchor="ctr">
-            <a:noAutofit/>
-          </a:bodyPr>
-          <a:lstStyle>
-            <a:lvl1pPr indent="0" algn="r" defTabSz="457200">
-              <a:lnSpc>
-                <a:spcPct val="100000"/>
-              </a:lnSpc>
-              <a:buNone/>
-              <a:defRPr b="0" lang="en-US" sz="1200" spc="-1" strike="noStrike">
-                <a:solidFill>
-                  <a:schemeClr val="dk1">
-                    <a:tint val="75000"/>
-                  </a:schemeClr>
-                </a:solidFill>
-                <a:latin typeface="Calibri"/>
-              </a:defRPr>
-            </a:lvl1pPr>
-          </a:lstStyle>
-          <a:p>
-            <a:pPr indent="0" algn="r" defTabSz="457200">
-              <a:lnSpc>
-                <a:spcPct val="100000"/>
-              </a:lnSpc>
-              <a:buNone/>
-            </a:pPr>
-            <a:fld id="{DD06E7C7-59D2-4E8A-A83E-83228C4A3E1A}" type="slidenum">
-              <a:rPr b="0" lang="en-US" sz="1200" spc="-1" strike="noStrike">
-                <a:solidFill>
-                  <a:schemeClr val="dk1">
-                    <a:tint val="75000"/>
-                  </a:schemeClr>
-                </a:solidFill>
-                <a:latin typeface="Calibri"/>
-              </a:rPr>
-              <a:t>&lt;number&gt;</a:t>
-            </a:fld>
-            <a:endParaRPr b="0" lang="en-US" sz="1200" spc="-1" strike="noStrike">
               <a:solidFill>
                 <a:srgbClr val="000000"/>
               </a:solidFill>
@@ -2332,18 +2056,18 @@
       </p:grpSpPr>
       <p:sp>
         <p:nvSpPr>
-          <p:cNvPr id="62" name="PlaceHolder 1"/>
+          <p:cNvPr id="48" name="PlaceHolder 1"/>
           <p:cNvSpPr>
             <a:spLocks noGrp="1"/>
           </p:cNvSpPr>
           <p:nvPr>
-            <p:ph type="title"/>
+            <p:ph type="ftr" idx="31"/>
           </p:nvPr>
         </p:nvSpPr>
         <p:spPr>
           <a:xfrm>
-            <a:off x="1792440" y="4800600"/>
-            <a:ext cx="5486040" cy="566280"/>
+            <a:off x="3124080" y="6356520"/>
+            <a:ext cx="2894760" cy="364320"/>
           </a:xfrm>
           <a:prstGeom prst="rect">
             <a:avLst/>
@@ -2354,48 +2078,68 @@
           </a:ln>
         </p:spPr>
         <p:txBody>
-          <a:bodyPr lIns="91440" rIns="91440" tIns="45720" bIns="45720" anchor="b">
+          <a:bodyPr lIns="91440" rIns="91440" tIns="45720" bIns="45720" anchor="ctr">
             <a:noAutofit/>
           </a:bodyPr>
-          <a:p>
-            <a:pPr indent="0" defTabSz="457200">
+          <a:lstStyle>
+            <a:lvl1pPr indent="0" algn="ctr">
               <a:lnSpc>
                 <a:spcPct val="100000"/>
               </a:lnSpc>
               <a:buNone/>
-            </a:pPr>
-            <a:r>
-              <a:rPr b="1" lang="en-US" sz="2000" spc="-1" strike="noStrike">
-                <a:solidFill>
-                  <a:schemeClr val="dk1"/>
-                </a:solidFill>
-                <a:latin typeface="Calibri"/>
-              </a:rPr>
-              <a:t>Click to edit Master title style</a:t>
-            </a:r>
-            <a:endParaRPr b="0" lang="en-US" sz="2000" spc="-1" strike="noStrike">
-              <a:solidFill>
-                <a:schemeClr val="dk1"/>
-              </a:solidFill>
-              <a:latin typeface="Calibri"/>
-            </a:endParaRPr>
-          </a:p>
-        </p:txBody>
-      </p:sp>
-      <p:sp>
-        <p:nvSpPr>
-          <p:cNvPr id="63" name="PlaceHolder 2"/>
+              <a:tabLst>
+                <a:tab algn="l" pos="0"/>
+              </a:tabLst>
+              <a:defRPr b="0" lang="en-US" sz="1400" spc="-1" strike="noStrike">
+                <a:solidFill>
+                  <a:srgbClr val="000000"/>
+                </a:solidFill>
+                <a:latin typeface="Times New Roman"/>
+              </a:defRPr>
+            </a:lvl1pPr>
+          </a:lstStyle>
+          <a:p>
+            <a:pPr indent="0" algn="ctr">
+              <a:lnSpc>
+                <a:spcPct val="100000"/>
+              </a:lnSpc>
+              <a:buNone/>
+              <a:tabLst>
+                <a:tab algn="l" pos="0"/>
+              </a:tabLst>
+            </a:pPr>
+            <a:r>
+              <a:rPr b="0" lang="en-US" sz="1400" spc="-1" strike="noStrike">
+                <a:solidFill>
+                  <a:srgbClr val="000000"/>
+                </a:solidFill>
+                <a:latin typeface="Times New Roman"/>
+              </a:rPr>
+              <a:t>&lt;footer&gt;</a:t>
+            </a:r>
+            <a:endParaRPr b="0" lang="en-US" sz="1400" spc="-1" strike="noStrike">
+              <a:solidFill>
+                <a:srgbClr val="000000"/>
+              </a:solidFill>
+              <a:latin typeface="Times New Roman"/>
+            </a:endParaRPr>
+          </a:p>
+        </p:txBody>
+      </p:sp>
+      <p:sp>
+        <p:nvSpPr>
+          <p:cNvPr id="49" name="PlaceHolder 2"/>
           <p:cNvSpPr>
             <a:spLocks noGrp="1"/>
           </p:cNvSpPr>
           <p:nvPr>
-            <p:ph type="body"/>
+            <p:ph type="sldNum" idx="32"/>
           </p:nvPr>
         </p:nvSpPr>
         <p:spPr>
           <a:xfrm>
-            <a:off x="1792440" y="612720"/>
-            <a:ext cx="5486040" cy="4114440"/>
+            <a:off x="6553080" y="6356520"/>
+            <a:ext cx="2133000" cy="364320"/>
           </a:xfrm>
           <a:prstGeom prst="rect">
             <a:avLst/>
@@ -2406,221 +2150,72 @@
           </a:ln>
         </p:spPr>
         <p:txBody>
-          <a:bodyPr lIns="90000" rIns="90000" tIns="45000" bIns="45000" anchor="t">
+          <a:bodyPr lIns="91440" rIns="91440" tIns="45720" bIns="45720" anchor="ctr">
             <a:noAutofit/>
           </a:bodyPr>
-          <a:p>
-            <a:pPr marL="432000" indent="-324000">
-              <a:spcBef>
-                <a:spcPts val="1417"/>
-              </a:spcBef>
-              <a:buClr>
-                <a:srgbClr val="000000"/>
-              </a:buClr>
-              <a:buSzPct val="45000"/>
-              <a:buFont typeface="Wingdings" charset="2"/>
-              <a:buChar char=""/>
-            </a:pPr>
-            <a:r>
-              <a:rPr b="0" lang="en-US" sz="3200" spc="-1" strike="noStrike">
-                <a:solidFill>
-                  <a:schemeClr val="dk1"/>
-                </a:solidFill>
-                <a:latin typeface="Calibri"/>
-              </a:rPr>
-              <a:t>Click to edit the outline text format</a:t>
-            </a:r>
-            <a:endParaRPr b="0" lang="en-US" sz="3200" spc="-1" strike="noStrike">
-              <a:solidFill>
-                <a:schemeClr val="dk1"/>
-              </a:solidFill>
-              <a:latin typeface="Calibri"/>
-            </a:endParaRPr>
-          </a:p>
-          <a:p>
-            <a:pPr lvl="1" marL="864000" indent="-324000">
-              <a:spcBef>
-                <a:spcPts val="1134"/>
-              </a:spcBef>
-              <a:buClr>
-                <a:srgbClr val="000000"/>
-              </a:buClr>
-              <a:buSzPct val="75000"/>
-              <a:buFont typeface="Symbol" charset="2"/>
-              <a:buChar char=""/>
-            </a:pPr>
-            <a:r>
-              <a:rPr b="0" lang="en-US" sz="3200" spc="-1" strike="noStrike">
-                <a:solidFill>
-                  <a:schemeClr val="dk1"/>
-                </a:solidFill>
-                <a:latin typeface="Calibri"/>
-              </a:rPr>
-              <a:t>Second Outline Level</a:t>
-            </a:r>
-            <a:endParaRPr b="0" lang="en-US" sz="3200" spc="-1" strike="noStrike">
-              <a:solidFill>
-                <a:schemeClr val="dk1"/>
-              </a:solidFill>
-              <a:latin typeface="Calibri"/>
-            </a:endParaRPr>
-          </a:p>
-          <a:p>
-            <a:pPr lvl="2" marL="1296000" indent="-288000">
-              <a:spcBef>
-                <a:spcPts val="850"/>
-              </a:spcBef>
-              <a:buClr>
-                <a:srgbClr val="000000"/>
-              </a:buClr>
-              <a:buSzPct val="45000"/>
-              <a:buFont typeface="Wingdings" charset="2"/>
-              <a:buChar char=""/>
-            </a:pPr>
-            <a:r>
-              <a:rPr b="0" lang="en-US" sz="3200" spc="-1" strike="noStrike">
-                <a:solidFill>
-                  <a:schemeClr val="dk1"/>
-                </a:solidFill>
-                <a:latin typeface="Calibri"/>
-              </a:rPr>
-              <a:t>Third Outline Level</a:t>
-            </a:r>
-            <a:endParaRPr b="0" lang="en-US" sz="3200" spc="-1" strike="noStrike">
-              <a:solidFill>
-                <a:schemeClr val="dk1"/>
-              </a:solidFill>
-              <a:latin typeface="Calibri"/>
-            </a:endParaRPr>
-          </a:p>
-          <a:p>
-            <a:pPr lvl="3" marL="1728000" indent="-216000">
-              <a:spcBef>
-                <a:spcPts val="567"/>
-              </a:spcBef>
-              <a:buClr>
-                <a:srgbClr val="000000"/>
-              </a:buClr>
-              <a:buSzPct val="75000"/>
-              <a:buFont typeface="Symbol" charset="2"/>
-              <a:buChar char=""/>
-            </a:pPr>
-            <a:r>
-              <a:rPr b="0" lang="en-US" sz="3200" spc="-1" strike="noStrike">
-                <a:solidFill>
-                  <a:schemeClr val="dk1"/>
-                </a:solidFill>
-                <a:latin typeface="Calibri"/>
-              </a:rPr>
-              <a:t>Fourth Outline Level</a:t>
-            </a:r>
-            <a:endParaRPr b="0" lang="en-US" sz="3200" spc="-1" strike="noStrike">
-              <a:solidFill>
-                <a:schemeClr val="dk1"/>
-              </a:solidFill>
-              <a:latin typeface="Calibri"/>
-            </a:endParaRPr>
-          </a:p>
-          <a:p>
-            <a:pPr lvl="4" marL="2160000" indent="-216000">
-              <a:spcBef>
-                <a:spcPts val="283"/>
-              </a:spcBef>
-              <a:buClr>
-                <a:srgbClr val="000000"/>
-              </a:buClr>
-              <a:buSzPct val="45000"/>
-              <a:buFont typeface="Wingdings" charset="2"/>
-              <a:buChar char=""/>
-            </a:pPr>
-            <a:r>
-              <a:rPr b="0" lang="en-US" sz="3200" spc="-1" strike="noStrike">
-                <a:solidFill>
-                  <a:schemeClr val="dk1"/>
-                </a:solidFill>
-                <a:latin typeface="Calibri"/>
-              </a:rPr>
-              <a:t>Fifth Outline Level</a:t>
-            </a:r>
-            <a:endParaRPr b="0" lang="en-US" sz="3200" spc="-1" strike="noStrike">
-              <a:solidFill>
-                <a:schemeClr val="dk1"/>
-              </a:solidFill>
-              <a:latin typeface="Calibri"/>
-            </a:endParaRPr>
-          </a:p>
-          <a:p>
-            <a:pPr lvl="5" marL="2592000" indent="-216000">
-              <a:spcBef>
-                <a:spcPts val="283"/>
-              </a:spcBef>
-              <a:buClr>
-                <a:srgbClr val="000000"/>
-              </a:buClr>
-              <a:buSzPct val="45000"/>
-              <a:buFont typeface="Wingdings" charset="2"/>
-              <a:buChar char=""/>
-            </a:pPr>
-            <a:r>
-              <a:rPr b="0" lang="en-US" sz="3200" spc="-1" strike="noStrike">
-                <a:solidFill>
-                  <a:schemeClr val="dk1"/>
-                </a:solidFill>
-                <a:latin typeface="Calibri"/>
-              </a:rPr>
-              <a:t>Sixth Outline Level</a:t>
-            </a:r>
-            <a:endParaRPr b="0" lang="en-US" sz="3200" spc="-1" strike="noStrike">
-              <a:solidFill>
-                <a:schemeClr val="dk1"/>
-              </a:solidFill>
-              <a:latin typeface="Calibri"/>
-            </a:endParaRPr>
-          </a:p>
-          <a:p>
-            <a:pPr lvl="6" marL="3024000" indent="-216000">
-              <a:spcBef>
-                <a:spcPts val="283"/>
-              </a:spcBef>
-              <a:buClr>
-                <a:srgbClr val="000000"/>
-              </a:buClr>
-              <a:buSzPct val="45000"/>
-              <a:buFont typeface="Wingdings" charset="2"/>
-              <a:buChar char=""/>
-            </a:pPr>
-            <a:r>
-              <a:rPr b="0" lang="en-US" sz="3200" spc="-1" strike="noStrike">
-                <a:solidFill>
-                  <a:schemeClr val="dk1"/>
-                </a:solidFill>
-                <a:latin typeface="Calibri"/>
-              </a:rPr>
-              <a:t>Seventh Outline Level</a:t>
-            </a:r>
-            <a:endParaRPr b="0" lang="en-US" sz="3200" spc="-1" strike="noStrike">
-              <a:solidFill>
-                <a:schemeClr val="dk1"/>
-              </a:solidFill>
-              <a:latin typeface="Calibri"/>
-            </a:endParaRPr>
-          </a:p>
-        </p:txBody>
-      </p:sp>
-      <p:sp>
-        <p:nvSpPr>
-          <p:cNvPr id="64" name="PlaceHolder 3"/>
+          <a:lstStyle>
+            <a:lvl1pPr indent="0" algn="r" defTabSz="457200">
+              <a:lnSpc>
+                <a:spcPct val="100000"/>
+              </a:lnSpc>
+              <a:buNone/>
+              <a:tabLst>
+                <a:tab algn="l" pos="0"/>
+              </a:tabLst>
+              <a:defRPr b="0" lang="en-US" sz="1200" spc="-1" strike="noStrike">
+                <a:solidFill>
+                  <a:schemeClr val="dk1">
+                    <a:tint val="75000"/>
+                  </a:schemeClr>
+                </a:solidFill>
+                <a:latin typeface="Calibri"/>
+              </a:defRPr>
+            </a:lvl1pPr>
+          </a:lstStyle>
+          <a:p>
+            <a:pPr indent="0" algn="r" defTabSz="457200">
+              <a:lnSpc>
+                <a:spcPct val="100000"/>
+              </a:lnSpc>
+              <a:buNone/>
+              <a:tabLst>
+                <a:tab algn="l" pos="0"/>
+              </a:tabLst>
+            </a:pPr>
+            <a:fld id="{C566D792-3F81-48D0-85DF-6BEF4C8590A3}" type="slidenum">
+              <a:rPr b="0" lang="en-US" sz="1200" spc="-1" strike="noStrike">
+                <a:solidFill>
+                  <a:schemeClr val="dk1">
+                    <a:tint val="75000"/>
+                  </a:schemeClr>
+                </a:solidFill>
+                <a:latin typeface="Calibri"/>
+              </a:rPr>
+              <a:t>&lt;number&gt;</a:t>
+            </a:fld>
+            <a:endParaRPr b="0" lang="en-US" sz="1200" spc="-1" strike="noStrike">
+              <a:solidFill>
+                <a:srgbClr val="000000"/>
+              </a:solidFill>
+              <a:latin typeface="Times New Roman"/>
+            </a:endParaRPr>
+          </a:p>
+        </p:txBody>
+      </p:sp>
+      <p:sp>
+        <p:nvSpPr>
+          <p:cNvPr id="50" name="PlaceHolder 3"/>
           <p:cNvSpPr>
             <a:spLocks noGrp="1"/>
           </p:cNvSpPr>
           <p:nvPr>
-            <p:ph type="body"/>
+            <p:ph type="dt" idx="33"/>
           </p:nvPr>
         </p:nvSpPr>
         <p:spPr>
           <a:xfrm>
-            <a:off x="1792440" y="5367240"/>
-            <a:ext cx="5486040" cy="804600"/>
+            <a:off x="457200" y="6356520"/>
+            <a:ext cx="2133000" cy="364320"/>
           </a:xfrm>
           <a:prstGeom prst="rect">
             <a:avLst/>
@@ -2631,139 +2226,11 @@
           </a:ln>
         </p:spPr>
         <p:txBody>
-          <a:bodyPr lIns="91440" rIns="91440" tIns="45720" bIns="45720" anchor="t">
-            <a:noAutofit/>
-          </a:bodyPr>
-          <a:p>
-            <a:pPr indent="0" defTabSz="457200">
-              <a:lnSpc>
-                <a:spcPct val="100000"/>
-              </a:lnSpc>
-              <a:spcBef>
-                <a:spcPts val="281"/>
-              </a:spcBef>
-              <a:buNone/>
-              <a:tabLst>
-                <a:tab algn="l" pos="0"/>
-              </a:tabLst>
-            </a:pPr>
-            <a:r>
-              <a:rPr b="0" lang="en-US" sz="1400" spc="-1" strike="noStrike">
-                <a:solidFill>
-                  <a:schemeClr val="dk1"/>
-                </a:solidFill>
-                <a:latin typeface="Calibri"/>
-              </a:rPr>
-              <a:t>Click to edit Master text styles</a:t>
-            </a:r>
-            <a:endParaRPr b="0" lang="en-US" sz="1400" spc="-1" strike="noStrike">
-              <a:solidFill>
-                <a:schemeClr val="dk1"/>
-              </a:solidFill>
-              <a:latin typeface="Calibri"/>
-            </a:endParaRPr>
-          </a:p>
-        </p:txBody>
-      </p:sp>
-      <p:sp>
-        <p:nvSpPr>
-          <p:cNvPr id="65" name="PlaceHolder 4"/>
-          <p:cNvSpPr>
-            <a:spLocks noGrp="1"/>
-          </p:cNvSpPr>
-          <p:nvPr>
-            <p:ph type="dt" idx="31"/>
-          </p:nvPr>
-        </p:nvSpPr>
-        <p:spPr>
-          <a:xfrm>
-            <a:off x="457200" y="6356520"/>
-            <a:ext cx="2133360" cy="364680"/>
-          </a:xfrm>
-          <a:prstGeom prst="rect">
-            <a:avLst/>
-          </a:prstGeom>
-          <a:noFill/>
-          <a:ln w="0">
-            <a:noFill/>
-          </a:ln>
-        </p:spPr>
-        <p:txBody>
           <a:bodyPr lIns="91440" rIns="91440" tIns="45720" bIns="45720" anchor="ctr">
             <a:noAutofit/>
           </a:bodyPr>
           <a:lstStyle>
-            <a:lvl1pPr indent="0" defTabSz="457200">
-              <a:lnSpc>
-                <a:spcPct val="100000"/>
-              </a:lnSpc>
-              <a:buNone/>
-              <a:defRPr b="0" lang="en-US" sz="1200" spc="-1" strike="noStrike">
-                <a:solidFill>
-                  <a:schemeClr val="dk1">
-                    <a:tint val="75000"/>
-                  </a:schemeClr>
-                </a:solidFill>
-                <a:latin typeface="Calibri"/>
-              </a:defRPr>
-            </a:lvl1pPr>
-          </a:lstStyle>
-          <a:p>
-            <a:pPr indent="0" defTabSz="457200">
-              <a:lnSpc>
-                <a:spcPct val="100000"/>
-              </a:lnSpc>
-              <a:buNone/>
-            </a:pPr>
-            <a:r>
-              <a:rPr b="0" lang="en-US" sz="1200" spc="-1" strike="noStrike">
-                <a:solidFill>
-                  <a:schemeClr val="dk1">
-                    <a:tint val="75000"/>
-                  </a:schemeClr>
-                </a:solidFill>
-                <a:latin typeface="Calibri"/>
-              </a:rPr>
-              <a:t>&lt;date/time&gt;</a:t>
-            </a:r>
-            <a:endParaRPr b="0" lang="en-US" sz="1200" spc="-1" strike="noStrike">
-              <a:solidFill>
-                <a:srgbClr val="000000"/>
-              </a:solidFill>
-              <a:latin typeface="Times New Roman"/>
-            </a:endParaRPr>
-          </a:p>
-        </p:txBody>
-      </p:sp>
-      <p:sp>
-        <p:nvSpPr>
-          <p:cNvPr id="66" name="PlaceHolder 5"/>
-          <p:cNvSpPr>
-            <a:spLocks noGrp="1"/>
-          </p:cNvSpPr>
-          <p:nvPr>
-            <p:ph type="ftr" idx="32"/>
-          </p:nvPr>
-        </p:nvSpPr>
-        <p:spPr>
-          <a:xfrm>
-            <a:off x="3124080" y="6356520"/>
-            <a:ext cx="2895120" cy="364680"/>
-          </a:xfrm>
-          <a:prstGeom prst="rect">
-            <a:avLst/>
-          </a:prstGeom>
-          <a:noFill/>
-          <a:ln w="0">
-            <a:noFill/>
-          </a:ln>
-        </p:spPr>
-        <p:txBody>
-          <a:bodyPr lIns="91440" rIns="91440" tIns="45720" bIns="45720" anchor="ctr">
-            <a:noAutofit/>
-          </a:bodyPr>
-          <a:lstStyle>
-            <a:lvl1pPr indent="0" algn="ctr">
+            <a:lvl1pPr indent="0">
               <a:buNone/>
               <a:defRPr b="0" lang="en-US" sz="1400" spc="-1" strike="noStrike">
                 <a:solidFill>
@@ -2774,7 +2241,7 @@
             </a:lvl1pPr>
           </a:lstStyle>
           <a:p>
-            <a:pPr indent="0" algn="ctr">
+            <a:pPr indent="0">
               <a:buNone/>
             </a:pPr>
             <a:r>
@@ -2784,79 +2251,9 @@
                 </a:solidFill>
                 <a:latin typeface="Times New Roman"/>
               </a:rPr>
-              <a:t>&lt;footer&gt;</a:t>
+              <a:t>&lt;date/time&gt;</a:t>
             </a:r>
             <a:endParaRPr b="0" lang="en-US" sz="1400" spc="-1" strike="noStrike">
-              <a:solidFill>
-                <a:srgbClr val="000000"/>
-              </a:solidFill>
-              <a:latin typeface="Times New Roman"/>
-            </a:endParaRPr>
-          </a:p>
-        </p:txBody>
-      </p:sp>
-      <p:sp>
-        <p:nvSpPr>
-          <p:cNvPr id="67" name="PlaceHolder 6"/>
-          <p:cNvSpPr>
-            <a:spLocks noGrp="1"/>
-          </p:cNvSpPr>
-          <p:nvPr>
-            <p:ph type="sldNum" idx="33"/>
-          </p:nvPr>
-        </p:nvSpPr>
-        <p:spPr>
-          <a:xfrm>
-            <a:off x="6553080" y="6356520"/>
-            <a:ext cx="2133360" cy="364680"/>
-          </a:xfrm>
-          <a:prstGeom prst="rect">
-            <a:avLst/>
-          </a:prstGeom>
-          <a:noFill/>
-          <a:ln w="0">
-            <a:noFill/>
-          </a:ln>
-        </p:spPr>
-        <p:txBody>
-          <a:bodyPr lIns="91440" rIns="91440" tIns="45720" bIns="45720" anchor="ctr">
-            <a:noAutofit/>
-          </a:bodyPr>
-          <a:lstStyle>
-            <a:lvl1pPr indent="0" algn="r" defTabSz="457200">
-              <a:lnSpc>
-                <a:spcPct val="100000"/>
-              </a:lnSpc>
-              <a:buNone/>
-              <a:defRPr b="0" lang="en-US" sz="1200" spc="-1" strike="noStrike">
-                <a:solidFill>
-                  <a:schemeClr val="dk1">
-                    <a:tint val="75000"/>
-                  </a:schemeClr>
-                </a:solidFill>
-                <a:latin typeface="Calibri"/>
-              </a:defRPr>
-            </a:lvl1pPr>
-          </a:lstStyle>
-          <a:p>
-            <a:pPr indent="0" algn="r" defTabSz="457200">
-              <a:lnSpc>
-                <a:spcPct val="100000"/>
-              </a:lnSpc>
-              <a:buNone/>
-            </a:pPr>
-            <a:fld id="{06830A85-3461-4085-9566-44A02BF72D5C}" type="slidenum">
-              <a:rPr b="0" lang="en-US" sz="1200" spc="-1" strike="noStrike">
-                <a:solidFill>
-                  <a:schemeClr val="dk1">
-                    <a:tint val="75000"/>
-                  </a:schemeClr>
-                </a:solidFill>
-                <a:latin typeface="Calibri"/>
-              </a:rPr>
-              <a:t>&lt;number&gt;</a:t>
-            </a:fld>
-            <a:endParaRPr b="0" lang="en-US" sz="1200" spc="-1" strike="noStrike">
               <a:solidFill>
                 <a:srgbClr val="000000"/>
               </a:solidFill>
@@ -2905,13 +2302,13 @@
             <a:spLocks noGrp="1"/>
           </p:cNvSpPr>
           <p:nvPr>
-            <p:ph type="title"/>
+            <p:ph type="ftr" idx="4"/>
           </p:nvPr>
         </p:nvSpPr>
         <p:spPr>
           <a:xfrm>
-            <a:off x="457200" y="274680"/>
-            <a:ext cx="8229240" cy="1142640"/>
+            <a:off x="3124080" y="6356520"/>
+            <a:ext cx="2894760" cy="364320"/>
           </a:xfrm>
           <a:prstGeom prst="rect">
             <a:avLst/>
@@ -2925,27 +2322,47 @@
           <a:bodyPr lIns="91440" rIns="91440" tIns="45720" bIns="45720" anchor="ctr">
             <a:noAutofit/>
           </a:bodyPr>
-          <a:p>
-            <a:pPr indent="0" algn="ctr" defTabSz="457200">
+          <a:lstStyle>
+            <a:lvl1pPr indent="0" algn="ctr">
               <a:lnSpc>
                 <a:spcPct val="100000"/>
               </a:lnSpc>
               <a:buNone/>
-            </a:pPr>
-            <a:r>
-              <a:rPr b="0" lang="en-US" sz="4400" spc="-1" strike="noStrike">
-                <a:solidFill>
-                  <a:schemeClr val="dk1"/>
-                </a:solidFill>
-                <a:latin typeface="Calibri"/>
-              </a:rPr>
-              <a:t>Click to edit Master title style</a:t>
-            </a:r>
-            <a:endParaRPr b="0" lang="en-US" sz="4400" spc="-1" strike="noStrike">
-              <a:solidFill>
-                <a:schemeClr val="dk1"/>
-              </a:solidFill>
-              <a:latin typeface="Calibri"/>
+              <a:tabLst>
+                <a:tab algn="l" pos="0"/>
+              </a:tabLst>
+              <a:defRPr b="0" lang="en-US" sz="1400" spc="-1" strike="noStrike">
+                <a:solidFill>
+                  <a:srgbClr val="000000"/>
+                </a:solidFill>
+                <a:latin typeface="Times New Roman"/>
+              </a:defRPr>
+            </a:lvl1pPr>
+          </a:lstStyle>
+          <a:p>
+            <a:pPr indent="0" algn="ctr">
+              <a:lnSpc>
+                <a:spcPct val="100000"/>
+              </a:lnSpc>
+              <a:buNone/>
+              <a:tabLst>
+                <a:tab algn="l" pos="0"/>
+              </a:tabLst>
+            </a:pPr>
+            <a:r>
+              <a:rPr b="0" lang="en-US" sz="1400" spc="-1" strike="noStrike">
+                <a:solidFill>
+                  <a:srgbClr val="000000"/>
+                </a:solidFill>
+                <a:latin typeface="Times New Roman"/>
+              </a:rPr>
+              <a:t>&lt;footer&gt;</a:t>
+            </a:r>
+            <a:endParaRPr b="0" lang="en-US" sz="1400" spc="-1" strike="noStrike">
+              <a:solidFill>
+                <a:srgbClr val="000000"/>
+              </a:solidFill>
+              <a:latin typeface="Times New Roman"/>
             </a:endParaRPr>
           </a:p>
         </p:txBody>
@@ -2957,13 +2374,13 @@
             <a:spLocks noGrp="1"/>
           </p:cNvSpPr>
           <p:nvPr>
-            <p:ph type="body"/>
+            <p:ph type="sldNum" idx="5"/>
           </p:nvPr>
         </p:nvSpPr>
         <p:spPr>
           <a:xfrm>
-            <a:off x="457200" y="1600200"/>
-            <a:ext cx="8229240" cy="4525560"/>
+            <a:off x="6553080" y="6356520"/>
+            <a:ext cx="2133000" cy="364320"/>
           </a:xfrm>
           <a:prstGeom prst="rect">
             <a:avLst/>
@@ -2974,157 +2391,54 @@
           </a:ln>
         </p:spPr>
         <p:txBody>
-          <a:bodyPr lIns="91440" rIns="91440" tIns="45720" bIns="45720" anchor="t" vert="eaVert">
+          <a:bodyPr lIns="91440" rIns="91440" tIns="45720" bIns="45720" anchor="ctr">
             <a:noAutofit/>
           </a:bodyPr>
-          <a:p>
-            <a:pPr marL="343080" indent="-343080" defTabSz="457200">
-              <a:lnSpc>
-                <a:spcPct val="100000"/>
-              </a:lnSpc>
-              <a:spcBef>
-                <a:spcPts val="641"/>
-              </a:spcBef>
-              <a:buClr>
-                <a:srgbClr val="000000"/>
-              </a:buClr>
-              <a:buFont typeface="Arial"/>
-              <a:buChar char="•"/>
-            </a:pPr>
-            <a:r>
-              <a:rPr b="0" lang="en-US" sz="3200" spc="-1" strike="noStrike">
-                <a:solidFill>
-                  <a:schemeClr val="dk1"/>
-                </a:solidFill>
-                <a:latin typeface="Calibri"/>
-              </a:rPr>
-              <a:t>Click to edit Master text styles</a:t>
-            </a:r>
-            <a:endParaRPr b="0" lang="en-US" sz="3200" spc="-1" strike="noStrike">
-              <a:solidFill>
-                <a:schemeClr val="dk1"/>
-              </a:solidFill>
-              <a:latin typeface="Calibri"/>
-            </a:endParaRPr>
-          </a:p>
-          <a:p>
-            <a:pPr lvl="1" marL="743040" indent="-285840" defTabSz="457200">
-              <a:lnSpc>
-                <a:spcPct val="100000"/>
-              </a:lnSpc>
-              <a:spcBef>
-                <a:spcPts val="561"/>
-              </a:spcBef>
-              <a:buClr>
-                <a:srgbClr val="000000"/>
-              </a:buClr>
-              <a:buFont typeface="Arial"/>
-              <a:buChar char="–"/>
-            </a:pPr>
-            <a:r>
-              <a:rPr b="0" lang="en-US" sz="2800" spc="-1" strike="noStrike">
-                <a:solidFill>
-                  <a:schemeClr val="dk1"/>
-                </a:solidFill>
-                <a:latin typeface="Calibri"/>
-              </a:rPr>
-              <a:t>Second level</a:t>
-            </a:r>
-            <a:endParaRPr b="0" lang="en-US" sz="2800" spc="-1" strike="noStrike">
-              <a:solidFill>
-                <a:schemeClr val="dk1"/>
-              </a:solidFill>
-              <a:latin typeface="Calibri"/>
-            </a:endParaRPr>
-          </a:p>
-          <a:p>
-            <a:pPr lvl="2" marL="1143000" indent="-228600" defTabSz="457200">
-              <a:lnSpc>
-                <a:spcPct val="100000"/>
-              </a:lnSpc>
-              <a:spcBef>
-                <a:spcPts val="479"/>
-              </a:spcBef>
-              <a:buClr>
-                <a:srgbClr val="000000"/>
-              </a:buClr>
-              <a:buFont typeface="Arial"/>
-              <a:buChar char="•"/>
-            </a:pPr>
-            <a:r>
-              <a:rPr b="0" lang="en-US" sz="2400" spc="-1" strike="noStrike">
-                <a:solidFill>
-                  <a:schemeClr val="dk1"/>
-                </a:solidFill>
-                <a:latin typeface="Calibri"/>
-              </a:rPr>
-              <a:t>Third level</a:t>
-            </a:r>
-            <a:endParaRPr b="0" lang="en-US" sz="2400" spc="-1" strike="noStrike">
-              <a:solidFill>
-                <a:schemeClr val="dk1"/>
-              </a:solidFill>
-              <a:latin typeface="Calibri"/>
-            </a:endParaRPr>
-          </a:p>
-          <a:p>
-            <a:pPr lvl="3" marL="1600200" indent="-228600" defTabSz="457200">
-              <a:lnSpc>
-                <a:spcPct val="100000"/>
-              </a:lnSpc>
-              <a:spcBef>
-                <a:spcPts val="400"/>
-              </a:spcBef>
-              <a:buClr>
-                <a:srgbClr val="000000"/>
-              </a:buClr>
-              <a:buFont typeface="Arial"/>
-              <a:buChar char="–"/>
-            </a:pPr>
-            <a:r>
-              <a:rPr b="0" lang="en-US" sz="2000" spc="-1" strike="noStrike">
-                <a:solidFill>
-                  <a:schemeClr val="dk1"/>
-                </a:solidFill>
-                <a:latin typeface="Calibri"/>
-              </a:rPr>
-              <a:t>Fourth level</a:t>
-            </a:r>
-            <a:endParaRPr b="0" lang="en-US" sz="2000" spc="-1" strike="noStrike">
-              <a:solidFill>
-                <a:schemeClr val="dk1"/>
-              </a:solidFill>
-              <a:latin typeface="Calibri"/>
-            </a:endParaRPr>
-          </a:p>
-          <a:p>
-            <a:pPr lvl="4" marL="2057400" indent="-228600" defTabSz="457200">
-              <a:lnSpc>
-                <a:spcPct val="100000"/>
-              </a:lnSpc>
-              <a:spcBef>
-                <a:spcPts val="400"/>
-              </a:spcBef>
-              <a:buClr>
-                <a:srgbClr val="000000"/>
-              </a:buClr>
-              <a:buFont typeface="Arial"/>
-              <a:buChar char="»"/>
-            </a:pPr>
-            <a:r>
-              <a:rPr b="0" lang="en-US" sz="2000" spc="-1" strike="noStrike">
-                <a:solidFill>
-                  <a:schemeClr val="dk1"/>
-                </a:solidFill>
-                <a:latin typeface="Calibri"/>
-              </a:rPr>
-              <a:t>Fifth level</a:t>
-            </a:r>
-            <a:endParaRPr b="0" lang="en-US" sz="2000" spc="-1" strike="noStrike">
-              <a:solidFill>
-                <a:schemeClr val="dk1"/>
-              </a:solidFill>
-              <a:latin typeface="Calibri"/>
+          <a:lstStyle>
+            <a:lvl1pPr indent="0" algn="r" defTabSz="457200">
+              <a:lnSpc>
+                <a:spcPct val="100000"/>
+              </a:lnSpc>
+              <a:buNone/>
+              <a:tabLst>
+                <a:tab algn="l" pos="0"/>
+              </a:tabLst>
+              <a:defRPr b="0" lang="en-US" sz="1200" spc="-1" strike="noStrike">
+                <a:solidFill>
+                  <a:schemeClr val="dk1">
+                    <a:tint val="75000"/>
+                  </a:schemeClr>
+                </a:solidFill>
+                <a:latin typeface="Calibri"/>
+              </a:defRPr>
+            </a:lvl1pPr>
+          </a:lstStyle>
+          <a:p>
+            <a:pPr indent="0" algn="r" defTabSz="457200">
+              <a:lnSpc>
+                <a:spcPct val="100000"/>
+              </a:lnSpc>
+              <a:buNone/>
+              <a:tabLst>
+                <a:tab algn="l" pos="0"/>
+              </a:tabLst>
+            </a:pPr>
+            <a:fld id="{6D2E5DEC-E9AF-46F5-A9BF-7DA66F3B0E95}" type="slidenum">
+              <a:rPr b="0" lang="en-US" sz="1200" spc="-1" strike="noStrike">
+                <a:solidFill>
+                  <a:schemeClr val="dk1">
+                    <a:tint val="75000"/>
+                  </a:schemeClr>
+                </a:solidFill>
+                <a:latin typeface="Calibri"/>
+              </a:rPr>
+              <a:t>&lt;number&gt;</a:t>
+            </a:fld>
+            <a:endParaRPr b="0" lang="en-US" sz="1200" spc="-1" strike="noStrike">
+              <a:solidFill>
+                <a:srgbClr val="000000"/>
+              </a:solidFill>
+              <a:latin typeface="Times New Roman"/>
             </a:endParaRPr>
           </a:p>
         </p:txBody>
@@ -3136,13 +2450,13 @@
             <a:spLocks noGrp="1"/>
           </p:cNvSpPr>
           <p:nvPr>
-            <p:ph type="dt" idx="4"/>
+            <p:ph type="dt" idx="6"/>
           </p:nvPr>
         </p:nvSpPr>
         <p:spPr>
           <a:xfrm>
             <a:off x="457200" y="6356520"/>
-            <a:ext cx="2133360" cy="364680"/>
+            <a:ext cx="2133000" cy="364320"/>
           </a:xfrm>
           <a:prstGeom prst="rect">
             <a:avLst/>
@@ -3157,77 +2471,7 @@
             <a:noAutofit/>
           </a:bodyPr>
           <a:lstStyle>
-            <a:lvl1pPr indent="0" defTabSz="457200">
-              <a:lnSpc>
-                <a:spcPct val="100000"/>
-              </a:lnSpc>
-              <a:buNone/>
-              <a:defRPr b="0" lang="en-US" sz="1200" spc="-1" strike="noStrike">
-                <a:solidFill>
-                  <a:schemeClr val="dk1">
-                    <a:tint val="75000"/>
-                  </a:schemeClr>
-                </a:solidFill>
-                <a:latin typeface="Calibri"/>
-              </a:defRPr>
-            </a:lvl1pPr>
-          </a:lstStyle>
-          <a:p>
-            <a:pPr indent="0" defTabSz="457200">
-              <a:lnSpc>
-                <a:spcPct val="100000"/>
-              </a:lnSpc>
-              <a:buNone/>
-            </a:pPr>
-            <a:r>
-              <a:rPr b="0" lang="en-US" sz="1200" spc="-1" strike="noStrike">
-                <a:solidFill>
-                  <a:schemeClr val="dk1">
-                    <a:tint val="75000"/>
-                  </a:schemeClr>
-                </a:solidFill>
-                <a:latin typeface="Calibri"/>
-              </a:rPr>
-              <a:t>&lt;date/time&gt;</a:t>
-            </a:r>
-            <a:endParaRPr b="0" lang="en-US" sz="1200" spc="-1" strike="noStrike">
-              <a:solidFill>
-                <a:srgbClr val="000000"/>
-              </a:solidFill>
-              <a:latin typeface="Times New Roman"/>
-            </a:endParaRPr>
-          </a:p>
-        </p:txBody>
-      </p:sp>
-      <p:sp>
-        <p:nvSpPr>
-          <p:cNvPr id="10" name="PlaceHolder 4"/>
-          <p:cNvSpPr>
-            <a:spLocks noGrp="1"/>
-          </p:cNvSpPr>
-          <p:nvPr>
-            <p:ph type="ftr" idx="5"/>
-          </p:nvPr>
-        </p:nvSpPr>
-        <p:spPr>
-          <a:xfrm>
-            <a:off x="3124080" y="6356520"/>
-            <a:ext cx="2895120" cy="364680"/>
-          </a:xfrm>
-          <a:prstGeom prst="rect">
-            <a:avLst/>
-          </a:prstGeom>
-          <a:noFill/>
-          <a:ln w="0">
-            <a:noFill/>
-          </a:ln>
-        </p:spPr>
-        <p:txBody>
-          <a:bodyPr lIns="91440" rIns="91440" tIns="45720" bIns="45720" anchor="ctr">
-            <a:noAutofit/>
-          </a:bodyPr>
-          <a:lstStyle>
-            <a:lvl1pPr indent="0" algn="ctr">
+            <a:lvl1pPr indent="0">
               <a:buNone/>
               <a:defRPr b="0" lang="en-US" sz="1400" spc="-1" strike="noStrike">
                 <a:solidFill>
@@ -3238,7 +2482,7 @@
             </a:lvl1pPr>
           </a:lstStyle>
           <a:p>
-            <a:pPr indent="0" algn="ctr">
+            <a:pPr indent="0">
               <a:buNone/>
             </a:pPr>
             <a:r>
@@ -3248,79 +2492,9 @@
                 </a:solidFill>
                 <a:latin typeface="Times New Roman"/>
               </a:rPr>
-              <a:t>&lt;footer&gt;</a:t>
+              <a:t>&lt;date/time&gt;</a:t>
             </a:r>
             <a:endParaRPr b="0" lang="en-US" sz="1400" spc="-1" strike="noStrike">
-              <a:solidFill>
-                <a:srgbClr val="000000"/>
-              </a:solidFill>
-              <a:latin typeface="Times New Roman"/>
-            </a:endParaRPr>
-          </a:p>
-        </p:txBody>
-      </p:sp>
-      <p:sp>
-        <p:nvSpPr>
-          <p:cNvPr id="11" name="PlaceHolder 5"/>
-          <p:cNvSpPr>
-            <a:spLocks noGrp="1"/>
-          </p:cNvSpPr>
-          <p:nvPr>
-            <p:ph type="sldNum" idx="6"/>
-          </p:nvPr>
-        </p:nvSpPr>
-        <p:spPr>
-          <a:xfrm>
-            <a:off x="6553080" y="6356520"/>
-            <a:ext cx="2133360" cy="364680"/>
-          </a:xfrm>
-          <a:prstGeom prst="rect">
-            <a:avLst/>
-          </a:prstGeom>
-          <a:noFill/>
-          <a:ln w="0">
-            <a:noFill/>
-          </a:ln>
-        </p:spPr>
-        <p:txBody>
-          <a:bodyPr lIns="91440" rIns="91440" tIns="45720" bIns="45720" anchor="ctr">
-            <a:noAutofit/>
-          </a:bodyPr>
-          <a:lstStyle>
-            <a:lvl1pPr indent="0" algn="r" defTabSz="457200">
-              <a:lnSpc>
-                <a:spcPct val="100000"/>
-              </a:lnSpc>
-              <a:buNone/>
-              <a:defRPr b="0" lang="en-US" sz="1200" spc="-1" strike="noStrike">
-                <a:solidFill>
-                  <a:schemeClr val="dk1">
-                    <a:tint val="75000"/>
-                  </a:schemeClr>
-                </a:solidFill>
-                <a:latin typeface="Calibri"/>
-              </a:defRPr>
-            </a:lvl1pPr>
-          </a:lstStyle>
-          <a:p>
-            <a:pPr indent="0" algn="r" defTabSz="457200">
-              <a:lnSpc>
-                <a:spcPct val="100000"/>
-              </a:lnSpc>
-              <a:buNone/>
-            </a:pPr>
-            <a:fld id="{CC7CAA2C-8894-4AE5-A746-17C17BD370AF}" type="slidenum">
-              <a:rPr b="0" lang="en-US" sz="1200" spc="-1" strike="noStrike">
-                <a:solidFill>
-                  <a:schemeClr val="dk1">
-                    <a:tint val="75000"/>
-                  </a:schemeClr>
-                </a:solidFill>
-                <a:latin typeface="Calibri"/>
-              </a:rPr>
-              <a:t>&lt;number&gt;</a:t>
-            </a:fld>
-            <a:endParaRPr b="0" lang="en-US" sz="1200" spc="-1" strike="noStrike">
               <a:solidFill>
                 <a:srgbClr val="000000"/>
               </a:solidFill>
@@ -3364,18 +2538,18 @@
       </p:grpSpPr>
       <p:sp>
         <p:nvSpPr>
-          <p:cNvPr id="12" name="PlaceHolder 1"/>
+          <p:cNvPr id="10" name="PlaceHolder 1"/>
           <p:cNvSpPr>
             <a:spLocks noGrp="1"/>
           </p:cNvSpPr>
           <p:nvPr>
-            <p:ph type="title"/>
+            <p:ph type="ftr" idx="7"/>
           </p:nvPr>
         </p:nvSpPr>
         <p:spPr>
           <a:xfrm>
-            <a:off x="6629400" y="274680"/>
-            <a:ext cx="2057040" cy="5851080"/>
+            <a:off x="3124080" y="6356520"/>
+            <a:ext cx="2894760" cy="364320"/>
           </a:xfrm>
           <a:prstGeom prst="rect">
             <a:avLst/>
@@ -3386,48 +2560,68 @@
           </a:ln>
         </p:spPr>
         <p:txBody>
-          <a:bodyPr lIns="91440" rIns="91440" tIns="45720" bIns="45720" anchor="ctr" vert="eaVert">
+          <a:bodyPr lIns="91440" rIns="91440" tIns="45720" bIns="45720" anchor="ctr">
             <a:noAutofit/>
           </a:bodyPr>
-          <a:p>
-            <a:pPr indent="0" algn="ctr" defTabSz="457200">
+          <a:lstStyle>
+            <a:lvl1pPr indent="0" algn="ctr">
               <a:lnSpc>
                 <a:spcPct val="100000"/>
               </a:lnSpc>
               <a:buNone/>
-            </a:pPr>
-            <a:r>
-              <a:rPr b="0" lang="en-US" sz="4400" spc="-1" strike="noStrike">
-                <a:solidFill>
-                  <a:schemeClr val="dk1"/>
-                </a:solidFill>
-                <a:latin typeface="Calibri"/>
-              </a:rPr>
-              <a:t>Click to edit Master title style</a:t>
-            </a:r>
-            <a:endParaRPr b="0" lang="en-US" sz="4400" spc="-1" strike="noStrike">
-              <a:solidFill>
-                <a:schemeClr val="dk1"/>
-              </a:solidFill>
-              <a:latin typeface="Calibri"/>
-            </a:endParaRPr>
-          </a:p>
-        </p:txBody>
-      </p:sp>
-      <p:sp>
-        <p:nvSpPr>
-          <p:cNvPr id="13" name="PlaceHolder 2"/>
+              <a:tabLst>
+                <a:tab algn="l" pos="0"/>
+              </a:tabLst>
+              <a:defRPr b="0" lang="en-US" sz="1400" spc="-1" strike="noStrike">
+                <a:solidFill>
+                  <a:srgbClr val="000000"/>
+                </a:solidFill>
+                <a:latin typeface="Times New Roman"/>
+              </a:defRPr>
+            </a:lvl1pPr>
+          </a:lstStyle>
+          <a:p>
+            <a:pPr indent="0" algn="ctr">
+              <a:lnSpc>
+                <a:spcPct val="100000"/>
+              </a:lnSpc>
+              <a:buNone/>
+              <a:tabLst>
+                <a:tab algn="l" pos="0"/>
+              </a:tabLst>
+            </a:pPr>
+            <a:r>
+              <a:rPr b="0" lang="en-US" sz="1400" spc="-1" strike="noStrike">
+                <a:solidFill>
+                  <a:srgbClr val="000000"/>
+                </a:solidFill>
+                <a:latin typeface="Times New Roman"/>
+              </a:rPr>
+              <a:t>&lt;footer&gt;</a:t>
+            </a:r>
+            <a:endParaRPr b="0" lang="en-US" sz="1400" spc="-1" strike="noStrike">
+              <a:solidFill>
+                <a:srgbClr val="000000"/>
+              </a:solidFill>
+              <a:latin typeface="Times New Roman"/>
+            </a:endParaRPr>
+          </a:p>
+        </p:txBody>
+      </p:sp>
+      <p:sp>
+        <p:nvSpPr>
+          <p:cNvPr id="11" name="PlaceHolder 2"/>
           <p:cNvSpPr>
             <a:spLocks noGrp="1"/>
           </p:cNvSpPr>
           <p:nvPr>
-            <p:ph type="body"/>
+            <p:ph type="sldNum" idx="8"/>
           </p:nvPr>
         </p:nvSpPr>
         <p:spPr>
           <a:xfrm>
-            <a:off x="457200" y="274680"/>
-            <a:ext cx="6019560" cy="5851080"/>
+            <a:off x="6553080" y="6356520"/>
+            <a:ext cx="2133000" cy="364320"/>
           </a:xfrm>
           <a:prstGeom prst="rect">
             <a:avLst/>
@@ -3438,175 +2632,72 @@
           </a:ln>
         </p:spPr>
         <p:txBody>
-          <a:bodyPr lIns="91440" rIns="91440" tIns="45720" bIns="45720" anchor="t" vert="eaVert">
+          <a:bodyPr lIns="91440" rIns="91440" tIns="45720" bIns="45720" anchor="ctr">
             <a:noAutofit/>
           </a:bodyPr>
-          <a:p>
-            <a:pPr marL="343080" indent="-343080" defTabSz="457200">
-              <a:lnSpc>
-                <a:spcPct val="100000"/>
-              </a:lnSpc>
-              <a:spcBef>
-                <a:spcPts val="641"/>
-              </a:spcBef>
-              <a:buClr>
-                <a:srgbClr val="000000"/>
-              </a:buClr>
-              <a:buFont typeface="Arial"/>
-              <a:buChar char="•"/>
-            </a:pPr>
-            <a:r>
-              <a:rPr b="0" lang="en-US" sz="3200" spc="-1" strike="noStrike">
-                <a:solidFill>
-                  <a:schemeClr val="dk1"/>
-                </a:solidFill>
-                <a:latin typeface="Calibri"/>
-              </a:rPr>
-              <a:t>Click to edit Master text styles</a:t>
-            </a:r>
-            <a:endParaRPr b="0" lang="en-US" sz="3200" spc="-1" strike="noStrike">
-              <a:solidFill>
-                <a:schemeClr val="dk1"/>
-              </a:solidFill>
-              <a:latin typeface="Calibri"/>
-            </a:endParaRPr>
-          </a:p>
-          <a:p>
-            <a:pPr lvl="1" marL="743040" indent="-285840" defTabSz="457200">
-              <a:lnSpc>
-                <a:spcPct val="100000"/>
-              </a:lnSpc>
-              <a:spcBef>
-                <a:spcPts val="561"/>
-              </a:spcBef>
-              <a:buClr>
-                <a:srgbClr val="000000"/>
-              </a:buClr>
-              <a:buFont typeface="Arial"/>
-              <a:buChar char="–"/>
-            </a:pPr>
-            <a:r>
-              <a:rPr b="0" lang="en-US" sz="2800" spc="-1" strike="noStrike">
-                <a:solidFill>
-                  <a:schemeClr val="dk1"/>
-                </a:solidFill>
-                <a:latin typeface="Calibri"/>
-              </a:rPr>
-              <a:t>Second level</a:t>
-            </a:r>
-            <a:endParaRPr b="0" lang="en-US" sz="2800" spc="-1" strike="noStrike">
-              <a:solidFill>
-                <a:schemeClr val="dk1"/>
-              </a:solidFill>
-              <a:latin typeface="Calibri"/>
-            </a:endParaRPr>
-          </a:p>
-          <a:p>
-            <a:pPr lvl="2" marL="1143000" indent="-228600" defTabSz="457200">
-              <a:lnSpc>
-                <a:spcPct val="100000"/>
-              </a:lnSpc>
-              <a:spcBef>
-                <a:spcPts val="479"/>
-              </a:spcBef>
-              <a:buClr>
-                <a:srgbClr val="000000"/>
-              </a:buClr>
-              <a:buFont typeface="Arial"/>
-              <a:buChar char="•"/>
-            </a:pPr>
-            <a:r>
-              <a:rPr b="0" lang="en-US" sz="2400" spc="-1" strike="noStrike">
-                <a:solidFill>
-                  <a:schemeClr val="dk1"/>
-                </a:solidFill>
-                <a:latin typeface="Calibri"/>
-              </a:rPr>
-              <a:t>Third level</a:t>
-            </a:r>
-            <a:endParaRPr b="0" lang="en-US" sz="2400" spc="-1" strike="noStrike">
-              <a:solidFill>
-                <a:schemeClr val="dk1"/>
-              </a:solidFill>
-              <a:latin typeface="Calibri"/>
-            </a:endParaRPr>
-          </a:p>
-          <a:p>
-            <a:pPr lvl="3" marL="1600200" indent="-228600" defTabSz="457200">
-              <a:lnSpc>
-                <a:spcPct val="100000"/>
-              </a:lnSpc>
-              <a:spcBef>
-                <a:spcPts val="400"/>
-              </a:spcBef>
-              <a:buClr>
-                <a:srgbClr val="000000"/>
-              </a:buClr>
-              <a:buFont typeface="Arial"/>
-              <a:buChar char="–"/>
-            </a:pPr>
-            <a:r>
-              <a:rPr b="0" lang="en-US" sz="2000" spc="-1" strike="noStrike">
-                <a:solidFill>
-                  <a:schemeClr val="dk1"/>
-                </a:solidFill>
-                <a:latin typeface="Calibri"/>
-              </a:rPr>
-              <a:t>Fourth level</a:t>
-            </a:r>
-            <a:endParaRPr b="0" lang="en-US" sz="2000" spc="-1" strike="noStrike">
-              <a:solidFill>
-                <a:schemeClr val="dk1"/>
-              </a:solidFill>
-              <a:latin typeface="Calibri"/>
-            </a:endParaRPr>
-          </a:p>
-          <a:p>
-            <a:pPr lvl="4" marL="2057400" indent="-228600" defTabSz="457200">
-              <a:lnSpc>
-                <a:spcPct val="100000"/>
-              </a:lnSpc>
-              <a:spcBef>
-                <a:spcPts val="400"/>
-              </a:spcBef>
-              <a:buClr>
-                <a:srgbClr val="000000"/>
-              </a:buClr>
-              <a:buFont typeface="Arial"/>
-              <a:buChar char="»"/>
-            </a:pPr>
-            <a:r>
-              <a:rPr b="0" lang="en-US" sz="2000" spc="-1" strike="noStrike">
-                <a:solidFill>
-                  <a:schemeClr val="dk1"/>
-                </a:solidFill>
-                <a:latin typeface="Calibri"/>
-              </a:rPr>
-              <a:t>Fifth level</a:t>
-            </a:r>
-            <a:endParaRPr b="0" lang="en-US" sz="2000" spc="-1" strike="noStrike">
-              <a:solidFill>
-                <a:schemeClr val="dk1"/>
-              </a:solidFill>
-              <a:latin typeface="Calibri"/>
-            </a:endParaRPr>
-          </a:p>
-        </p:txBody>
-      </p:sp>
-      <p:sp>
-        <p:nvSpPr>
-          <p:cNvPr id="14" name="PlaceHolder 3"/>
+          <a:lstStyle>
+            <a:lvl1pPr indent="0" algn="r" defTabSz="457200">
+              <a:lnSpc>
+                <a:spcPct val="100000"/>
+              </a:lnSpc>
+              <a:buNone/>
+              <a:tabLst>
+                <a:tab algn="l" pos="0"/>
+              </a:tabLst>
+              <a:defRPr b="0" lang="en-US" sz="1200" spc="-1" strike="noStrike">
+                <a:solidFill>
+                  <a:schemeClr val="dk1">
+                    <a:tint val="75000"/>
+                  </a:schemeClr>
+                </a:solidFill>
+                <a:latin typeface="Calibri"/>
+              </a:defRPr>
+            </a:lvl1pPr>
+          </a:lstStyle>
+          <a:p>
+            <a:pPr indent="0" algn="r" defTabSz="457200">
+              <a:lnSpc>
+                <a:spcPct val="100000"/>
+              </a:lnSpc>
+              <a:buNone/>
+              <a:tabLst>
+                <a:tab algn="l" pos="0"/>
+              </a:tabLst>
+            </a:pPr>
+            <a:fld id="{E385AD66-79ED-4D31-A250-350B44FEC085}" type="slidenum">
+              <a:rPr b="0" lang="en-US" sz="1200" spc="-1" strike="noStrike">
+                <a:solidFill>
+                  <a:schemeClr val="dk1">
+                    <a:tint val="75000"/>
+                  </a:schemeClr>
+                </a:solidFill>
+                <a:latin typeface="Calibri"/>
+              </a:rPr>
+              <a:t>&lt;number&gt;</a:t>
+            </a:fld>
+            <a:endParaRPr b="0" lang="en-US" sz="1200" spc="-1" strike="noStrike">
+              <a:solidFill>
+                <a:srgbClr val="000000"/>
+              </a:solidFill>
+              <a:latin typeface="Times New Roman"/>
+            </a:endParaRPr>
+          </a:p>
+        </p:txBody>
+      </p:sp>
+      <p:sp>
+        <p:nvSpPr>
+          <p:cNvPr id="12" name="PlaceHolder 3"/>
           <p:cNvSpPr>
             <a:spLocks noGrp="1"/>
           </p:cNvSpPr>
           <p:nvPr>
-            <p:ph type="dt" idx="7"/>
+            <p:ph type="dt" idx="9"/>
           </p:nvPr>
         </p:nvSpPr>
         <p:spPr>
           <a:xfrm>
             <a:off x="457200" y="6356520"/>
-            <a:ext cx="2133360" cy="364680"/>
+            <a:ext cx="2133000" cy="364320"/>
           </a:xfrm>
           <a:prstGeom prst="rect">
             <a:avLst/>
@@ -3621,77 +2712,7 @@
             <a:noAutofit/>
           </a:bodyPr>
           <a:lstStyle>
-            <a:lvl1pPr indent="0" defTabSz="457200">
-              <a:lnSpc>
-                <a:spcPct val="100000"/>
-              </a:lnSpc>
-              <a:buNone/>
-              <a:defRPr b="0" lang="en-US" sz="1200" spc="-1" strike="noStrike">
-                <a:solidFill>
-                  <a:schemeClr val="dk1">
-                    <a:tint val="75000"/>
-                  </a:schemeClr>
-                </a:solidFill>
-                <a:latin typeface="Calibri"/>
-              </a:defRPr>
-            </a:lvl1pPr>
-          </a:lstStyle>
-          <a:p>
-            <a:pPr indent="0" defTabSz="457200">
-              <a:lnSpc>
-                <a:spcPct val="100000"/>
-              </a:lnSpc>
-              <a:buNone/>
-            </a:pPr>
-            <a:r>
-              <a:rPr b="0" lang="en-US" sz="1200" spc="-1" strike="noStrike">
-                <a:solidFill>
-                  <a:schemeClr val="dk1">
-                    <a:tint val="75000"/>
-                  </a:schemeClr>
-                </a:solidFill>
-                <a:latin typeface="Calibri"/>
-              </a:rPr>
-              <a:t>&lt;date/time&gt;</a:t>
-            </a:r>
-            <a:endParaRPr b="0" lang="en-US" sz="1200" spc="-1" strike="noStrike">
-              <a:solidFill>
-                <a:srgbClr val="000000"/>
-              </a:solidFill>
-              <a:latin typeface="Times New Roman"/>
-            </a:endParaRPr>
-          </a:p>
-        </p:txBody>
-      </p:sp>
-      <p:sp>
-        <p:nvSpPr>
-          <p:cNvPr id="15" name="PlaceHolder 4"/>
-          <p:cNvSpPr>
-            <a:spLocks noGrp="1"/>
-          </p:cNvSpPr>
-          <p:nvPr>
-            <p:ph type="ftr" idx="8"/>
-          </p:nvPr>
-        </p:nvSpPr>
-        <p:spPr>
-          <a:xfrm>
-            <a:off x="3124080" y="6356520"/>
-            <a:ext cx="2895120" cy="364680"/>
-          </a:xfrm>
-          <a:prstGeom prst="rect">
-            <a:avLst/>
-          </a:prstGeom>
-          <a:noFill/>
-          <a:ln w="0">
-            <a:noFill/>
-          </a:ln>
-        </p:spPr>
-        <p:txBody>
-          <a:bodyPr lIns="91440" rIns="91440" tIns="45720" bIns="45720" anchor="ctr">
-            <a:noAutofit/>
-          </a:bodyPr>
-          <a:lstStyle>
-            <a:lvl1pPr indent="0" algn="ctr">
+            <a:lvl1pPr indent="0">
               <a:buNone/>
               <a:defRPr b="0" lang="en-US" sz="1400" spc="-1" strike="noStrike">
                 <a:solidFill>
@@ -3702,7 +2723,7 @@
             </a:lvl1pPr>
           </a:lstStyle>
           <a:p>
-            <a:pPr indent="0" algn="ctr">
+            <a:pPr indent="0">
               <a:buNone/>
             </a:pPr>
             <a:r>
@@ -3712,79 +2733,9 @@
                 </a:solidFill>
                 <a:latin typeface="Times New Roman"/>
               </a:rPr>
-              <a:t>&lt;footer&gt;</a:t>
+              <a:t>&lt;date/time&gt;</a:t>
             </a:r>
             <a:endParaRPr b="0" lang="en-US" sz="1400" spc="-1" strike="noStrike">
-              <a:solidFill>
-                <a:srgbClr val="000000"/>
-              </a:solidFill>
-              <a:latin typeface="Times New Roman"/>
-            </a:endParaRPr>
-          </a:p>
-        </p:txBody>
-      </p:sp>
-      <p:sp>
-        <p:nvSpPr>
-          <p:cNvPr id="16" name="PlaceHolder 5"/>
-          <p:cNvSpPr>
-            <a:spLocks noGrp="1"/>
-          </p:cNvSpPr>
-          <p:nvPr>
-            <p:ph type="sldNum" idx="9"/>
-          </p:nvPr>
-        </p:nvSpPr>
-        <p:spPr>
-          <a:xfrm>
-            <a:off x="6553080" y="6356520"/>
-            <a:ext cx="2133360" cy="364680"/>
-          </a:xfrm>
-          <a:prstGeom prst="rect">
-            <a:avLst/>
-          </a:prstGeom>
-          <a:noFill/>
-          <a:ln w="0">
-            <a:noFill/>
-          </a:ln>
-        </p:spPr>
-        <p:txBody>
-          <a:bodyPr lIns="91440" rIns="91440" tIns="45720" bIns="45720" anchor="ctr">
-            <a:noAutofit/>
-          </a:bodyPr>
-          <a:lstStyle>
-            <a:lvl1pPr indent="0" algn="r" defTabSz="457200">
-              <a:lnSpc>
-                <a:spcPct val="100000"/>
-              </a:lnSpc>
-              <a:buNone/>
-              <a:defRPr b="0" lang="en-US" sz="1200" spc="-1" strike="noStrike">
-                <a:solidFill>
-                  <a:schemeClr val="dk1">
-                    <a:tint val="75000"/>
-                  </a:schemeClr>
-                </a:solidFill>
-                <a:latin typeface="Calibri"/>
-              </a:defRPr>
-            </a:lvl1pPr>
-          </a:lstStyle>
-          <a:p>
-            <a:pPr indent="0" algn="r" defTabSz="457200">
-              <a:lnSpc>
-                <a:spcPct val="100000"/>
-              </a:lnSpc>
-              <a:buNone/>
-            </a:pPr>
-            <a:fld id="{2C7C478D-D84A-4438-A759-935D2D238519}" type="slidenum">
-              <a:rPr b="0" lang="en-US" sz="1200" spc="-1" strike="noStrike">
-                <a:solidFill>
-                  <a:schemeClr val="dk1">
-                    <a:tint val="75000"/>
-                  </a:schemeClr>
-                </a:solidFill>
-                <a:latin typeface="Calibri"/>
-              </a:rPr>
-              <a:t>&lt;number&gt;</a:t>
-            </a:fld>
-            <a:endParaRPr b="0" lang="en-US" sz="1200" spc="-1" strike="noStrike">
               <a:solidFill>
                 <a:srgbClr val="000000"/>
               </a:solidFill>
@@ -3828,7 +2779,7 @@
       </p:grpSpPr>
       <p:sp>
         <p:nvSpPr>
-          <p:cNvPr id="17" name="PlaceHolder 1"/>
+          <p:cNvPr id="13" name="PlaceHolder 1"/>
           <p:cNvSpPr>
             <a:spLocks noGrp="1"/>
           </p:cNvSpPr>
@@ -3838,8 +2789,8 @@
         </p:nvSpPr>
         <p:spPr>
           <a:xfrm>
-            <a:off x="457200" y="274680"/>
-            <a:ext cx="8229240" cy="1142640"/>
+            <a:off x="457200" y="273600"/>
+            <a:ext cx="8228880" cy="1144440"/>
           </a:xfrm>
           <a:prstGeom prst="rect">
             <a:avLst/>
@@ -3850,37 +2801,34 @@
           </a:ln>
         </p:spPr>
         <p:txBody>
-          <a:bodyPr lIns="91440" rIns="91440" tIns="45720" bIns="45720" anchor="ctr">
+          <a:bodyPr lIns="0" rIns="0" tIns="0" bIns="0" anchor="ctr">
             <a:noAutofit/>
           </a:bodyPr>
           <a:p>
-            <a:pPr indent="0" algn="ctr" defTabSz="457200">
-              <a:lnSpc>
-                <a:spcPct val="100000"/>
-              </a:lnSpc>
+            <a:pPr indent="0">
               <a:buNone/>
             </a:pPr>
             <a:r>
-              <a:rPr b="0" lang="en-US" sz="4400" spc="-1" strike="noStrike">
-                <a:solidFill>
-                  <a:schemeClr val="dk1"/>
-                </a:solidFill>
-                <a:latin typeface="Calibri"/>
-              </a:rPr>
-              <a:t>Click to edit Master title style</a:t>
-            </a:r>
-            <a:endParaRPr b="0" lang="en-US" sz="4400" spc="-1" strike="noStrike">
-              <a:solidFill>
-                <a:schemeClr val="dk1"/>
-              </a:solidFill>
-              <a:latin typeface="Calibri"/>
-            </a:endParaRPr>
-          </a:p>
-        </p:txBody>
-      </p:sp>
-      <p:sp>
-        <p:nvSpPr>
-          <p:cNvPr id="18" name="PlaceHolder 2"/>
+              <a:rPr b="0" lang="en-US" sz="1800" spc="-1" strike="noStrike">
+                <a:solidFill>
+                  <a:srgbClr val="000000"/>
+                </a:solidFill>
+                <a:latin typeface="Arial"/>
+              </a:rPr>
+              <a:t>Click to edit the title text format</a:t>
+            </a:r>
+            <a:endParaRPr b="0" lang="en-US" sz="1800" spc="-1" strike="noStrike">
+              <a:solidFill>
+                <a:srgbClr val="000000"/>
+              </a:solidFill>
+              <a:latin typeface="Arial"/>
+            </a:endParaRPr>
+          </a:p>
+        </p:txBody>
+      </p:sp>
+      <p:sp>
+        <p:nvSpPr>
+          <p:cNvPr id="14" name="PlaceHolder 2"/>
           <p:cNvSpPr>
             <a:spLocks noGrp="1"/>
           </p:cNvSpPr>
@@ -3890,8 +2838,8 @@
         </p:nvSpPr>
         <p:spPr>
           <a:xfrm>
-            <a:off x="457200" y="1600200"/>
-            <a:ext cx="8229240" cy="4525560"/>
+            <a:off x="457200" y="1604520"/>
+            <a:ext cx="8228880" cy="3976920"/>
           </a:xfrm>
           <a:prstGeom prst="rect">
             <a:avLst/>
@@ -3902,175 +2850,221 @@
           </a:ln>
         </p:spPr>
         <p:txBody>
-          <a:bodyPr lIns="91440" rIns="91440" tIns="45720" bIns="45720" anchor="t">
-            <a:noAutofit/>
+          <a:bodyPr lIns="0" rIns="0" tIns="0" bIns="0" anchor="t">
+            <a:normAutofit/>
           </a:bodyPr>
           <a:p>
-            <a:pPr marL="343080" indent="-343080" defTabSz="457200">
-              <a:lnSpc>
-                <a:spcPct val="100000"/>
-              </a:lnSpc>
+            <a:pPr marL="432000" indent="-324000">
               <a:spcBef>
-                <a:spcPts val="641"/>
+                <a:spcPts val="1417"/>
               </a:spcBef>
               <a:buClr>
                 <a:srgbClr val="000000"/>
               </a:buClr>
-              <a:buFont typeface="Arial"/>
-              <a:buChar char="•"/>
-            </a:pPr>
-            <a:r>
-              <a:rPr b="0" lang="en-US" sz="3200" spc="-1" strike="noStrike">
-                <a:solidFill>
-                  <a:schemeClr val="dk1"/>
-                </a:solidFill>
-                <a:latin typeface="Calibri"/>
-              </a:rPr>
-              <a:t>Click to edit Master text styles</a:t>
-            </a:r>
-            <a:endParaRPr b="0" lang="en-US" sz="3200" spc="-1" strike="noStrike">
-              <a:solidFill>
-                <a:schemeClr val="dk1"/>
-              </a:solidFill>
-              <a:latin typeface="Calibri"/>
-            </a:endParaRPr>
-          </a:p>
-          <a:p>
-            <a:pPr lvl="1" marL="743040" indent="-285840" defTabSz="457200">
-              <a:lnSpc>
-                <a:spcPct val="100000"/>
-              </a:lnSpc>
+              <a:buSzPct val="45000"/>
+              <a:buFont typeface="Wingdings" charset="2"/>
+              <a:buChar char=""/>
+            </a:pPr>
+            <a:r>
+              <a:rPr b="0" lang="en-US" sz="1800" spc="-1" strike="noStrike">
+                <a:solidFill>
+                  <a:srgbClr val="000000"/>
+                </a:solidFill>
+                <a:latin typeface="Arial"/>
+              </a:rPr>
+              <a:t>Click to edit the outline text format</a:t>
+            </a:r>
+            <a:endParaRPr b="0" lang="en-US" sz="1800" spc="-1" strike="noStrike">
+              <a:solidFill>
+                <a:srgbClr val="000000"/>
+              </a:solidFill>
+              <a:latin typeface="Arial"/>
+            </a:endParaRPr>
+          </a:p>
+          <a:p>
+            <a:pPr lvl="1" marL="864000" indent="-324000">
               <a:spcBef>
-                <a:spcPts val="561"/>
+                <a:spcPts val="1134"/>
               </a:spcBef>
               <a:buClr>
                 <a:srgbClr val="000000"/>
               </a:buClr>
-              <a:buFont typeface="Arial"/>
-              <a:buChar char="–"/>
-            </a:pPr>
-            <a:r>
-              <a:rPr b="0" lang="en-US" sz="2800" spc="-1" strike="noStrike">
-                <a:solidFill>
-                  <a:schemeClr val="dk1"/>
-                </a:solidFill>
-                <a:latin typeface="Calibri"/>
-              </a:rPr>
-              <a:t>Second level</a:t>
-            </a:r>
-            <a:endParaRPr b="0" lang="en-US" sz="2800" spc="-1" strike="noStrike">
-              <a:solidFill>
-                <a:schemeClr val="dk1"/>
-              </a:solidFill>
-              <a:latin typeface="Calibri"/>
-            </a:endParaRPr>
-          </a:p>
-          <a:p>
-            <a:pPr lvl="2" marL="1143000" indent="-228600" defTabSz="457200">
-              <a:lnSpc>
-                <a:spcPct val="100000"/>
-              </a:lnSpc>
+              <a:buSzPct val="75000"/>
+              <a:buFont typeface="Symbol" charset="2"/>
+              <a:buChar char=""/>
+            </a:pPr>
+            <a:r>
+              <a:rPr b="0" lang="en-US" sz="1800" spc="-1" strike="noStrike">
+                <a:solidFill>
+                  <a:srgbClr val="000000"/>
+                </a:solidFill>
+                <a:latin typeface="Arial"/>
+              </a:rPr>
+              <a:t>Second Outline Level</a:t>
+            </a:r>
+            <a:endParaRPr b="0" lang="en-US" sz="1800" spc="-1" strike="noStrike">
+              <a:solidFill>
+                <a:srgbClr val="000000"/>
+              </a:solidFill>
+              <a:latin typeface="Arial"/>
+            </a:endParaRPr>
+          </a:p>
+          <a:p>
+            <a:pPr lvl="2" marL="1296000" indent="-288000">
               <a:spcBef>
-                <a:spcPts val="479"/>
+                <a:spcPts val="850"/>
               </a:spcBef>
               <a:buClr>
                 <a:srgbClr val="000000"/>
               </a:buClr>
-              <a:buFont typeface="Arial"/>
-              <a:buChar char="•"/>
-            </a:pPr>
-            <a:r>
-              <a:rPr b="0" lang="en-US" sz="2400" spc="-1" strike="noStrike">
-                <a:solidFill>
-                  <a:schemeClr val="dk1"/>
-                </a:solidFill>
-                <a:latin typeface="Calibri"/>
-              </a:rPr>
-              <a:t>Third level</a:t>
-            </a:r>
-            <a:endParaRPr b="0" lang="en-US" sz="2400" spc="-1" strike="noStrike">
-              <a:solidFill>
-                <a:schemeClr val="dk1"/>
-              </a:solidFill>
-              <a:latin typeface="Calibri"/>
-            </a:endParaRPr>
-          </a:p>
-          <a:p>
-            <a:pPr lvl="3" marL="1600200" indent="-228600" defTabSz="457200">
-              <a:lnSpc>
-                <a:spcPct val="100000"/>
-              </a:lnSpc>
+              <a:buSzPct val="45000"/>
+              <a:buFont typeface="Wingdings" charset="2"/>
+              <a:buChar char=""/>
+            </a:pPr>
+            <a:r>
+              <a:rPr b="0" lang="en-US" sz="1800" spc="-1" strike="noStrike">
+                <a:solidFill>
+                  <a:srgbClr val="000000"/>
+                </a:solidFill>
+                <a:latin typeface="Arial"/>
+              </a:rPr>
+              <a:t>Third Outline Level</a:t>
+            </a:r>
+            <a:endParaRPr b="0" lang="en-US" sz="1800" spc="-1" strike="noStrike">
+              <a:solidFill>
+                <a:srgbClr val="000000"/>
+              </a:solidFill>
+              <a:latin typeface="Arial"/>
+            </a:endParaRPr>
+          </a:p>
+          <a:p>
+            <a:pPr lvl="3" marL="1728000" indent="-216000">
               <a:spcBef>
-                <a:spcPts val="400"/>
+                <a:spcPts val="567"/>
               </a:spcBef>
               <a:buClr>
                 <a:srgbClr val="000000"/>
               </a:buClr>
-              <a:buFont typeface="Arial"/>
-              <a:buChar char="–"/>
-            </a:pPr>
-            <a:r>
-              <a:rPr b="0" lang="en-US" sz="2000" spc="-1" strike="noStrike">
-                <a:solidFill>
-                  <a:schemeClr val="dk1"/>
-                </a:solidFill>
-                <a:latin typeface="Calibri"/>
-              </a:rPr>
-              <a:t>Fourth level</a:t>
-            </a:r>
-            <a:endParaRPr b="0" lang="en-US" sz="2000" spc="-1" strike="noStrike">
-              <a:solidFill>
-                <a:schemeClr val="dk1"/>
-              </a:solidFill>
-              <a:latin typeface="Calibri"/>
-            </a:endParaRPr>
-          </a:p>
-          <a:p>
-            <a:pPr lvl="4" marL="2057400" indent="-228600" defTabSz="457200">
-              <a:lnSpc>
-                <a:spcPct val="100000"/>
-              </a:lnSpc>
+              <a:buSzPct val="75000"/>
+              <a:buFont typeface="Symbol" charset="2"/>
+              <a:buChar char=""/>
+            </a:pPr>
+            <a:r>
+              <a:rPr b="0" lang="en-US" sz="1800" spc="-1" strike="noStrike">
+                <a:solidFill>
+                  <a:srgbClr val="000000"/>
+                </a:solidFill>
+                <a:latin typeface="Arial"/>
+              </a:rPr>
+              <a:t>Fourth Outline Level</a:t>
+            </a:r>
+            <a:endParaRPr b="0" lang="en-US" sz="1800" spc="-1" strike="noStrike">
+              <a:solidFill>
+                <a:srgbClr val="000000"/>
+              </a:solidFill>
+              <a:latin typeface="Arial"/>
+            </a:endParaRPr>
+          </a:p>
+          <a:p>
+            <a:pPr lvl="4" marL="2160000" indent="-216000">
               <a:spcBef>
-                <a:spcPts val="400"/>
+                <a:spcPts val="283"/>
               </a:spcBef>
               <a:buClr>
                 <a:srgbClr val="000000"/>
               </a:buClr>
-              <a:buFont typeface="Arial"/>
-              <a:buChar char="»"/>
-            </a:pPr>
-            <a:r>
-              <a:rPr b="0" lang="en-US" sz="2000" spc="-1" strike="noStrike">
-                <a:solidFill>
-                  <a:schemeClr val="dk1"/>
-                </a:solidFill>
-                <a:latin typeface="Calibri"/>
-              </a:rPr>
-              <a:t>Fifth level</a:t>
-            </a:r>
-            <a:endParaRPr b="0" lang="en-US" sz="2000" spc="-1" strike="noStrike">
-              <a:solidFill>
-                <a:schemeClr val="dk1"/>
-              </a:solidFill>
-              <a:latin typeface="Calibri"/>
-            </a:endParaRPr>
-          </a:p>
-        </p:txBody>
-      </p:sp>
-      <p:sp>
-        <p:nvSpPr>
-          <p:cNvPr id="19" name="PlaceHolder 3"/>
+              <a:buSzPct val="45000"/>
+              <a:buFont typeface="Wingdings" charset="2"/>
+              <a:buChar char=""/>
+            </a:pPr>
+            <a:r>
+              <a:rPr b="0" lang="en-US" sz="1800" spc="-1" strike="noStrike">
+                <a:solidFill>
+                  <a:srgbClr val="000000"/>
+                </a:solidFill>
+                <a:latin typeface="Arial"/>
+              </a:rPr>
+              <a:t>Fifth Outline Level</a:t>
+            </a:r>
+            <a:endParaRPr b="0" lang="en-US" sz="1800" spc="-1" strike="noStrike">
+              <a:solidFill>
+                <a:srgbClr val="000000"/>
+              </a:solidFill>
+              <a:latin typeface="Arial"/>
+            </a:endParaRPr>
+          </a:p>
+          <a:p>
+            <a:pPr lvl="5" marL="2592000" indent="-216000">
+              <a:spcBef>
+                <a:spcPts val="283"/>
+              </a:spcBef>
+              <a:buClr>
+                <a:srgbClr val="000000"/>
+              </a:buClr>
+              <a:buSzPct val="45000"/>
+              <a:buFont typeface="Wingdings" charset="2"/>
+              <a:buChar char=""/>
+            </a:pPr>
+            <a:r>
+              <a:rPr b="0" lang="en-US" sz="1800" spc="-1" strike="noStrike">
+                <a:solidFill>
+                  <a:srgbClr val="000000"/>
+                </a:solidFill>
+                <a:latin typeface="Arial"/>
+              </a:rPr>
+              <a:t>Sixth Outline Level</a:t>
+            </a:r>
+            <a:endParaRPr b="0" lang="en-US" sz="1800" spc="-1" strike="noStrike">
+              <a:solidFill>
+                <a:srgbClr val="000000"/>
+              </a:solidFill>
+              <a:latin typeface="Arial"/>
+            </a:endParaRPr>
+          </a:p>
+          <a:p>
+            <a:pPr lvl="6" marL="3024000" indent="-216000">
+              <a:spcBef>
+                <a:spcPts val="283"/>
+              </a:spcBef>
+              <a:buClr>
+                <a:srgbClr val="000000"/>
+              </a:buClr>
+              <a:buSzPct val="45000"/>
+              <a:buFont typeface="Wingdings" charset="2"/>
+              <a:buChar char=""/>
+            </a:pPr>
+            <a:r>
+              <a:rPr b="0" lang="en-US" sz="1800" spc="-1" strike="noStrike">
+                <a:solidFill>
+                  <a:srgbClr val="000000"/>
+                </a:solidFill>
+                <a:latin typeface="Arial"/>
+              </a:rPr>
+              <a:t>Seventh Outline Level</a:t>
+            </a:r>
+            <a:endParaRPr b="0" lang="en-US" sz="1800" spc="-1" strike="noStrike">
+              <a:solidFill>
+                <a:srgbClr val="000000"/>
+              </a:solidFill>
+              <a:latin typeface="Arial"/>
+            </a:endParaRPr>
+          </a:p>
+        </p:txBody>
+      </p:sp>
+      <p:sp>
+        <p:nvSpPr>
+          <p:cNvPr id="15" name="PlaceHolder 3"/>
           <p:cNvSpPr>
             <a:spLocks noGrp="1"/>
           </p:cNvSpPr>
           <p:nvPr>
-            <p:ph type="dt" idx="10"/>
+            <p:ph type="ftr" idx="10"/>
           </p:nvPr>
         </p:nvSpPr>
         <p:spPr>
           <a:xfrm>
-            <a:off x="457200" y="6356520"/>
-            <a:ext cx="2133360" cy="364680"/>
+            <a:off x="3124080" y="6356520"/>
+            <a:ext cx="2894760" cy="364320"/>
           </a:xfrm>
           <a:prstGeom prst="rect">
             <a:avLst/>
@@ -4085,40 +3079,42 @@
             <a:noAutofit/>
           </a:bodyPr>
           <a:lstStyle>
-            <a:lvl1pPr indent="0" defTabSz="457200">
+            <a:lvl1pPr indent="0" algn="ctr">
               <a:lnSpc>
                 <a:spcPct val="100000"/>
               </a:lnSpc>
               <a:buNone/>
-              <a:defRPr b="0" lang="en-US" sz="1200" spc="-1" strike="noStrike">
-                <a:solidFill>
-                  <a:schemeClr val="dk1">
-                    <a:tint val="75000"/>
-                  </a:schemeClr>
-                </a:solidFill>
-                <a:latin typeface="Calibri"/>
+              <a:tabLst>
+                <a:tab algn="l" pos="0"/>
+              </a:tabLst>
+              <a:defRPr b="0" lang="en-US" sz="1400" spc="-1" strike="noStrike">
+                <a:solidFill>
+                  <a:srgbClr val="000000"/>
+                </a:solidFill>
+                <a:latin typeface="Times New Roman"/>
               </a:defRPr>
             </a:lvl1pPr>
           </a:lstStyle>
           <a:p>
-            <a:pPr indent="0" defTabSz="457200">
+            <a:pPr indent="0" algn="ctr">
               <a:lnSpc>
                 <a:spcPct val="100000"/>
               </a:lnSpc>
               <a:buNone/>
-            </a:pPr>
-            <a:r>
-              <a:rPr b="0" lang="en-US" sz="1200" spc="-1" strike="noStrike">
-                <a:solidFill>
-                  <a:schemeClr val="dk1">
-                    <a:tint val="75000"/>
-                  </a:schemeClr>
-                </a:solidFill>
-                <a:latin typeface="Calibri"/>
-              </a:rPr>
-              <a:t>&lt;date/time&gt;</a:t>
-            </a:r>
-            <a:endParaRPr b="0" lang="en-US" sz="1200" spc="-1" strike="noStrike">
+              <a:tabLst>
+                <a:tab algn="l" pos="0"/>
+              </a:tabLst>
+            </a:pPr>
+            <a:r>
+              <a:rPr b="0" lang="en-US" sz="1400" spc="-1" strike="noStrike">
+                <a:solidFill>
+                  <a:srgbClr val="000000"/>
+                </a:solidFill>
+                <a:latin typeface="Times New Roman"/>
+              </a:rPr>
+              <a:t>&lt;footer&gt;</a:t>
+            </a:r>
+            <a:endParaRPr b="0" lang="en-US" sz="1400" spc="-1" strike="noStrike">
               <a:solidFill>
                 <a:srgbClr val="000000"/>
               </a:solidFill>
@@ -4129,18 +3125,18 @@
       </p:sp>
       <p:sp>
         <p:nvSpPr>
-          <p:cNvPr id="20" name="PlaceHolder 4"/>
+          <p:cNvPr id="16" name="PlaceHolder 4"/>
           <p:cNvSpPr>
             <a:spLocks noGrp="1"/>
           </p:cNvSpPr>
           <p:nvPr>
-            <p:ph type="ftr" idx="11"/>
+            <p:ph type="sldNum" idx="11"/>
           </p:nvPr>
         </p:nvSpPr>
         <p:spPr>
           <a:xfrm>
-            <a:off x="3124080" y="6356520"/>
-            <a:ext cx="2895120" cy="364680"/>
+            <a:off x="6553080" y="6356520"/>
+            <a:ext cx="2133000" cy="364320"/>
           </a:xfrm>
           <a:prstGeom prst="rect">
             <a:avLst/>
@@ -4155,30 +3151,46 @@
             <a:noAutofit/>
           </a:bodyPr>
           <a:lstStyle>
-            <a:lvl1pPr indent="0" algn="ctr">
+            <a:lvl1pPr indent="0" algn="r" defTabSz="457200">
+              <a:lnSpc>
+                <a:spcPct val="100000"/>
+              </a:lnSpc>
               <a:buNone/>
-              <a:defRPr b="0" lang="en-US" sz="1400" spc="-1" strike="noStrike">
-                <a:solidFill>
-                  <a:srgbClr val="000000"/>
-                </a:solidFill>
-                <a:latin typeface="Times New Roman"/>
+              <a:tabLst>
+                <a:tab algn="l" pos="0"/>
+              </a:tabLst>
+              <a:defRPr b="0" lang="en-US" sz="1200" spc="-1" strike="noStrike">
+                <a:solidFill>
+                  <a:schemeClr val="dk1">
+                    <a:tint val="75000"/>
+                  </a:schemeClr>
+                </a:solidFill>
+                <a:latin typeface="Calibri"/>
               </a:defRPr>
             </a:lvl1pPr>
           </a:lstStyle>
           <a:p>
-            <a:pPr indent="0" algn="ctr">
+            <a:pPr indent="0" algn="r" defTabSz="457200">
+              <a:lnSpc>
+                <a:spcPct val="100000"/>
+              </a:lnSpc>
               <a:buNone/>
-            </a:pPr>
-            <a:r>
-              <a:rPr b="0" lang="en-US" sz="1400" spc="-1" strike="noStrike">
-                <a:solidFill>
-                  <a:srgbClr val="000000"/>
-                </a:solidFill>
-                <a:latin typeface="Times New Roman"/>
-              </a:rPr>
-              <a:t>&lt;footer&gt;</a:t>
-            </a:r>
-            <a:endParaRPr b="0" lang="en-US" sz="1400" spc="-1" strike="noStrike">
+              <a:tabLst>
+                <a:tab algn="l" pos="0"/>
+              </a:tabLst>
+            </a:pPr>
+            <a:fld id="{7211B1B5-FD29-4B8D-B45F-33A9EDC70728}" type="slidenum">
+              <a:rPr b="0" lang="en-US" sz="1200" spc="-1" strike="noStrike">
+                <a:solidFill>
+                  <a:schemeClr val="dk1">
+                    <a:tint val="75000"/>
+                  </a:schemeClr>
+                </a:solidFill>
+                <a:latin typeface="Calibri"/>
+              </a:rPr>
+              <a:t>&lt;number&gt;</a:t>
+            </a:fld>
+            <a:endParaRPr b="0" lang="en-US" sz="1200" spc="-1" strike="noStrike">
               <a:solidFill>
                 <a:srgbClr val="000000"/>
               </a:solidFill>
@@ -4189,18 +3201,18 @@
       </p:sp>
       <p:sp>
         <p:nvSpPr>
-          <p:cNvPr id="21" name="PlaceHolder 5"/>
+          <p:cNvPr id="17" name="PlaceHolder 5"/>
           <p:cNvSpPr>
             <a:spLocks noGrp="1"/>
           </p:cNvSpPr>
           <p:nvPr>
-            <p:ph type="sldNum" idx="12"/>
+            <p:ph type="dt" idx="12"/>
           </p:nvPr>
         </p:nvSpPr>
         <p:spPr>
           <a:xfrm>
-            <a:off x="6553080" y="6356520"/>
-            <a:ext cx="2133360" cy="364680"/>
+            <a:off x="457200" y="6356520"/>
+            <a:ext cx="2133000" cy="364320"/>
           </a:xfrm>
           <a:prstGeom prst="rect">
             <a:avLst/>
@@ -4215,40 +3227,30 @@
             <a:noAutofit/>
           </a:bodyPr>
           <a:lstStyle>
-            <a:lvl1pPr indent="0" algn="r" defTabSz="457200">
-              <a:lnSpc>
-                <a:spcPct val="100000"/>
-              </a:lnSpc>
+            <a:lvl1pPr indent="0">
               <a:buNone/>
-              <a:defRPr b="0" lang="en-US" sz="1200" spc="-1" strike="noStrike">
-                <a:solidFill>
-                  <a:schemeClr val="dk1">
-                    <a:tint val="75000"/>
-                  </a:schemeClr>
-                </a:solidFill>
-                <a:latin typeface="Calibri"/>
+              <a:defRPr b="0" lang="en-US" sz="1400" spc="-1" strike="noStrike">
+                <a:solidFill>
+                  <a:srgbClr val="000000"/>
+                </a:solidFill>
+                <a:latin typeface="Times New Roman"/>
               </a:defRPr>
             </a:lvl1pPr>
           </a:lstStyle>
           <a:p>
-            <a:pPr indent="0" algn="r" defTabSz="457200">
-              <a:lnSpc>
-                <a:spcPct val="100000"/>
-              </a:lnSpc>
+            <a:pPr indent="0">
               <a:buNone/>
             </a:pPr>
-            <a:fld id="{9006E84D-EA0C-4A69-829D-729EB603B97F}" type="slidenum">
-              <a:rPr b="0" lang="en-US" sz="1200" spc="-1" strike="noStrike">
-                <a:solidFill>
-                  <a:schemeClr val="dk1">
-                    <a:tint val="75000"/>
-                  </a:schemeClr>
-                </a:solidFill>
-                <a:latin typeface="Calibri"/>
-              </a:rPr>
-              <a:t>&lt;number&gt;</a:t>
-            </a:fld>
-            <a:endParaRPr b="0" lang="en-US" sz="1200" spc="-1" strike="noStrike">
+            <a:r>
+              <a:rPr b="0" lang="en-US" sz="1400" spc="-1" strike="noStrike">
+                <a:solidFill>
+                  <a:srgbClr val="000000"/>
+                </a:solidFill>
+                <a:latin typeface="Times New Roman"/>
+              </a:rPr>
+              <a:t>&lt;date/time&gt;</a:t>
+            </a:r>
+            <a:endParaRPr b="0" lang="en-US" sz="1400" spc="-1" strike="noStrike">
               <a:solidFill>
                 <a:srgbClr val="000000"/>
               </a:solidFill>
@@ -4292,18 +3294,18 @@
       </p:grpSpPr>
       <p:sp>
         <p:nvSpPr>
-          <p:cNvPr id="24" name="PlaceHolder 1"/>
+          <p:cNvPr id="20" name="PlaceHolder 1"/>
           <p:cNvSpPr>
             <a:spLocks noGrp="1"/>
           </p:cNvSpPr>
           <p:nvPr>
-            <p:ph type="title"/>
+            <p:ph type="ftr" idx="13"/>
           </p:nvPr>
         </p:nvSpPr>
         <p:spPr>
           <a:xfrm>
-            <a:off x="722160" y="4406760"/>
-            <a:ext cx="7772040" cy="1361880"/>
+            <a:off x="3124080" y="6356520"/>
+            <a:ext cx="2894760" cy="364320"/>
           </a:xfrm>
           <a:prstGeom prst="rect">
             <a:avLst/>
@@ -4314,48 +3316,68 @@
           </a:ln>
         </p:spPr>
         <p:txBody>
-          <a:bodyPr lIns="91440" rIns="91440" tIns="45720" bIns="45720" anchor="t">
+          <a:bodyPr lIns="91440" rIns="91440" tIns="45720" bIns="45720" anchor="ctr">
             <a:noAutofit/>
           </a:bodyPr>
-          <a:p>
-            <a:pPr indent="0" defTabSz="457200">
+          <a:lstStyle>
+            <a:lvl1pPr indent="0" algn="ctr">
               <a:lnSpc>
                 <a:spcPct val="100000"/>
               </a:lnSpc>
               <a:buNone/>
-            </a:pPr>
-            <a:r>
-              <a:rPr b="1" lang="en-US" sz="4000" spc="-1" strike="noStrike" cap="all">
-                <a:solidFill>
-                  <a:schemeClr val="dk1"/>
-                </a:solidFill>
-                <a:latin typeface="Calibri"/>
-              </a:rPr>
-              <a:t>Click to edit Master title style</a:t>
-            </a:r>
-            <a:endParaRPr b="0" lang="en-US" sz="4000" spc="-1" strike="noStrike">
-              <a:solidFill>
-                <a:schemeClr val="dk1"/>
-              </a:solidFill>
-              <a:latin typeface="Calibri"/>
-            </a:endParaRPr>
-          </a:p>
-        </p:txBody>
-      </p:sp>
-      <p:sp>
-        <p:nvSpPr>
-          <p:cNvPr id="25" name="PlaceHolder 2"/>
+              <a:tabLst>
+                <a:tab algn="l" pos="0"/>
+              </a:tabLst>
+              <a:defRPr b="0" lang="en-US" sz="1400" spc="-1" strike="noStrike">
+                <a:solidFill>
+                  <a:srgbClr val="000000"/>
+                </a:solidFill>
+                <a:latin typeface="Times New Roman"/>
+              </a:defRPr>
+            </a:lvl1pPr>
+          </a:lstStyle>
+          <a:p>
+            <a:pPr indent="0" algn="ctr">
+              <a:lnSpc>
+                <a:spcPct val="100000"/>
+              </a:lnSpc>
+              <a:buNone/>
+              <a:tabLst>
+                <a:tab algn="l" pos="0"/>
+              </a:tabLst>
+            </a:pPr>
+            <a:r>
+              <a:rPr b="0" lang="en-US" sz="1400" spc="-1" strike="noStrike">
+                <a:solidFill>
+                  <a:srgbClr val="000000"/>
+                </a:solidFill>
+                <a:latin typeface="Times New Roman"/>
+              </a:rPr>
+              <a:t>&lt;footer&gt;</a:t>
+            </a:r>
+            <a:endParaRPr b="0" lang="en-US" sz="1400" spc="-1" strike="noStrike">
+              <a:solidFill>
+                <a:srgbClr val="000000"/>
+              </a:solidFill>
+              <a:latin typeface="Times New Roman"/>
+            </a:endParaRPr>
+          </a:p>
+        </p:txBody>
+      </p:sp>
+      <p:sp>
+        <p:nvSpPr>
+          <p:cNvPr id="21" name="PlaceHolder 2"/>
           <p:cNvSpPr>
             <a:spLocks noGrp="1"/>
           </p:cNvSpPr>
           <p:nvPr>
-            <p:ph type="body"/>
+            <p:ph type="sldNum" idx="14"/>
           </p:nvPr>
         </p:nvSpPr>
         <p:spPr>
           <a:xfrm>
-            <a:off x="722160" y="2906640"/>
-            <a:ext cx="7772040" cy="1499760"/>
+            <a:off x="6553080" y="6356520"/>
+            <a:ext cx="2133000" cy="364320"/>
           </a:xfrm>
           <a:prstGeom prst="rect">
             <a:avLst/>
@@ -4366,56 +3388,72 @@
           </a:ln>
         </p:spPr>
         <p:txBody>
-          <a:bodyPr lIns="91440" rIns="91440" tIns="45720" bIns="45720" anchor="b">
+          <a:bodyPr lIns="91440" rIns="91440" tIns="45720" bIns="45720" anchor="ctr">
             <a:noAutofit/>
           </a:bodyPr>
-          <a:p>
-            <a:pPr indent="0" defTabSz="457200">
-              <a:lnSpc>
-                <a:spcPct val="100000"/>
-              </a:lnSpc>
-              <a:spcBef>
-                <a:spcPts val="400"/>
-              </a:spcBef>
+          <a:lstStyle>
+            <a:lvl1pPr indent="0" algn="r" defTabSz="457200">
+              <a:lnSpc>
+                <a:spcPct val="100000"/>
+              </a:lnSpc>
               <a:buNone/>
               <a:tabLst>
                 <a:tab algn="l" pos="0"/>
               </a:tabLst>
-            </a:pPr>
-            <a:r>
-              <a:rPr b="0" lang="en-US" sz="2000" spc="-1" strike="noStrike">
+              <a:defRPr b="0" lang="en-US" sz="1200" spc="-1" strike="noStrike">
                 <a:solidFill>
                   <a:schemeClr val="dk1">
                     <a:tint val="75000"/>
                   </a:schemeClr>
                 </a:solidFill>
                 <a:latin typeface="Calibri"/>
-              </a:rPr>
-              <a:t>Click to edit Master text styles</a:t>
-            </a:r>
-            <a:endParaRPr b="0" lang="en-US" sz="2000" spc="-1" strike="noStrike">
-              <a:solidFill>
-                <a:schemeClr val="dk1"/>
-              </a:solidFill>
-              <a:latin typeface="Calibri"/>
-            </a:endParaRPr>
-          </a:p>
-        </p:txBody>
-      </p:sp>
-      <p:sp>
-        <p:nvSpPr>
-          <p:cNvPr id="26" name="PlaceHolder 3"/>
+              </a:defRPr>
+            </a:lvl1pPr>
+          </a:lstStyle>
+          <a:p>
+            <a:pPr indent="0" algn="r" defTabSz="457200">
+              <a:lnSpc>
+                <a:spcPct val="100000"/>
+              </a:lnSpc>
+              <a:buNone/>
+              <a:tabLst>
+                <a:tab algn="l" pos="0"/>
+              </a:tabLst>
+            </a:pPr>
+            <a:fld id="{AF10E450-2A0E-450F-89B4-0E8437DB7DF8}" type="slidenum">
+              <a:rPr b="0" lang="en-US" sz="1200" spc="-1" strike="noStrike">
+                <a:solidFill>
+                  <a:schemeClr val="dk1">
+                    <a:tint val="75000"/>
+                  </a:schemeClr>
+                </a:solidFill>
+                <a:latin typeface="Calibri"/>
+              </a:rPr>
+              <a:t>&lt;number&gt;</a:t>
+            </a:fld>
+            <a:endParaRPr b="0" lang="en-US" sz="1200" spc="-1" strike="noStrike">
+              <a:solidFill>
+                <a:srgbClr val="000000"/>
+              </a:solidFill>
+              <a:latin typeface="Times New Roman"/>
+            </a:endParaRPr>
+          </a:p>
+        </p:txBody>
+      </p:sp>
+      <p:sp>
+        <p:nvSpPr>
+          <p:cNvPr id="22" name="PlaceHolder 3"/>
           <p:cNvSpPr>
             <a:spLocks noGrp="1"/>
           </p:cNvSpPr>
           <p:nvPr>
-            <p:ph type="dt" idx="13"/>
+            <p:ph type="dt" idx="15"/>
           </p:nvPr>
         </p:nvSpPr>
         <p:spPr>
           <a:xfrm>
             <a:off x="457200" y="6356520"/>
-            <a:ext cx="2133360" cy="364680"/>
+            <a:ext cx="2133000" cy="364320"/>
           </a:xfrm>
           <a:prstGeom prst="rect">
             <a:avLst/>
@@ -4430,77 +3468,7 @@
             <a:noAutofit/>
           </a:bodyPr>
           <a:lstStyle>
-            <a:lvl1pPr indent="0" defTabSz="457200">
-              <a:lnSpc>
-                <a:spcPct val="100000"/>
-              </a:lnSpc>
-              <a:buNone/>
-              <a:defRPr b="0" lang="en-US" sz="1200" spc="-1" strike="noStrike">
-                <a:solidFill>
-                  <a:schemeClr val="dk1">
-                    <a:tint val="75000"/>
-                  </a:schemeClr>
-                </a:solidFill>
-                <a:latin typeface="Calibri"/>
-              </a:defRPr>
-            </a:lvl1pPr>
-          </a:lstStyle>
-          <a:p>
-            <a:pPr indent="0" defTabSz="457200">
-              <a:lnSpc>
-                <a:spcPct val="100000"/>
-              </a:lnSpc>
-              <a:buNone/>
-            </a:pPr>
-            <a:r>
-              <a:rPr b="0" lang="en-US" sz="1200" spc="-1" strike="noStrike">
-                <a:solidFill>
-                  <a:schemeClr val="dk1">
-                    <a:tint val="75000"/>
-                  </a:schemeClr>
-                </a:solidFill>
-                <a:latin typeface="Calibri"/>
-              </a:rPr>
-              <a:t>&lt;date/time&gt;</a:t>
-            </a:r>
-            <a:endParaRPr b="0" lang="en-US" sz="1200" spc="-1" strike="noStrike">
-              <a:solidFill>
-                <a:srgbClr val="000000"/>
-              </a:solidFill>
-              <a:latin typeface="Times New Roman"/>
-            </a:endParaRPr>
-          </a:p>
-        </p:txBody>
-      </p:sp>
-      <p:sp>
-        <p:nvSpPr>
-          <p:cNvPr id="27" name="PlaceHolder 4"/>
-          <p:cNvSpPr>
-            <a:spLocks noGrp="1"/>
-          </p:cNvSpPr>
-          <p:nvPr>
-            <p:ph type="ftr" idx="14"/>
-          </p:nvPr>
-        </p:nvSpPr>
-        <p:spPr>
-          <a:xfrm>
-            <a:off x="3124080" y="6356520"/>
-            <a:ext cx="2895120" cy="364680"/>
-          </a:xfrm>
-          <a:prstGeom prst="rect">
-            <a:avLst/>
-          </a:prstGeom>
-          <a:noFill/>
-          <a:ln w="0">
-            <a:noFill/>
-          </a:ln>
-        </p:spPr>
-        <p:txBody>
-          <a:bodyPr lIns="91440" rIns="91440" tIns="45720" bIns="45720" anchor="ctr">
-            <a:noAutofit/>
-          </a:bodyPr>
-          <a:lstStyle>
-            <a:lvl1pPr indent="0" algn="ctr">
+            <a:lvl1pPr indent="0">
               <a:buNone/>
               <a:defRPr b="0" lang="en-US" sz="1400" spc="-1" strike="noStrike">
                 <a:solidFill>
@@ -4511,7 +3479,7 @@
             </a:lvl1pPr>
           </a:lstStyle>
           <a:p>
-            <a:pPr indent="0" algn="ctr">
+            <a:pPr indent="0">
               <a:buNone/>
             </a:pPr>
             <a:r>
@@ -4521,79 +3489,9 @@
                 </a:solidFill>
                 <a:latin typeface="Times New Roman"/>
               </a:rPr>
-              <a:t>&lt;footer&gt;</a:t>
+              <a:t>&lt;date/time&gt;</a:t>
             </a:r>
             <a:endParaRPr b="0" lang="en-US" sz="1400" spc="-1" strike="noStrike">
-              <a:solidFill>
-                <a:srgbClr val="000000"/>
-              </a:solidFill>
-              <a:latin typeface="Times New Roman"/>
-            </a:endParaRPr>
-          </a:p>
-        </p:txBody>
-      </p:sp>
-      <p:sp>
-        <p:nvSpPr>
-          <p:cNvPr id="28" name="PlaceHolder 5"/>
-          <p:cNvSpPr>
-            <a:spLocks noGrp="1"/>
-          </p:cNvSpPr>
-          <p:nvPr>
-            <p:ph type="sldNum" idx="15"/>
-          </p:nvPr>
-        </p:nvSpPr>
-        <p:spPr>
-          <a:xfrm>
-            <a:off x="6553080" y="6356520"/>
-            <a:ext cx="2133360" cy="364680"/>
-          </a:xfrm>
-          <a:prstGeom prst="rect">
-            <a:avLst/>
-          </a:prstGeom>
-          <a:noFill/>
-          <a:ln w="0">
-            <a:noFill/>
-          </a:ln>
-        </p:spPr>
-        <p:txBody>
-          <a:bodyPr lIns="91440" rIns="91440" tIns="45720" bIns="45720" anchor="ctr">
-            <a:noAutofit/>
-          </a:bodyPr>
-          <a:lstStyle>
-            <a:lvl1pPr indent="0" algn="r" defTabSz="457200">
-              <a:lnSpc>
-                <a:spcPct val="100000"/>
-              </a:lnSpc>
-              <a:buNone/>
-              <a:defRPr b="0" lang="en-US" sz="1200" spc="-1" strike="noStrike">
-                <a:solidFill>
-                  <a:schemeClr val="dk1">
-                    <a:tint val="75000"/>
-                  </a:schemeClr>
-                </a:solidFill>
-                <a:latin typeface="Calibri"/>
-              </a:defRPr>
-            </a:lvl1pPr>
-          </a:lstStyle>
-          <a:p>
-            <a:pPr indent="0" algn="r" defTabSz="457200">
-              <a:lnSpc>
-                <a:spcPct val="100000"/>
-              </a:lnSpc>
-              <a:buNone/>
-            </a:pPr>
-            <a:fld id="{4AD361FD-4237-474A-8BCA-E9A44C3EFD60}" type="slidenum">
-              <a:rPr b="0" lang="en-US" sz="1200" spc="-1" strike="noStrike">
-                <a:solidFill>
-                  <a:schemeClr val="dk1">
-                    <a:tint val="75000"/>
-                  </a:schemeClr>
-                </a:solidFill>
-                <a:latin typeface="Calibri"/>
-              </a:rPr>
-              <a:t>&lt;number&gt;</a:t>
-            </a:fld>
-            <a:endParaRPr b="0" lang="en-US" sz="1200" spc="-1" strike="noStrike">
               <a:solidFill>
                 <a:srgbClr val="000000"/>
               </a:solidFill>
@@ -4637,7 +3535,7 @@
       </p:grpSpPr>
       <p:sp>
         <p:nvSpPr>
-          <p:cNvPr id="29" name="PlaceHolder 1"/>
+          <p:cNvPr id="23" name="PlaceHolder 1"/>
           <p:cNvSpPr>
             <a:spLocks noGrp="1"/>
           </p:cNvSpPr>
@@ -4647,8 +3545,8 @@
         </p:nvSpPr>
         <p:spPr>
           <a:xfrm>
-            <a:off x="457200" y="274680"/>
-            <a:ext cx="8229240" cy="1142640"/>
+            <a:off x="457200" y="273600"/>
+            <a:ext cx="8228880" cy="1144440"/>
           </a:xfrm>
           <a:prstGeom prst="rect">
             <a:avLst/>
@@ -4659,37 +3557,34 @@
           </a:ln>
         </p:spPr>
         <p:txBody>
-          <a:bodyPr lIns="91440" rIns="91440" tIns="45720" bIns="45720" anchor="ctr">
+          <a:bodyPr lIns="0" rIns="0" tIns="0" bIns="0" anchor="ctr">
             <a:noAutofit/>
           </a:bodyPr>
           <a:p>
-            <a:pPr indent="0" algn="ctr" defTabSz="457200">
-              <a:lnSpc>
-                <a:spcPct val="100000"/>
-              </a:lnSpc>
+            <a:pPr indent="0">
               <a:buNone/>
             </a:pPr>
             <a:r>
-              <a:rPr b="0" lang="en-US" sz="4400" spc="-1" strike="noStrike">
-                <a:solidFill>
-                  <a:schemeClr val="dk1"/>
-                </a:solidFill>
-                <a:latin typeface="Calibri"/>
-              </a:rPr>
-              <a:t>Click to edit Master title style</a:t>
-            </a:r>
-            <a:endParaRPr b="0" lang="en-US" sz="4400" spc="-1" strike="noStrike">
-              <a:solidFill>
-                <a:schemeClr val="dk1"/>
-              </a:solidFill>
-              <a:latin typeface="Calibri"/>
-            </a:endParaRPr>
-          </a:p>
-        </p:txBody>
-      </p:sp>
-      <p:sp>
-        <p:nvSpPr>
-          <p:cNvPr id="30" name="PlaceHolder 2"/>
+              <a:rPr b="0" lang="en-US" sz="1800" spc="-1" strike="noStrike">
+                <a:solidFill>
+                  <a:srgbClr val="000000"/>
+                </a:solidFill>
+                <a:latin typeface="Arial"/>
+              </a:rPr>
+              <a:t>Click to edit the title text format</a:t>
+            </a:r>
+            <a:endParaRPr b="0" lang="en-US" sz="1800" spc="-1" strike="noStrike">
+              <a:solidFill>
+                <a:srgbClr val="000000"/>
+              </a:solidFill>
+              <a:latin typeface="Arial"/>
+            </a:endParaRPr>
+          </a:p>
+        </p:txBody>
+      </p:sp>
+      <p:sp>
+        <p:nvSpPr>
+          <p:cNvPr id="24" name="PlaceHolder 2"/>
           <p:cNvSpPr>
             <a:spLocks noGrp="1"/>
           </p:cNvSpPr>
@@ -4699,8 +3594,8 @@
         </p:nvSpPr>
         <p:spPr>
           <a:xfrm>
-            <a:off x="457200" y="1600200"/>
-            <a:ext cx="4038120" cy="4525560"/>
+            <a:off x="457200" y="1604520"/>
+            <a:ext cx="4015440" cy="3976920"/>
           </a:xfrm>
           <a:prstGeom prst="rect">
             <a:avLst/>
@@ -4711,164 +3606,210 @@
           </a:ln>
         </p:spPr>
         <p:txBody>
-          <a:bodyPr lIns="91440" rIns="91440" tIns="45720" bIns="45720" anchor="t">
-            <a:noAutofit/>
+          <a:bodyPr lIns="0" rIns="0" tIns="0" bIns="0" anchor="t">
+            <a:normAutofit/>
           </a:bodyPr>
           <a:p>
-            <a:pPr marL="343080" indent="-343080" defTabSz="457200">
-              <a:lnSpc>
-                <a:spcPct val="100000"/>
-              </a:lnSpc>
+            <a:pPr marL="432000" indent="-324000">
               <a:spcBef>
-                <a:spcPts val="561"/>
+                <a:spcPts val="1417"/>
               </a:spcBef>
               <a:buClr>
                 <a:srgbClr val="000000"/>
               </a:buClr>
-              <a:buFont typeface="Arial"/>
-              <a:buChar char="•"/>
-            </a:pPr>
-            <a:r>
-              <a:rPr b="0" lang="en-US" sz="2800" spc="-1" strike="noStrike">
-                <a:solidFill>
-                  <a:schemeClr val="dk1"/>
-                </a:solidFill>
-                <a:latin typeface="Calibri"/>
-              </a:rPr>
-              <a:t>Click to edit Master text styles</a:t>
-            </a:r>
-            <a:endParaRPr b="0" lang="en-US" sz="2800" spc="-1" strike="noStrike">
-              <a:solidFill>
-                <a:schemeClr val="dk1"/>
-              </a:solidFill>
-              <a:latin typeface="Calibri"/>
-            </a:endParaRPr>
-          </a:p>
-          <a:p>
-            <a:pPr lvl="1" marL="743040" indent="-285840" defTabSz="457200">
-              <a:lnSpc>
-                <a:spcPct val="100000"/>
-              </a:lnSpc>
+              <a:buSzPct val="45000"/>
+              <a:buFont typeface="Wingdings" charset="2"/>
+              <a:buChar char=""/>
+            </a:pPr>
+            <a:r>
+              <a:rPr b="0" lang="en-US" sz="1800" spc="-1" strike="noStrike">
+                <a:solidFill>
+                  <a:srgbClr val="000000"/>
+                </a:solidFill>
+                <a:latin typeface="Arial"/>
+              </a:rPr>
+              <a:t>Click to edit the outline text format</a:t>
+            </a:r>
+            <a:endParaRPr b="0" lang="en-US" sz="1800" spc="-1" strike="noStrike">
+              <a:solidFill>
+                <a:srgbClr val="000000"/>
+              </a:solidFill>
+              <a:latin typeface="Arial"/>
+            </a:endParaRPr>
+          </a:p>
+          <a:p>
+            <a:pPr lvl="1" marL="864000" indent="-324000">
               <a:spcBef>
-                <a:spcPts val="479"/>
+                <a:spcPts val="1134"/>
               </a:spcBef>
               <a:buClr>
                 <a:srgbClr val="000000"/>
               </a:buClr>
-              <a:buFont typeface="Arial"/>
-              <a:buChar char="–"/>
-            </a:pPr>
-            <a:r>
-              <a:rPr b="0" lang="en-US" sz="2400" spc="-1" strike="noStrike">
-                <a:solidFill>
-                  <a:schemeClr val="dk1"/>
-                </a:solidFill>
-                <a:latin typeface="Calibri"/>
-              </a:rPr>
-              <a:t>Second level</a:t>
-            </a:r>
-            <a:endParaRPr b="0" lang="en-US" sz="2400" spc="-1" strike="noStrike">
-              <a:solidFill>
-                <a:schemeClr val="dk1"/>
-              </a:solidFill>
-              <a:latin typeface="Calibri"/>
-            </a:endParaRPr>
-          </a:p>
-          <a:p>
-            <a:pPr lvl="2" marL="1143000" indent="-228600" defTabSz="457200">
-              <a:lnSpc>
-                <a:spcPct val="100000"/>
-              </a:lnSpc>
+              <a:buSzPct val="75000"/>
+              <a:buFont typeface="Symbol" charset="2"/>
+              <a:buChar char=""/>
+            </a:pPr>
+            <a:r>
+              <a:rPr b="0" lang="en-US" sz="1800" spc="-1" strike="noStrike">
+                <a:solidFill>
+                  <a:srgbClr val="000000"/>
+                </a:solidFill>
+                <a:latin typeface="Arial"/>
+              </a:rPr>
+              <a:t>Second Outline Level</a:t>
+            </a:r>
+            <a:endParaRPr b="0" lang="en-US" sz="1800" spc="-1" strike="noStrike">
+              <a:solidFill>
+                <a:srgbClr val="000000"/>
+              </a:solidFill>
+              <a:latin typeface="Arial"/>
+            </a:endParaRPr>
+          </a:p>
+          <a:p>
+            <a:pPr lvl="2" marL="1296000" indent="-288000">
               <a:spcBef>
-                <a:spcPts val="400"/>
+                <a:spcPts val="850"/>
               </a:spcBef>
               <a:buClr>
                 <a:srgbClr val="000000"/>
               </a:buClr>
-              <a:buFont typeface="Arial"/>
-              <a:buChar char="•"/>
-            </a:pPr>
-            <a:r>
-              <a:rPr b="0" lang="en-US" sz="2000" spc="-1" strike="noStrike">
-                <a:solidFill>
-                  <a:schemeClr val="dk1"/>
-                </a:solidFill>
-                <a:latin typeface="Calibri"/>
-              </a:rPr>
-              <a:t>Third level</a:t>
-            </a:r>
-            <a:endParaRPr b="0" lang="en-US" sz="2000" spc="-1" strike="noStrike">
-              <a:solidFill>
-                <a:schemeClr val="dk1"/>
-              </a:solidFill>
-              <a:latin typeface="Calibri"/>
-            </a:endParaRPr>
-          </a:p>
-          <a:p>
-            <a:pPr lvl="3" marL="1600200" indent="-228600" defTabSz="457200">
-              <a:lnSpc>
-                <a:spcPct val="100000"/>
-              </a:lnSpc>
+              <a:buSzPct val="45000"/>
+              <a:buFont typeface="Wingdings" charset="2"/>
+              <a:buChar char=""/>
+            </a:pPr>
+            <a:r>
+              <a:rPr b="0" lang="en-US" sz="1800" spc="-1" strike="noStrike">
+                <a:solidFill>
+                  <a:srgbClr val="000000"/>
+                </a:solidFill>
+                <a:latin typeface="Arial"/>
+              </a:rPr>
+              <a:t>Third Outline Level</a:t>
+            </a:r>
+            <a:endParaRPr b="0" lang="en-US" sz="1800" spc="-1" strike="noStrike">
+              <a:solidFill>
+                <a:srgbClr val="000000"/>
+              </a:solidFill>
+              <a:latin typeface="Arial"/>
+            </a:endParaRPr>
+          </a:p>
+          <a:p>
+            <a:pPr lvl="3" marL="1728000" indent="-216000">
               <a:spcBef>
-                <a:spcPts val="360"/>
+                <a:spcPts val="567"/>
               </a:spcBef>
               <a:buClr>
                 <a:srgbClr val="000000"/>
               </a:buClr>
-              <a:buFont typeface="Arial"/>
-              <a:buChar char="–"/>
+              <a:buSzPct val="75000"/>
+              <a:buFont typeface="Symbol" charset="2"/>
+              <a:buChar char=""/>
             </a:pPr>
             <a:r>
               <a:rPr b="0" lang="en-US" sz="1800" spc="-1" strike="noStrike">
                 <a:solidFill>
-                  <a:schemeClr val="dk1"/>
-                </a:solidFill>
-                <a:latin typeface="Calibri"/>
-              </a:rPr>
-              <a:t>Fourth level</a:t>
+                  <a:srgbClr val="000000"/>
+                </a:solidFill>
+                <a:latin typeface="Arial"/>
+              </a:rPr>
+              <a:t>Fourth Outline Level</a:t>
             </a:r>
             <a:endParaRPr b="0" lang="en-US" sz="1800" spc="-1" strike="noStrike">
               <a:solidFill>
-                <a:schemeClr val="dk1"/>
-              </a:solidFill>
-              <a:latin typeface="Calibri"/>
-            </a:endParaRPr>
-          </a:p>
-          <a:p>
-            <a:pPr lvl="4" marL="2057400" indent="-228600" defTabSz="457200">
-              <a:lnSpc>
-                <a:spcPct val="100000"/>
-              </a:lnSpc>
+                <a:srgbClr val="000000"/>
+              </a:solidFill>
+              <a:latin typeface="Arial"/>
+            </a:endParaRPr>
+          </a:p>
+          <a:p>
+            <a:pPr lvl="4" marL="2160000" indent="-216000">
               <a:spcBef>
-                <a:spcPts val="360"/>
+                <a:spcPts val="283"/>
               </a:spcBef>
               <a:buClr>
                 <a:srgbClr val="000000"/>
               </a:buClr>
-              <a:buFont typeface="Arial"/>
-              <a:buChar char="»"/>
+              <a:buSzPct val="45000"/>
+              <a:buFont typeface="Wingdings" charset="2"/>
+              <a:buChar char=""/>
             </a:pPr>
             <a:r>
               <a:rPr b="0" lang="en-US" sz="1800" spc="-1" strike="noStrike">
                 <a:solidFill>
-                  <a:schemeClr val="dk1"/>
-                </a:solidFill>
-                <a:latin typeface="Calibri"/>
-              </a:rPr>
-              <a:t>Fifth level</a:t>
+                  <a:srgbClr val="000000"/>
+                </a:solidFill>
+                <a:latin typeface="Arial"/>
+              </a:rPr>
+              <a:t>Fifth Outline Level</a:t>
             </a:r>
             <a:endParaRPr b="0" lang="en-US" sz="1800" spc="-1" strike="noStrike">
               <a:solidFill>
-                <a:schemeClr val="dk1"/>
-              </a:solidFill>
-              <a:latin typeface="Calibri"/>
-            </a:endParaRPr>
-          </a:p>
-        </p:txBody>
-      </p:sp>
-      <p:sp>
-        <p:nvSpPr>
-          <p:cNvPr id="31" name="PlaceHolder 3"/>
+                <a:srgbClr val="000000"/>
+              </a:solidFill>
+              <a:latin typeface="Arial"/>
+            </a:endParaRPr>
+          </a:p>
+          <a:p>
+            <a:pPr lvl="5" marL="2592000" indent="-216000">
+              <a:spcBef>
+                <a:spcPts val="283"/>
+              </a:spcBef>
+              <a:buClr>
+                <a:srgbClr val="000000"/>
+              </a:buClr>
+              <a:buSzPct val="45000"/>
+              <a:buFont typeface="Wingdings" charset="2"/>
+              <a:buChar char=""/>
+            </a:pPr>
+            <a:r>
+              <a:rPr b="0" lang="en-US" sz="1800" spc="-1" strike="noStrike">
+                <a:solidFill>
+                  <a:srgbClr val="000000"/>
+                </a:solidFill>
+                <a:latin typeface="Arial"/>
+              </a:rPr>
+              <a:t>Sixth Outline Level</a:t>
+            </a:r>
+            <a:endParaRPr b="0" lang="en-US" sz="1800" spc="-1" strike="noStrike">
+              <a:solidFill>
+                <a:srgbClr val="000000"/>
+              </a:solidFill>
+              <a:latin typeface="Arial"/>
+            </a:endParaRPr>
+          </a:p>
+          <a:p>
+            <a:pPr lvl="6" marL="3024000" indent="-216000">
+              <a:spcBef>
+                <a:spcPts val="283"/>
+              </a:spcBef>
+              <a:buClr>
+                <a:srgbClr val="000000"/>
+              </a:buClr>
+              <a:buSzPct val="45000"/>
+              <a:buFont typeface="Wingdings" charset="2"/>
+              <a:buChar char=""/>
+            </a:pPr>
+            <a:r>
+              <a:rPr b="0" lang="en-US" sz="1800" spc="-1" strike="noStrike">
+                <a:solidFill>
+                  <a:srgbClr val="000000"/>
+                </a:solidFill>
+                <a:latin typeface="Arial"/>
+              </a:rPr>
+              <a:t>Seventh Outline Level</a:t>
+            </a:r>
+            <a:endParaRPr b="0" lang="en-US" sz="1800" spc="-1" strike="noStrike">
+              <a:solidFill>
+                <a:srgbClr val="000000"/>
+              </a:solidFill>
+              <a:latin typeface="Arial"/>
+            </a:endParaRPr>
+          </a:p>
+        </p:txBody>
+      </p:sp>
+      <p:sp>
+        <p:nvSpPr>
+          <p:cNvPr id="25" name="PlaceHolder 3"/>
           <p:cNvSpPr>
             <a:spLocks noGrp="1"/>
           </p:cNvSpPr>
@@ -4878,8 +3819,8 @@
         </p:nvSpPr>
         <p:spPr>
           <a:xfrm>
-            <a:off x="4648320" y="1600200"/>
-            <a:ext cx="4038120" cy="4525560"/>
+            <a:off x="4674240" y="1604520"/>
+            <a:ext cx="4015440" cy="3976920"/>
           </a:xfrm>
           <a:prstGeom prst="rect">
             <a:avLst/>
@@ -4890,175 +3831,221 @@
           </a:ln>
         </p:spPr>
         <p:txBody>
-          <a:bodyPr lIns="91440" rIns="91440" tIns="45720" bIns="45720" anchor="t">
-            <a:noAutofit/>
+          <a:bodyPr lIns="0" rIns="0" tIns="0" bIns="0" anchor="t">
+            <a:normAutofit/>
           </a:bodyPr>
           <a:p>
-            <a:pPr marL="343080" indent="-343080" defTabSz="457200">
-              <a:lnSpc>
-                <a:spcPct val="100000"/>
-              </a:lnSpc>
+            <a:pPr marL="432000" indent="-324000">
               <a:spcBef>
-                <a:spcPts val="561"/>
+                <a:spcPts val="1417"/>
               </a:spcBef>
               <a:buClr>
                 <a:srgbClr val="000000"/>
               </a:buClr>
-              <a:buFont typeface="Arial"/>
-              <a:buChar char="•"/>
-            </a:pPr>
-            <a:r>
-              <a:rPr b="0" lang="en-US" sz="2800" spc="-1" strike="noStrike">
-                <a:solidFill>
-                  <a:schemeClr val="dk1"/>
-                </a:solidFill>
-                <a:latin typeface="Calibri"/>
-              </a:rPr>
-              <a:t>Click to edit Master text styles</a:t>
-            </a:r>
-            <a:endParaRPr b="0" lang="en-US" sz="2800" spc="-1" strike="noStrike">
-              <a:solidFill>
-                <a:schemeClr val="dk1"/>
-              </a:solidFill>
-              <a:latin typeface="Calibri"/>
-            </a:endParaRPr>
-          </a:p>
-          <a:p>
-            <a:pPr lvl="1" marL="743040" indent="-285840" defTabSz="457200">
-              <a:lnSpc>
-                <a:spcPct val="100000"/>
-              </a:lnSpc>
+              <a:buSzPct val="45000"/>
+              <a:buFont typeface="Wingdings" charset="2"/>
+              <a:buChar char=""/>
+            </a:pPr>
+            <a:r>
+              <a:rPr b="0" lang="en-US" sz="1800" spc="-1" strike="noStrike">
+                <a:solidFill>
+                  <a:srgbClr val="000000"/>
+                </a:solidFill>
+                <a:latin typeface="Arial"/>
+              </a:rPr>
+              <a:t>Click to edit the outline text format</a:t>
+            </a:r>
+            <a:endParaRPr b="0" lang="en-US" sz="1800" spc="-1" strike="noStrike">
+              <a:solidFill>
+                <a:srgbClr val="000000"/>
+              </a:solidFill>
+              <a:latin typeface="Arial"/>
+            </a:endParaRPr>
+          </a:p>
+          <a:p>
+            <a:pPr lvl="1" marL="864000" indent="-324000">
               <a:spcBef>
-                <a:spcPts val="479"/>
+                <a:spcPts val="1134"/>
               </a:spcBef>
               <a:buClr>
                 <a:srgbClr val="000000"/>
               </a:buClr>
-              <a:buFont typeface="Arial"/>
-              <a:buChar char="–"/>
-            </a:pPr>
-            <a:r>
-              <a:rPr b="0" lang="en-US" sz="2400" spc="-1" strike="noStrike">
-                <a:solidFill>
-                  <a:schemeClr val="dk1"/>
-                </a:solidFill>
-                <a:latin typeface="Calibri"/>
-              </a:rPr>
-              <a:t>Second level</a:t>
-            </a:r>
-            <a:endParaRPr b="0" lang="en-US" sz="2400" spc="-1" strike="noStrike">
-              <a:solidFill>
-                <a:schemeClr val="dk1"/>
-              </a:solidFill>
-              <a:latin typeface="Calibri"/>
-            </a:endParaRPr>
-          </a:p>
-          <a:p>
-            <a:pPr lvl="2" marL="1143000" indent="-228600" defTabSz="457200">
-              <a:lnSpc>
-                <a:spcPct val="100000"/>
-              </a:lnSpc>
+              <a:buSzPct val="75000"/>
+              <a:buFont typeface="Symbol" charset="2"/>
+              <a:buChar char=""/>
+            </a:pPr>
+            <a:r>
+              <a:rPr b="0" lang="en-US" sz="1800" spc="-1" strike="noStrike">
+                <a:solidFill>
+                  <a:srgbClr val="000000"/>
+                </a:solidFill>
+                <a:latin typeface="Arial"/>
+              </a:rPr>
+              <a:t>Second Outline Level</a:t>
+            </a:r>
+            <a:endParaRPr b="0" lang="en-US" sz="1800" spc="-1" strike="noStrike">
+              <a:solidFill>
+                <a:srgbClr val="000000"/>
+              </a:solidFill>
+              <a:latin typeface="Arial"/>
+            </a:endParaRPr>
+          </a:p>
+          <a:p>
+            <a:pPr lvl="2" marL="1296000" indent="-288000">
               <a:spcBef>
-                <a:spcPts val="400"/>
+                <a:spcPts val="850"/>
               </a:spcBef>
               <a:buClr>
                 <a:srgbClr val="000000"/>
               </a:buClr>
-              <a:buFont typeface="Arial"/>
-              <a:buChar char="•"/>
-            </a:pPr>
-            <a:r>
-              <a:rPr b="0" lang="en-US" sz="2000" spc="-1" strike="noStrike">
-                <a:solidFill>
-                  <a:schemeClr val="dk1"/>
-                </a:solidFill>
-                <a:latin typeface="Calibri"/>
-              </a:rPr>
-              <a:t>Third level</a:t>
-            </a:r>
-            <a:endParaRPr b="0" lang="en-US" sz="2000" spc="-1" strike="noStrike">
-              <a:solidFill>
-                <a:schemeClr val="dk1"/>
-              </a:solidFill>
-              <a:latin typeface="Calibri"/>
-            </a:endParaRPr>
-          </a:p>
-          <a:p>
-            <a:pPr lvl="3" marL="1600200" indent="-228600" defTabSz="457200">
-              <a:lnSpc>
-                <a:spcPct val="100000"/>
-              </a:lnSpc>
+              <a:buSzPct val="45000"/>
+              <a:buFont typeface="Wingdings" charset="2"/>
+              <a:buChar char=""/>
+            </a:pPr>
+            <a:r>
+              <a:rPr b="0" lang="en-US" sz="1800" spc="-1" strike="noStrike">
+                <a:solidFill>
+                  <a:srgbClr val="000000"/>
+                </a:solidFill>
+                <a:latin typeface="Arial"/>
+              </a:rPr>
+              <a:t>Third Outline Level</a:t>
+            </a:r>
+            <a:endParaRPr b="0" lang="en-US" sz="1800" spc="-1" strike="noStrike">
+              <a:solidFill>
+                <a:srgbClr val="000000"/>
+              </a:solidFill>
+              <a:latin typeface="Arial"/>
+            </a:endParaRPr>
+          </a:p>
+          <a:p>
+            <a:pPr lvl="3" marL="1728000" indent="-216000">
               <a:spcBef>
-                <a:spcPts val="360"/>
+                <a:spcPts val="567"/>
               </a:spcBef>
               <a:buClr>
                 <a:srgbClr val="000000"/>
               </a:buClr>
-              <a:buFont typeface="Arial"/>
-              <a:buChar char="–"/>
+              <a:buSzPct val="75000"/>
+              <a:buFont typeface="Symbol" charset="2"/>
+              <a:buChar char=""/>
             </a:pPr>
             <a:r>
               <a:rPr b="0" lang="en-US" sz="1800" spc="-1" strike="noStrike">
                 <a:solidFill>
-                  <a:schemeClr val="dk1"/>
-                </a:solidFill>
-                <a:latin typeface="Calibri"/>
-              </a:rPr>
-              <a:t>Fourth level</a:t>
+                  <a:srgbClr val="000000"/>
+                </a:solidFill>
+                <a:latin typeface="Arial"/>
+              </a:rPr>
+              <a:t>Fourth Outline Level</a:t>
             </a:r>
             <a:endParaRPr b="0" lang="en-US" sz="1800" spc="-1" strike="noStrike">
               <a:solidFill>
-                <a:schemeClr val="dk1"/>
-              </a:solidFill>
-              <a:latin typeface="Calibri"/>
-            </a:endParaRPr>
-          </a:p>
-          <a:p>
-            <a:pPr lvl="4" marL="2057400" indent="-228600" defTabSz="457200">
-              <a:lnSpc>
-                <a:spcPct val="100000"/>
-              </a:lnSpc>
+                <a:srgbClr val="000000"/>
+              </a:solidFill>
+              <a:latin typeface="Arial"/>
+            </a:endParaRPr>
+          </a:p>
+          <a:p>
+            <a:pPr lvl="4" marL="2160000" indent="-216000">
               <a:spcBef>
-                <a:spcPts val="360"/>
+                <a:spcPts val="283"/>
               </a:spcBef>
               <a:buClr>
                 <a:srgbClr val="000000"/>
               </a:buClr>
-              <a:buFont typeface="Arial"/>
-              <a:buChar char="»"/>
+              <a:buSzPct val="45000"/>
+              <a:buFont typeface="Wingdings" charset="2"/>
+              <a:buChar char=""/>
             </a:pPr>
             <a:r>
               <a:rPr b="0" lang="en-US" sz="1800" spc="-1" strike="noStrike">
                 <a:solidFill>
-                  <a:schemeClr val="dk1"/>
-                </a:solidFill>
-                <a:latin typeface="Calibri"/>
-              </a:rPr>
-              <a:t>Fifth level</a:t>
+                  <a:srgbClr val="000000"/>
+                </a:solidFill>
+                <a:latin typeface="Arial"/>
+              </a:rPr>
+              <a:t>Fifth Outline Level</a:t>
             </a:r>
             <a:endParaRPr b="0" lang="en-US" sz="1800" spc="-1" strike="noStrike">
               <a:solidFill>
-                <a:schemeClr val="dk1"/>
-              </a:solidFill>
-              <a:latin typeface="Calibri"/>
-            </a:endParaRPr>
-          </a:p>
-        </p:txBody>
-      </p:sp>
-      <p:sp>
-        <p:nvSpPr>
-          <p:cNvPr id="32" name="PlaceHolder 4"/>
+                <a:srgbClr val="000000"/>
+              </a:solidFill>
+              <a:latin typeface="Arial"/>
+            </a:endParaRPr>
+          </a:p>
+          <a:p>
+            <a:pPr lvl="5" marL="2592000" indent="-216000">
+              <a:spcBef>
+                <a:spcPts val="283"/>
+              </a:spcBef>
+              <a:buClr>
+                <a:srgbClr val="000000"/>
+              </a:buClr>
+              <a:buSzPct val="45000"/>
+              <a:buFont typeface="Wingdings" charset="2"/>
+              <a:buChar char=""/>
+            </a:pPr>
+            <a:r>
+              <a:rPr b="0" lang="en-US" sz="1800" spc="-1" strike="noStrike">
+                <a:solidFill>
+                  <a:srgbClr val="000000"/>
+                </a:solidFill>
+                <a:latin typeface="Arial"/>
+              </a:rPr>
+              <a:t>Sixth Outline Level</a:t>
+            </a:r>
+            <a:endParaRPr b="0" lang="en-US" sz="1800" spc="-1" strike="noStrike">
+              <a:solidFill>
+                <a:srgbClr val="000000"/>
+              </a:solidFill>
+              <a:latin typeface="Arial"/>
+            </a:endParaRPr>
+          </a:p>
+          <a:p>
+            <a:pPr lvl="6" marL="3024000" indent="-216000">
+              <a:spcBef>
+                <a:spcPts val="283"/>
+              </a:spcBef>
+              <a:buClr>
+                <a:srgbClr val="000000"/>
+              </a:buClr>
+              <a:buSzPct val="45000"/>
+              <a:buFont typeface="Wingdings" charset="2"/>
+              <a:buChar char=""/>
+            </a:pPr>
+            <a:r>
+              <a:rPr b="0" lang="en-US" sz="1800" spc="-1" strike="noStrike">
+                <a:solidFill>
+                  <a:srgbClr val="000000"/>
+                </a:solidFill>
+                <a:latin typeface="Arial"/>
+              </a:rPr>
+              <a:t>Seventh Outline Level</a:t>
+            </a:r>
+            <a:endParaRPr b="0" lang="en-US" sz="1800" spc="-1" strike="noStrike">
+              <a:solidFill>
+                <a:srgbClr val="000000"/>
+              </a:solidFill>
+              <a:latin typeface="Arial"/>
+            </a:endParaRPr>
+          </a:p>
+        </p:txBody>
+      </p:sp>
+      <p:sp>
+        <p:nvSpPr>
+          <p:cNvPr id="26" name="PlaceHolder 4"/>
           <p:cNvSpPr>
             <a:spLocks noGrp="1"/>
           </p:cNvSpPr>
           <p:nvPr>
-            <p:ph type="dt" idx="16"/>
+            <p:ph type="ftr" idx="16"/>
           </p:nvPr>
         </p:nvSpPr>
         <p:spPr>
           <a:xfrm>
-            <a:off x="457200" y="6356520"/>
-            <a:ext cx="2133360" cy="364680"/>
+            <a:off x="3124080" y="6356520"/>
+            <a:ext cx="2894760" cy="364320"/>
           </a:xfrm>
           <a:prstGeom prst="rect">
             <a:avLst/>
@@ -5073,40 +4060,42 @@
             <a:noAutofit/>
           </a:bodyPr>
           <a:lstStyle>
-            <a:lvl1pPr indent="0" defTabSz="457200">
+            <a:lvl1pPr indent="0" algn="ctr">
               <a:lnSpc>
                 <a:spcPct val="100000"/>
               </a:lnSpc>
               <a:buNone/>
-              <a:defRPr b="0" lang="en-US" sz="1200" spc="-1" strike="noStrike">
-                <a:solidFill>
-                  <a:schemeClr val="dk1">
-                    <a:tint val="75000"/>
-                  </a:schemeClr>
-                </a:solidFill>
-                <a:latin typeface="Calibri"/>
+              <a:tabLst>
+                <a:tab algn="l" pos="0"/>
+              </a:tabLst>
+              <a:defRPr b="0" lang="en-US" sz="1400" spc="-1" strike="noStrike">
+                <a:solidFill>
+                  <a:srgbClr val="000000"/>
+                </a:solidFill>
+                <a:latin typeface="Times New Roman"/>
               </a:defRPr>
             </a:lvl1pPr>
           </a:lstStyle>
           <a:p>
-            <a:pPr indent="0" defTabSz="457200">
+            <a:pPr indent="0" algn="ctr">
               <a:lnSpc>
                 <a:spcPct val="100000"/>
               </a:lnSpc>
               <a:buNone/>
-            </a:pPr>
-            <a:r>
-              <a:rPr b="0" lang="en-US" sz="1200" spc="-1" strike="noStrike">
-                <a:solidFill>
-                  <a:schemeClr val="dk1">
-                    <a:tint val="75000"/>
-                  </a:schemeClr>
-                </a:solidFill>
-                <a:latin typeface="Calibri"/>
-              </a:rPr>
-              <a:t>&lt;date/time&gt;</a:t>
-            </a:r>
-            <a:endParaRPr b="0" lang="en-US" sz="1200" spc="-1" strike="noStrike">
+              <a:tabLst>
+                <a:tab algn="l" pos="0"/>
+              </a:tabLst>
+            </a:pPr>
+            <a:r>
+              <a:rPr b="0" lang="en-US" sz="1400" spc="-1" strike="noStrike">
+                <a:solidFill>
+                  <a:srgbClr val="000000"/>
+                </a:solidFill>
+                <a:latin typeface="Times New Roman"/>
+              </a:rPr>
+              <a:t>&lt;footer&gt;</a:t>
+            </a:r>
+            <a:endParaRPr b="0" lang="en-US" sz="1400" spc="-1" strike="noStrike">
               <a:solidFill>
                 <a:srgbClr val="000000"/>
               </a:solidFill>
@@ -5117,18 +4106,18 @@
       </p:sp>
       <p:sp>
         <p:nvSpPr>
-          <p:cNvPr id="33" name="PlaceHolder 5"/>
+          <p:cNvPr id="27" name="PlaceHolder 5"/>
           <p:cNvSpPr>
             <a:spLocks noGrp="1"/>
           </p:cNvSpPr>
           <p:nvPr>
-            <p:ph type="ftr" idx="17"/>
+            <p:ph type="sldNum" idx="17"/>
           </p:nvPr>
         </p:nvSpPr>
         <p:spPr>
           <a:xfrm>
-            <a:off x="3124080" y="6356520"/>
-            <a:ext cx="2895120" cy="364680"/>
+            <a:off x="6553080" y="6356520"/>
+            <a:ext cx="2133000" cy="364320"/>
           </a:xfrm>
           <a:prstGeom prst="rect">
             <a:avLst/>
@@ -5143,30 +4132,46 @@
             <a:noAutofit/>
           </a:bodyPr>
           <a:lstStyle>
-            <a:lvl1pPr indent="0" algn="ctr">
+            <a:lvl1pPr indent="0" algn="r" defTabSz="457200">
+              <a:lnSpc>
+                <a:spcPct val="100000"/>
+              </a:lnSpc>
               <a:buNone/>
-              <a:defRPr b="0" lang="en-US" sz="1400" spc="-1" strike="noStrike">
-                <a:solidFill>
-                  <a:srgbClr val="000000"/>
-                </a:solidFill>
-                <a:latin typeface="Times New Roman"/>
+              <a:tabLst>
+                <a:tab algn="l" pos="0"/>
+              </a:tabLst>
+              <a:defRPr b="0" lang="en-US" sz="1200" spc="-1" strike="noStrike">
+                <a:solidFill>
+                  <a:schemeClr val="dk1">
+                    <a:tint val="75000"/>
+                  </a:schemeClr>
+                </a:solidFill>
+                <a:latin typeface="Calibri"/>
               </a:defRPr>
             </a:lvl1pPr>
           </a:lstStyle>
           <a:p>
-            <a:pPr indent="0" algn="ctr">
+            <a:pPr indent="0" algn="r" defTabSz="457200">
+              <a:lnSpc>
+                <a:spcPct val="100000"/>
+              </a:lnSpc>
               <a:buNone/>
-            </a:pPr>
-            <a:r>
-              <a:rPr b="0" lang="en-US" sz="1400" spc="-1" strike="noStrike">
-                <a:solidFill>
-                  <a:srgbClr val="000000"/>
-                </a:solidFill>
-                <a:latin typeface="Times New Roman"/>
-              </a:rPr>
-              <a:t>&lt;footer&gt;</a:t>
-            </a:r>
-            <a:endParaRPr b="0" lang="en-US" sz="1400" spc="-1" strike="noStrike">
+              <a:tabLst>
+                <a:tab algn="l" pos="0"/>
+              </a:tabLst>
+            </a:pPr>
+            <a:fld id="{7031C542-95B7-4A35-B426-BCA3D2208FD2}" type="slidenum">
+              <a:rPr b="0" lang="en-US" sz="1200" spc="-1" strike="noStrike">
+                <a:solidFill>
+                  <a:schemeClr val="dk1">
+                    <a:tint val="75000"/>
+                  </a:schemeClr>
+                </a:solidFill>
+                <a:latin typeface="Calibri"/>
+              </a:rPr>
+              <a:t>&lt;number&gt;</a:t>
+            </a:fld>
+            <a:endParaRPr b="0" lang="en-US" sz="1200" spc="-1" strike="noStrike">
               <a:solidFill>
                 <a:srgbClr val="000000"/>
               </a:solidFill>
@@ -5177,18 +4182,18 @@
       </p:sp>
       <p:sp>
         <p:nvSpPr>
-          <p:cNvPr id="34" name="PlaceHolder 6"/>
+          <p:cNvPr id="28" name="PlaceHolder 6"/>
           <p:cNvSpPr>
             <a:spLocks noGrp="1"/>
           </p:cNvSpPr>
           <p:nvPr>
-            <p:ph type="sldNum" idx="18"/>
+            <p:ph type="dt" idx="18"/>
           </p:nvPr>
         </p:nvSpPr>
         <p:spPr>
           <a:xfrm>
-            <a:off x="6553080" y="6356520"/>
-            <a:ext cx="2133360" cy="364680"/>
+            <a:off x="457200" y="6356520"/>
+            <a:ext cx="2133000" cy="364320"/>
           </a:xfrm>
           <a:prstGeom prst="rect">
             <a:avLst/>
@@ -5203,40 +4208,30 @@
             <a:noAutofit/>
           </a:bodyPr>
           <a:lstStyle>
-            <a:lvl1pPr indent="0" algn="r" defTabSz="457200">
-              <a:lnSpc>
-                <a:spcPct val="100000"/>
-              </a:lnSpc>
+            <a:lvl1pPr indent="0">
               <a:buNone/>
-              <a:defRPr b="0" lang="en-US" sz="1200" spc="-1" strike="noStrike">
-                <a:solidFill>
-                  <a:schemeClr val="dk1">
-                    <a:tint val="75000"/>
-                  </a:schemeClr>
-                </a:solidFill>
-                <a:latin typeface="Calibri"/>
+              <a:defRPr b="0" lang="en-US" sz="1400" spc="-1" strike="noStrike">
+                <a:solidFill>
+                  <a:srgbClr val="000000"/>
+                </a:solidFill>
+                <a:latin typeface="Times New Roman"/>
               </a:defRPr>
             </a:lvl1pPr>
           </a:lstStyle>
           <a:p>
-            <a:pPr indent="0" algn="r" defTabSz="457200">
-              <a:lnSpc>
-                <a:spcPct val="100000"/>
-              </a:lnSpc>
+            <a:pPr indent="0">
               <a:buNone/>
             </a:pPr>
-            <a:fld id="{F1A2F171-5014-4DCF-8E8A-61F6703482EF}" type="slidenum">
-              <a:rPr b="0" lang="en-US" sz="1200" spc="-1" strike="noStrike">
-                <a:solidFill>
-                  <a:schemeClr val="dk1">
-                    <a:tint val="75000"/>
-                  </a:schemeClr>
-                </a:solidFill>
-                <a:latin typeface="Calibri"/>
-              </a:rPr>
-              <a:t>&lt;number&gt;</a:t>
-            </a:fld>
-            <a:endParaRPr b="0" lang="en-US" sz="1200" spc="-1" strike="noStrike">
+            <a:r>
+              <a:rPr b="0" lang="en-US" sz="1400" spc="-1" strike="noStrike">
+                <a:solidFill>
+                  <a:srgbClr val="000000"/>
+                </a:solidFill>
+                <a:latin typeface="Times New Roman"/>
+              </a:rPr>
+              <a:t>&lt;date/time&gt;</a:t>
+            </a:r>
+            <a:endParaRPr b="0" lang="en-US" sz="1400" spc="-1" strike="noStrike">
               <a:solidFill>
                 <a:srgbClr val="000000"/>
               </a:solidFill>
@@ -5280,18 +4275,18 @@
       </p:grpSpPr>
       <p:sp>
         <p:nvSpPr>
-          <p:cNvPr id="38" name="PlaceHolder 1"/>
+          <p:cNvPr id="32" name="PlaceHolder 1"/>
           <p:cNvSpPr>
             <a:spLocks noGrp="1"/>
           </p:cNvSpPr>
           <p:nvPr>
-            <p:ph type="title"/>
+            <p:ph type="ftr" idx="19"/>
           </p:nvPr>
         </p:nvSpPr>
         <p:spPr>
           <a:xfrm>
-            <a:off x="457200" y="274680"/>
-            <a:ext cx="8229240" cy="1142640"/>
+            <a:off x="3124080" y="6356520"/>
+            <a:ext cx="2894760" cy="364320"/>
           </a:xfrm>
           <a:prstGeom prst="rect">
             <a:avLst/>
@@ -5305,45 +4300,65 @@
           <a:bodyPr lIns="91440" rIns="91440" tIns="45720" bIns="45720" anchor="ctr">
             <a:noAutofit/>
           </a:bodyPr>
-          <a:p>
-            <a:pPr indent="0" algn="ctr" defTabSz="457200">
+          <a:lstStyle>
+            <a:lvl1pPr indent="0" algn="ctr">
               <a:lnSpc>
                 <a:spcPct val="100000"/>
               </a:lnSpc>
               <a:buNone/>
-            </a:pPr>
-            <a:r>
-              <a:rPr b="0" lang="en-US" sz="4400" spc="-1" strike="noStrike">
-                <a:solidFill>
-                  <a:schemeClr val="dk1"/>
-                </a:solidFill>
-                <a:latin typeface="Calibri"/>
-              </a:rPr>
-              <a:t>Click to edit Master title style</a:t>
-            </a:r>
-            <a:endParaRPr b="0" lang="en-US" sz="4400" spc="-1" strike="noStrike">
-              <a:solidFill>
-                <a:schemeClr val="dk1"/>
-              </a:solidFill>
-              <a:latin typeface="Calibri"/>
-            </a:endParaRPr>
-          </a:p>
-        </p:txBody>
-      </p:sp>
-      <p:sp>
-        <p:nvSpPr>
-          <p:cNvPr id="39" name="PlaceHolder 2"/>
+              <a:tabLst>
+                <a:tab algn="l" pos="0"/>
+              </a:tabLst>
+              <a:defRPr b="0" lang="en-US" sz="1400" spc="-1" strike="noStrike">
+                <a:solidFill>
+                  <a:srgbClr val="000000"/>
+                </a:solidFill>
+                <a:latin typeface="Times New Roman"/>
+              </a:defRPr>
+            </a:lvl1pPr>
+          </a:lstStyle>
+          <a:p>
+            <a:pPr indent="0" algn="ctr">
+              <a:lnSpc>
+                <a:spcPct val="100000"/>
+              </a:lnSpc>
+              <a:buNone/>
+              <a:tabLst>
+                <a:tab algn="l" pos="0"/>
+              </a:tabLst>
+            </a:pPr>
+            <a:r>
+              <a:rPr b="0" lang="en-US" sz="1400" spc="-1" strike="noStrike">
+                <a:solidFill>
+                  <a:srgbClr val="000000"/>
+                </a:solidFill>
+                <a:latin typeface="Times New Roman"/>
+              </a:rPr>
+              <a:t>&lt;footer&gt;</a:t>
+            </a:r>
+            <a:endParaRPr b="0" lang="en-US" sz="1400" spc="-1" strike="noStrike">
+              <a:solidFill>
+                <a:srgbClr val="000000"/>
+              </a:solidFill>
+              <a:latin typeface="Times New Roman"/>
+            </a:endParaRPr>
+          </a:p>
+        </p:txBody>
+      </p:sp>
+      <p:sp>
+        <p:nvSpPr>
+          <p:cNvPr id="33" name="PlaceHolder 2"/>
           <p:cNvSpPr>
             <a:spLocks noGrp="1"/>
           </p:cNvSpPr>
           <p:nvPr>
-            <p:ph type="body"/>
+            <p:ph type="sldNum" idx="20"/>
           </p:nvPr>
         </p:nvSpPr>
         <p:spPr>
           <a:xfrm>
-            <a:off x="457200" y="1535040"/>
-            <a:ext cx="4039920" cy="639360"/>
+            <a:off x="6553080" y="6356520"/>
+            <a:ext cx="2133000" cy="364320"/>
           </a:xfrm>
           <a:prstGeom prst="rect">
             <a:avLst/>
@@ -5354,54 +4369,72 @@
           </a:ln>
         </p:spPr>
         <p:txBody>
-          <a:bodyPr lIns="91440" rIns="91440" tIns="45720" bIns="45720" anchor="b">
+          <a:bodyPr lIns="91440" rIns="91440" tIns="45720" bIns="45720" anchor="ctr">
             <a:noAutofit/>
           </a:bodyPr>
-          <a:p>
-            <a:pPr indent="0" defTabSz="457200">
-              <a:lnSpc>
-                <a:spcPct val="100000"/>
-              </a:lnSpc>
-              <a:spcBef>
-                <a:spcPts val="479"/>
-              </a:spcBef>
+          <a:lstStyle>
+            <a:lvl1pPr indent="0" algn="r" defTabSz="457200">
+              <a:lnSpc>
+                <a:spcPct val="100000"/>
+              </a:lnSpc>
               <a:buNone/>
               <a:tabLst>
                 <a:tab algn="l" pos="0"/>
               </a:tabLst>
-            </a:pPr>
-            <a:r>
-              <a:rPr b="1" lang="en-US" sz="2400" spc="-1" strike="noStrike">
-                <a:solidFill>
-                  <a:schemeClr val="dk1"/>
-                </a:solidFill>
-                <a:latin typeface="Calibri"/>
-              </a:rPr>
-              <a:t>Click to edit Master text styles</a:t>
-            </a:r>
-            <a:endParaRPr b="0" lang="en-US" sz="2400" spc="-1" strike="noStrike">
-              <a:solidFill>
-                <a:schemeClr val="dk1"/>
-              </a:solidFill>
-              <a:latin typeface="Calibri"/>
-            </a:endParaRPr>
-          </a:p>
-        </p:txBody>
-      </p:sp>
-      <p:sp>
-        <p:nvSpPr>
-          <p:cNvPr id="40" name="PlaceHolder 3"/>
+              <a:defRPr b="0" lang="en-US" sz="1200" spc="-1" strike="noStrike">
+                <a:solidFill>
+                  <a:schemeClr val="dk1">
+                    <a:tint val="75000"/>
+                  </a:schemeClr>
+                </a:solidFill>
+                <a:latin typeface="Calibri"/>
+              </a:defRPr>
+            </a:lvl1pPr>
+          </a:lstStyle>
+          <a:p>
+            <a:pPr indent="0" algn="r" defTabSz="457200">
+              <a:lnSpc>
+                <a:spcPct val="100000"/>
+              </a:lnSpc>
+              <a:buNone/>
+              <a:tabLst>
+                <a:tab algn="l" pos="0"/>
+              </a:tabLst>
+            </a:pPr>
+            <a:fld id="{5527D107-804D-40DE-AD5A-4CFED4CDEA61}" type="slidenum">
+              <a:rPr b="0" lang="en-US" sz="1200" spc="-1" strike="noStrike">
+                <a:solidFill>
+                  <a:schemeClr val="dk1">
+                    <a:tint val="75000"/>
+                  </a:schemeClr>
+                </a:solidFill>
+                <a:latin typeface="Calibri"/>
+              </a:rPr>
+              <a:t>&lt;number&gt;</a:t>
+            </a:fld>
+            <a:endParaRPr b="0" lang="en-US" sz="1200" spc="-1" strike="noStrike">
+              <a:solidFill>
+                <a:srgbClr val="000000"/>
+              </a:solidFill>
+              <a:latin typeface="Times New Roman"/>
+            </a:endParaRPr>
+          </a:p>
+        </p:txBody>
+      </p:sp>
+      <p:sp>
+        <p:nvSpPr>
+          <p:cNvPr id="34" name="PlaceHolder 3"/>
           <p:cNvSpPr>
             <a:spLocks noGrp="1"/>
           </p:cNvSpPr>
           <p:nvPr>
-            <p:ph type="body"/>
+            <p:ph type="dt" idx="21"/>
           </p:nvPr>
         </p:nvSpPr>
         <p:spPr>
           <a:xfrm>
-            <a:off x="457200" y="2174760"/>
-            <a:ext cx="4039920" cy="3951000"/>
+            <a:off x="457200" y="6356520"/>
+            <a:ext cx="2133000" cy="364320"/>
           </a:xfrm>
           <a:prstGeom prst="rect">
             <a:avLst/>
@@ -5412,497 +4445,11 @@
           </a:ln>
         </p:spPr>
         <p:txBody>
-          <a:bodyPr lIns="91440" rIns="91440" tIns="45720" bIns="45720" anchor="t">
-            <a:noAutofit/>
-          </a:bodyPr>
-          <a:p>
-            <a:pPr marL="343080" indent="-343080" defTabSz="457200">
-              <a:lnSpc>
-                <a:spcPct val="100000"/>
-              </a:lnSpc>
-              <a:spcBef>
-                <a:spcPts val="479"/>
-              </a:spcBef>
-              <a:buClr>
-                <a:srgbClr val="000000"/>
-              </a:buClr>
-              <a:buFont typeface="Arial"/>
-              <a:buChar char="•"/>
-            </a:pPr>
-            <a:r>
-              <a:rPr b="0" lang="en-US" sz="2400" spc="-1" strike="noStrike">
-                <a:solidFill>
-                  <a:schemeClr val="dk1"/>
-                </a:solidFill>
-                <a:latin typeface="Calibri"/>
-              </a:rPr>
-              <a:t>Click to edit Master text styles</a:t>
-            </a:r>
-            <a:endParaRPr b="0" lang="en-US" sz="2400" spc="-1" strike="noStrike">
-              <a:solidFill>
-                <a:schemeClr val="dk1"/>
-              </a:solidFill>
-              <a:latin typeface="Calibri"/>
-            </a:endParaRPr>
-          </a:p>
-          <a:p>
-            <a:pPr lvl="1" marL="743040" indent="-285840" defTabSz="457200">
-              <a:lnSpc>
-                <a:spcPct val="100000"/>
-              </a:lnSpc>
-              <a:spcBef>
-                <a:spcPts val="400"/>
-              </a:spcBef>
-              <a:buClr>
-                <a:srgbClr val="000000"/>
-              </a:buClr>
-              <a:buFont typeface="Arial"/>
-              <a:buChar char="–"/>
-            </a:pPr>
-            <a:r>
-              <a:rPr b="0" lang="en-US" sz="2000" spc="-1" strike="noStrike">
-                <a:solidFill>
-                  <a:schemeClr val="dk1"/>
-                </a:solidFill>
-                <a:latin typeface="Calibri"/>
-              </a:rPr>
-              <a:t>Second level</a:t>
-            </a:r>
-            <a:endParaRPr b="0" lang="en-US" sz="2000" spc="-1" strike="noStrike">
-              <a:solidFill>
-                <a:schemeClr val="dk1"/>
-              </a:solidFill>
-              <a:latin typeface="Calibri"/>
-            </a:endParaRPr>
-          </a:p>
-          <a:p>
-            <a:pPr lvl="2" marL="1143000" indent="-228600" defTabSz="457200">
-              <a:lnSpc>
-                <a:spcPct val="100000"/>
-              </a:lnSpc>
-              <a:spcBef>
-                <a:spcPts val="360"/>
-              </a:spcBef>
-              <a:buClr>
-                <a:srgbClr val="000000"/>
-              </a:buClr>
-              <a:buFont typeface="Arial"/>
-              <a:buChar char="•"/>
-            </a:pPr>
-            <a:r>
-              <a:rPr b="0" lang="en-US" sz="1800" spc="-1" strike="noStrike">
-                <a:solidFill>
-                  <a:schemeClr val="dk1"/>
-                </a:solidFill>
-                <a:latin typeface="Calibri"/>
-              </a:rPr>
-              <a:t>Third level</a:t>
-            </a:r>
-            <a:endParaRPr b="0" lang="en-US" sz="1800" spc="-1" strike="noStrike">
-              <a:solidFill>
-                <a:schemeClr val="dk1"/>
-              </a:solidFill>
-              <a:latin typeface="Calibri"/>
-            </a:endParaRPr>
-          </a:p>
-          <a:p>
-            <a:pPr lvl="3" marL="1600200" indent="-228600" defTabSz="457200">
-              <a:lnSpc>
-                <a:spcPct val="100000"/>
-              </a:lnSpc>
-              <a:spcBef>
-                <a:spcPts val="320"/>
-              </a:spcBef>
-              <a:buClr>
-                <a:srgbClr val="000000"/>
-              </a:buClr>
-              <a:buFont typeface="Arial"/>
-              <a:buChar char="–"/>
-            </a:pPr>
-            <a:r>
-              <a:rPr b="0" lang="en-US" sz="1600" spc="-1" strike="noStrike">
-                <a:solidFill>
-                  <a:schemeClr val="dk1"/>
-                </a:solidFill>
-                <a:latin typeface="Calibri"/>
-              </a:rPr>
-              <a:t>Fourth level</a:t>
-            </a:r>
-            <a:endParaRPr b="0" lang="en-US" sz="1600" spc="-1" strike="noStrike">
-              <a:solidFill>
-                <a:schemeClr val="dk1"/>
-              </a:solidFill>
-              <a:latin typeface="Calibri"/>
-            </a:endParaRPr>
-          </a:p>
-          <a:p>
-            <a:pPr lvl="4" marL="2057400" indent="-228600" defTabSz="457200">
-              <a:lnSpc>
-                <a:spcPct val="100000"/>
-              </a:lnSpc>
-              <a:spcBef>
-                <a:spcPts val="320"/>
-              </a:spcBef>
-              <a:buClr>
-                <a:srgbClr val="000000"/>
-              </a:buClr>
-              <a:buFont typeface="Arial"/>
-              <a:buChar char="»"/>
-            </a:pPr>
-            <a:r>
-              <a:rPr b="0" lang="en-US" sz="1600" spc="-1" strike="noStrike">
-                <a:solidFill>
-                  <a:schemeClr val="dk1"/>
-                </a:solidFill>
-                <a:latin typeface="Calibri"/>
-              </a:rPr>
-              <a:t>Fifth level</a:t>
-            </a:r>
-            <a:endParaRPr b="0" lang="en-US" sz="1600" spc="-1" strike="noStrike">
-              <a:solidFill>
-                <a:schemeClr val="dk1"/>
-              </a:solidFill>
-              <a:latin typeface="Calibri"/>
-            </a:endParaRPr>
-          </a:p>
-        </p:txBody>
-      </p:sp>
-      <p:sp>
-        <p:nvSpPr>
-          <p:cNvPr id="41" name="PlaceHolder 4"/>
-          <p:cNvSpPr>
-            <a:spLocks noGrp="1"/>
-          </p:cNvSpPr>
-          <p:nvPr>
-            <p:ph type="body"/>
-          </p:nvPr>
-        </p:nvSpPr>
-        <p:spPr>
-          <a:xfrm>
-            <a:off x="4645080" y="1535040"/>
-            <a:ext cx="4041360" cy="639360"/>
-          </a:xfrm>
-          <a:prstGeom prst="rect">
-            <a:avLst/>
-          </a:prstGeom>
-          <a:noFill/>
-          <a:ln w="0">
-            <a:noFill/>
-          </a:ln>
-        </p:spPr>
-        <p:txBody>
-          <a:bodyPr lIns="91440" rIns="91440" tIns="45720" bIns="45720" anchor="b">
-            <a:noAutofit/>
-          </a:bodyPr>
-          <a:p>
-            <a:pPr indent="0" defTabSz="457200">
-              <a:lnSpc>
-                <a:spcPct val="100000"/>
-              </a:lnSpc>
-              <a:spcBef>
-                <a:spcPts val="479"/>
-              </a:spcBef>
-              <a:buNone/>
-              <a:tabLst>
-                <a:tab algn="l" pos="0"/>
-              </a:tabLst>
-            </a:pPr>
-            <a:r>
-              <a:rPr b="1" lang="en-US" sz="2400" spc="-1" strike="noStrike">
-                <a:solidFill>
-                  <a:schemeClr val="dk1"/>
-                </a:solidFill>
-                <a:latin typeface="Calibri"/>
-              </a:rPr>
-              <a:t>Click to edit Master text styles</a:t>
-            </a:r>
-            <a:endParaRPr b="0" lang="en-US" sz="2400" spc="-1" strike="noStrike">
-              <a:solidFill>
-                <a:schemeClr val="dk1"/>
-              </a:solidFill>
-              <a:latin typeface="Calibri"/>
-            </a:endParaRPr>
-          </a:p>
-        </p:txBody>
-      </p:sp>
-      <p:sp>
-        <p:nvSpPr>
-          <p:cNvPr id="42" name="PlaceHolder 5"/>
-          <p:cNvSpPr>
-            <a:spLocks noGrp="1"/>
-          </p:cNvSpPr>
-          <p:nvPr>
-            <p:ph type="body"/>
-          </p:nvPr>
-        </p:nvSpPr>
-        <p:spPr>
-          <a:xfrm>
-            <a:off x="4645080" y="2174760"/>
-            <a:ext cx="4041360" cy="3951000"/>
-          </a:xfrm>
-          <a:prstGeom prst="rect">
-            <a:avLst/>
-          </a:prstGeom>
-          <a:noFill/>
-          <a:ln w="0">
-            <a:noFill/>
-          </a:ln>
-        </p:spPr>
-        <p:txBody>
-          <a:bodyPr lIns="91440" rIns="91440" tIns="45720" bIns="45720" anchor="t">
-            <a:noAutofit/>
-          </a:bodyPr>
-          <a:p>
-            <a:pPr marL="343080" indent="-343080" defTabSz="457200">
-              <a:lnSpc>
-                <a:spcPct val="100000"/>
-              </a:lnSpc>
-              <a:spcBef>
-                <a:spcPts val="479"/>
-              </a:spcBef>
-              <a:buClr>
-                <a:srgbClr val="000000"/>
-              </a:buClr>
-              <a:buFont typeface="Arial"/>
-              <a:buChar char="•"/>
-            </a:pPr>
-            <a:r>
-              <a:rPr b="0" lang="en-US" sz="2400" spc="-1" strike="noStrike">
-                <a:solidFill>
-                  <a:schemeClr val="dk1"/>
-                </a:solidFill>
-                <a:latin typeface="Calibri"/>
-              </a:rPr>
-              <a:t>Click to edit Master text styles</a:t>
-            </a:r>
-            <a:endParaRPr b="0" lang="en-US" sz="2400" spc="-1" strike="noStrike">
-              <a:solidFill>
-                <a:schemeClr val="dk1"/>
-              </a:solidFill>
-              <a:latin typeface="Calibri"/>
-            </a:endParaRPr>
-          </a:p>
-          <a:p>
-            <a:pPr lvl="1" marL="743040" indent="-285840" defTabSz="457200">
-              <a:lnSpc>
-                <a:spcPct val="100000"/>
-              </a:lnSpc>
-              <a:spcBef>
-                <a:spcPts val="400"/>
-              </a:spcBef>
-              <a:buClr>
-                <a:srgbClr val="000000"/>
-              </a:buClr>
-              <a:buFont typeface="Arial"/>
-              <a:buChar char="–"/>
-            </a:pPr>
-            <a:r>
-              <a:rPr b="0" lang="en-US" sz="2000" spc="-1" strike="noStrike">
-                <a:solidFill>
-                  <a:schemeClr val="dk1"/>
-                </a:solidFill>
-                <a:latin typeface="Calibri"/>
-              </a:rPr>
-              <a:t>Second level</a:t>
-            </a:r>
-            <a:endParaRPr b="0" lang="en-US" sz="2000" spc="-1" strike="noStrike">
-              <a:solidFill>
-                <a:schemeClr val="dk1"/>
-              </a:solidFill>
-              <a:latin typeface="Calibri"/>
-            </a:endParaRPr>
-          </a:p>
-          <a:p>
-            <a:pPr lvl="2" marL="1143000" indent="-228600" defTabSz="457200">
-              <a:lnSpc>
-                <a:spcPct val="100000"/>
-              </a:lnSpc>
-              <a:spcBef>
-                <a:spcPts val="360"/>
-              </a:spcBef>
-              <a:buClr>
-                <a:srgbClr val="000000"/>
-              </a:buClr>
-              <a:buFont typeface="Arial"/>
-              <a:buChar char="•"/>
-            </a:pPr>
-            <a:r>
-              <a:rPr b="0" lang="en-US" sz="1800" spc="-1" strike="noStrike">
-                <a:solidFill>
-                  <a:schemeClr val="dk1"/>
-                </a:solidFill>
-                <a:latin typeface="Calibri"/>
-              </a:rPr>
-              <a:t>Third level</a:t>
-            </a:r>
-            <a:endParaRPr b="0" lang="en-US" sz="1800" spc="-1" strike="noStrike">
-              <a:solidFill>
-                <a:schemeClr val="dk1"/>
-              </a:solidFill>
-              <a:latin typeface="Calibri"/>
-            </a:endParaRPr>
-          </a:p>
-          <a:p>
-            <a:pPr lvl="3" marL="1600200" indent="-228600" defTabSz="457200">
-              <a:lnSpc>
-                <a:spcPct val="100000"/>
-              </a:lnSpc>
-              <a:spcBef>
-                <a:spcPts val="320"/>
-              </a:spcBef>
-              <a:buClr>
-                <a:srgbClr val="000000"/>
-              </a:buClr>
-              <a:buFont typeface="Arial"/>
-              <a:buChar char="–"/>
-            </a:pPr>
-            <a:r>
-              <a:rPr b="0" lang="en-US" sz="1600" spc="-1" strike="noStrike">
-                <a:solidFill>
-                  <a:schemeClr val="dk1"/>
-                </a:solidFill>
-                <a:latin typeface="Calibri"/>
-              </a:rPr>
-              <a:t>Fourth level</a:t>
-            </a:r>
-            <a:endParaRPr b="0" lang="en-US" sz="1600" spc="-1" strike="noStrike">
-              <a:solidFill>
-                <a:schemeClr val="dk1"/>
-              </a:solidFill>
-              <a:latin typeface="Calibri"/>
-            </a:endParaRPr>
-          </a:p>
-          <a:p>
-            <a:pPr lvl="4" marL="2057400" indent="-228600" defTabSz="457200">
-              <a:lnSpc>
-                <a:spcPct val="100000"/>
-              </a:lnSpc>
-              <a:spcBef>
-                <a:spcPts val="320"/>
-              </a:spcBef>
-              <a:buClr>
-                <a:srgbClr val="000000"/>
-              </a:buClr>
-              <a:buFont typeface="Arial"/>
-              <a:buChar char="»"/>
-            </a:pPr>
-            <a:r>
-              <a:rPr b="0" lang="en-US" sz="1600" spc="-1" strike="noStrike">
-                <a:solidFill>
-                  <a:schemeClr val="dk1"/>
-                </a:solidFill>
-                <a:latin typeface="Calibri"/>
-              </a:rPr>
-              <a:t>Fifth level</a:t>
-            </a:r>
-            <a:endParaRPr b="0" lang="en-US" sz="1600" spc="-1" strike="noStrike">
-              <a:solidFill>
-                <a:schemeClr val="dk1"/>
-              </a:solidFill>
-              <a:latin typeface="Calibri"/>
-            </a:endParaRPr>
-          </a:p>
-        </p:txBody>
-      </p:sp>
-      <p:sp>
-        <p:nvSpPr>
-          <p:cNvPr id="43" name="PlaceHolder 6"/>
-          <p:cNvSpPr>
-            <a:spLocks noGrp="1"/>
-          </p:cNvSpPr>
-          <p:nvPr>
-            <p:ph type="dt" idx="19"/>
-          </p:nvPr>
-        </p:nvSpPr>
-        <p:spPr>
-          <a:xfrm>
-            <a:off x="457200" y="6356520"/>
-            <a:ext cx="2133360" cy="364680"/>
-          </a:xfrm>
-          <a:prstGeom prst="rect">
-            <a:avLst/>
-          </a:prstGeom>
-          <a:noFill/>
-          <a:ln w="0">
-            <a:noFill/>
-          </a:ln>
-        </p:spPr>
-        <p:txBody>
           <a:bodyPr lIns="91440" rIns="91440" tIns="45720" bIns="45720" anchor="ctr">
             <a:noAutofit/>
           </a:bodyPr>
           <a:lstStyle>
-            <a:lvl1pPr indent="0" defTabSz="457200">
-              <a:lnSpc>
-                <a:spcPct val="100000"/>
-              </a:lnSpc>
-              <a:buNone/>
-              <a:defRPr b="0" lang="en-US" sz="1200" spc="-1" strike="noStrike">
-                <a:solidFill>
-                  <a:schemeClr val="dk1">
-                    <a:tint val="75000"/>
-                  </a:schemeClr>
-                </a:solidFill>
-                <a:latin typeface="Calibri"/>
-              </a:defRPr>
-            </a:lvl1pPr>
-          </a:lstStyle>
-          <a:p>
-            <a:pPr indent="0" defTabSz="457200">
-              <a:lnSpc>
-                <a:spcPct val="100000"/>
-              </a:lnSpc>
-              <a:buNone/>
-            </a:pPr>
-            <a:r>
-              <a:rPr b="0" lang="en-US" sz="1200" spc="-1" strike="noStrike">
-                <a:solidFill>
-                  <a:schemeClr val="dk1">
-                    <a:tint val="75000"/>
-                  </a:schemeClr>
-                </a:solidFill>
-                <a:latin typeface="Calibri"/>
-              </a:rPr>
-              <a:t>&lt;date/time&gt;</a:t>
-            </a:r>
-            <a:endParaRPr b="0" lang="en-US" sz="1200" spc="-1" strike="noStrike">
-              <a:solidFill>
-                <a:srgbClr val="000000"/>
-              </a:solidFill>
-              <a:latin typeface="Times New Roman"/>
-            </a:endParaRPr>
-          </a:p>
-        </p:txBody>
-      </p:sp>
-      <p:sp>
-        <p:nvSpPr>
-          <p:cNvPr id="44" name="PlaceHolder 7"/>
-          <p:cNvSpPr>
-            <a:spLocks noGrp="1"/>
-          </p:cNvSpPr>
-          <p:nvPr>
-            <p:ph type="ftr" idx="20"/>
-          </p:nvPr>
-        </p:nvSpPr>
-        <p:spPr>
-          <a:xfrm>
-            <a:off x="3124080" y="6356520"/>
-            <a:ext cx="2895120" cy="364680"/>
-          </a:xfrm>
-          <a:prstGeom prst="rect">
-            <a:avLst/>
-          </a:prstGeom>
-          <a:noFill/>
-          <a:ln w="0">
-            <a:noFill/>
-          </a:ln>
-        </p:spPr>
-        <p:txBody>
-          <a:bodyPr lIns="91440" rIns="91440" tIns="45720" bIns="45720" anchor="ctr">
-            <a:noAutofit/>
-          </a:bodyPr>
-          <a:lstStyle>
-            <a:lvl1pPr indent="0" algn="ctr">
+            <a:lvl1pPr indent="0">
               <a:buNone/>
               <a:defRPr b="0" lang="en-US" sz="1400" spc="-1" strike="noStrike">
                 <a:solidFill>
@@ -5913,7 +4460,7 @@
             </a:lvl1pPr>
           </a:lstStyle>
           <a:p>
-            <a:pPr indent="0" algn="ctr">
+            <a:pPr indent="0">
               <a:buNone/>
             </a:pPr>
             <a:r>
@@ -5923,79 +4470,9 @@
                 </a:solidFill>
                 <a:latin typeface="Times New Roman"/>
               </a:rPr>
-              <a:t>&lt;footer&gt;</a:t>
+              <a:t>&lt;date/time&gt;</a:t>
             </a:r>
             <a:endParaRPr b="0" lang="en-US" sz="1400" spc="-1" strike="noStrike">
-              <a:solidFill>
-                <a:srgbClr val="000000"/>
-              </a:solidFill>
-              <a:latin typeface="Times New Roman"/>
-            </a:endParaRPr>
-          </a:p>
-        </p:txBody>
-      </p:sp>
-      <p:sp>
-        <p:nvSpPr>
-          <p:cNvPr id="45" name="PlaceHolder 8"/>
-          <p:cNvSpPr>
-            <a:spLocks noGrp="1"/>
-          </p:cNvSpPr>
-          <p:nvPr>
-            <p:ph type="sldNum" idx="21"/>
-          </p:nvPr>
-        </p:nvSpPr>
-        <p:spPr>
-          <a:xfrm>
-            <a:off x="6553080" y="6356520"/>
-            <a:ext cx="2133360" cy="364680"/>
-          </a:xfrm>
-          <a:prstGeom prst="rect">
-            <a:avLst/>
-          </a:prstGeom>
-          <a:noFill/>
-          <a:ln w="0">
-            <a:noFill/>
-          </a:ln>
-        </p:spPr>
-        <p:txBody>
-          <a:bodyPr lIns="91440" rIns="91440" tIns="45720" bIns="45720" anchor="ctr">
-            <a:noAutofit/>
-          </a:bodyPr>
-          <a:lstStyle>
-            <a:lvl1pPr indent="0" algn="r" defTabSz="457200">
-              <a:lnSpc>
-                <a:spcPct val="100000"/>
-              </a:lnSpc>
-              <a:buNone/>
-              <a:defRPr b="0" lang="en-US" sz="1200" spc="-1" strike="noStrike">
-                <a:solidFill>
-                  <a:schemeClr val="dk1">
-                    <a:tint val="75000"/>
-                  </a:schemeClr>
-                </a:solidFill>
-                <a:latin typeface="Calibri"/>
-              </a:defRPr>
-            </a:lvl1pPr>
-          </a:lstStyle>
-          <a:p>
-            <a:pPr indent="0" algn="r" defTabSz="457200">
-              <a:lnSpc>
-                <a:spcPct val="100000"/>
-              </a:lnSpc>
-              <a:buNone/>
-            </a:pPr>
-            <a:fld id="{00241F98-8230-47F3-AE8B-C983B54EEFFE}" type="slidenum">
-              <a:rPr b="0" lang="en-US" sz="1200" spc="-1" strike="noStrike">
-                <a:solidFill>
-                  <a:schemeClr val="dk1">
-                    <a:tint val="75000"/>
-                  </a:schemeClr>
-                </a:solidFill>
-                <a:latin typeface="Calibri"/>
-              </a:rPr>
-              <a:t>&lt;number&gt;</a:t>
-            </a:fld>
-            <a:endParaRPr b="0" lang="en-US" sz="1200" spc="-1" strike="noStrike">
               <a:solidFill>
                 <a:srgbClr val="000000"/>
               </a:solidFill>
@@ -6039,7 +4516,7 @@
       </p:grpSpPr>
       <p:sp>
         <p:nvSpPr>
-          <p:cNvPr id="46" name="PlaceHolder 1"/>
+          <p:cNvPr id="35" name="PlaceHolder 1"/>
           <p:cNvSpPr>
             <a:spLocks noGrp="1"/>
           </p:cNvSpPr>
@@ -6049,8 +4526,8 @@
         </p:nvSpPr>
         <p:spPr>
           <a:xfrm>
-            <a:off x="457200" y="274680"/>
-            <a:ext cx="8229240" cy="1142640"/>
+            <a:off x="457200" y="273600"/>
+            <a:ext cx="8228880" cy="1144440"/>
           </a:xfrm>
           <a:prstGeom prst="rect">
             <a:avLst/>
@@ -6061,48 +4538,45 @@
           </a:ln>
         </p:spPr>
         <p:txBody>
-          <a:bodyPr lIns="91440" rIns="91440" tIns="45720" bIns="45720" anchor="ctr">
+          <a:bodyPr lIns="0" rIns="0" tIns="0" bIns="0" anchor="ctr">
             <a:noAutofit/>
           </a:bodyPr>
           <a:p>
-            <a:pPr indent="0" algn="ctr" defTabSz="457200">
-              <a:lnSpc>
-                <a:spcPct val="100000"/>
-              </a:lnSpc>
+            <a:pPr indent="0">
               <a:buNone/>
             </a:pPr>
             <a:r>
-              <a:rPr b="0" lang="en-US" sz="4400" spc="-1" strike="noStrike">
-                <a:solidFill>
-                  <a:schemeClr val="dk1"/>
-                </a:solidFill>
-                <a:latin typeface="Calibri"/>
-              </a:rPr>
-              <a:t>Click to edit Master title style</a:t>
-            </a:r>
-            <a:endParaRPr b="0" lang="en-US" sz="4400" spc="-1" strike="noStrike">
-              <a:solidFill>
-                <a:schemeClr val="dk1"/>
-              </a:solidFill>
-              <a:latin typeface="Calibri"/>
-            </a:endParaRPr>
-          </a:p>
-        </p:txBody>
-      </p:sp>
-      <p:sp>
-        <p:nvSpPr>
-          <p:cNvPr id="47" name="PlaceHolder 2"/>
+              <a:rPr b="0" lang="en-US" sz="1800" spc="-1" strike="noStrike">
+                <a:solidFill>
+                  <a:srgbClr val="000000"/>
+                </a:solidFill>
+                <a:latin typeface="Arial"/>
+              </a:rPr>
+              <a:t>Click to edit the title text format</a:t>
+            </a:r>
+            <a:endParaRPr b="0" lang="en-US" sz="1800" spc="-1" strike="noStrike">
+              <a:solidFill>
+                <a:srgbClr val="000000"/>
+              </a:solidFill>
+              <a:latin typeface="Arial"/>
+            </a:endParaRPr>
+          </a:p>
+        </p:txBody>
+      </p:sp>
+      <p:sp>
+        <p:nvSpPr>
+          <p:cNvPr id="36" name="PlaceHolder 2"/>
           <p:cNvSpPr>
             <a:spLocks noGrp="1"/>
           </p:cNvSpPr>
           <p:nvPr>
-            <p:ph type="dt" idx="22"/>
+            <p:ph type="ftr" idx="22"/>
           </p:nvPr>
         </p:nvSpPr>
         <p:spPr>
           <a:xfrm>
-            <a:off x="457200" y="6356520"/>
-            <a:ext cx="2133360" cy="364680"/>
+            <a:off x="3124080" y="6356520"/>
+            <a:ext cx="2894760" cy="364320"/>
           </a:xfrm>
           <a:prstGeom prst="rect">
             <a:avLst/>
@@ -6117,40 +4591,42 @@
             <a:noAutofit/>
           </a:bodyPr>
           <a:lstStyle>
-            <a:lvl1pPr indent="0" defTabSz="457200">
+            <a:lvl1pPr indent="0" algn="ctr">
               <a:lnSpc>
                 <a:spcPct val="100000"/>
               </a:lnSpc>
               <a:buNone/>
-              <a:defRPr b="0" lang="en-US" sz="1200" spc="-1" strike="noStrike">
-                <a:solidFill>
-                  <a:schemeClr val="dk1">
-                    <a:tint val="75000"/>
-                  </a:schemeClr>
-                </a:solidFill>
-                <a:latin typeface="Calibri"/>
+              <a:tabLst>
+                <a:tab algn="l" pos="0"/>
+              </a:tabLst>
+              <a:defRPr b="0" lang="en-US" sz="1400" spc="-1" strike="noStrike">
+                <a:solidFill>
+                  <a:srgbClr val="000000"/>
+                </a:solidFill>
+                <a:latin typeface="Times New Roman"/>
               </a:defRPr>
             </a:lvl1pPr>
           </a:lstStyle>
           <a:p>
-            <a:pPr indent="0" defTabSz="457200">
+            <a:pPr indent="0" algn="ctr">
               <a:lnSpc>
                 <a:spcPct val="100000"/>
               </a:lnSpc>
               <a:buNone/>
-            </a:pPr>
-            <a:r>
-              <a:rPr b="0" lang="en-US" sz="1200" spc="-1" strike="noStrike">
-                <a:solidFill>
-                  <a:schemeClr val="dk1">
-                    <a:tint val="75000"/>
-                  </a:schemeClr>
-                </a:solidFill>
-                <a:latin typeface="Calibri"/>
-              </a:rPr>
-              <a:t>&lt;date/time&gt;</a:t>
-            </a:r>
-            <a:endParaRPr b="0" lang="en-US" sz="1200" spc="-1" strike="noStrike">
+              <a:tabLst>
+                <a:tab algn="l" pos="0"/>
+              </a:tabLst>
+            </a:pPr>
+            <a:r>
+              <a:rPr b="0" lang="en-US" sz="1400" spc="-1" strike="noStrike">
+                <a:solidFill>
+                  <a:srgbClr val="000000"/>
+                </a:solidFill>
+                <a:latin typeface="Times New Roman"/>
+              </a:rPr>
+              <a:t>&lt;footer&gt;</a:t>
+            </a:r>
+            <a:endParaRPr b="0" lang="en-US" sz="1400" spc="-1" strike="noStrike">
               <a:solidFill>
                 <a:srgbClr val="000000"/>
               </a:solidFill>
@@ -6161,18 +4637,18 @@
       </p:sp>
       <p:sp>
         <p:nvSpPr>
-          <p:cNvPr id="48" name="PlaceHolder 3"/>
+          <p:cNvPr id="37" name="PlaceHolder 3"/>
           <p:cNvSpPr>
             <a:spLocks noGrp="1"/>
           </p:cNvSpPr>
           <p:nvPr>
-            <p:ph type="ftr" idx="23"/>
+            <p:ph type="sldNum" idx="23"/>
           </p:nvPr>
         </p:nvSpPr>
         <p:spPr>
           <a:xfrm>
-            <a:off x="3124080" y="6356520"/>
-            <a:ext cx="2895120" cy="364680"/>
+            <a:off x="6553080" y="6356520"/>
+            <a:ext cx="2133000" cy="364320"/>
           </a:xfrm>
           <a:prstGeom prst="rect">
             <a:avLst/>
@@ -6187,30 +4663,46 @@
             <a:noAutofit/>
           </a:bodyPr>
           <a:lstStyle>
-            <a:lvl1pPr indent="0" algn="ctr">
+            <a:lvl1pPr indent="0" algn="r" defTabSz="457200">
+              <a:lnSpc>
+                <a:spcPct val="100000"/>
+              </a:lnSpc>
               <a:buNone/>
-              <a:defRPr b="0" lang="en-US" sz="1400" spc="-1" strike="noStrike">
-                <a:solidFill>
-                  <a:srgbClr val="000000"/>
-                </a:solidFill>
-                <a:latin typeface="Times New Roman"/>
+              <a:tabLst>
+                <a:tab algn="l" pos="0"/>
+              </a:tabLst>
+              <a:defRPr b="0" lang="en-US" sz="1200" spc="-1" strike="noStrike">
+                <a:solidFill>
+                  <a:schemeClr val="dk1">
+                    <a:tint val="75000"/>
+                  </a:schemeClr>
+                </a:solidFill>
+                <a:latin typeface="Calibri"/>
               </a:defRPr>
             </a:lvl1pPr>
           </a:lstStyle>
           <a:p>
-            <a:pPr indent="0" algn="ctr">
+            <a:pPr indent="0" algn="r" defTabSz="457200">
+              <a:lnSpc>
+                <a:spcPct val="100000"/>
+              </a:lnSpc>
               <a:buNone/>
-            </a:pPr>
-            <a:r>
-              <a:rPr b="0" lang="en-US" sz="1400" spc="-1" strike="noStrike">
-                <a:solidFill>
-                  <a:srgbClr val="000000"/>
-                </a:solidFill>
-                <a:latin typeface="Times New Roman"/>
-              </a:rPr>
-              <a:t>&lt;footer&gt;</a:t>
-            </a:r>
-            <a:endParaRPr b="0" lang="en-US" sz="1400" spc="-1" strike="noStrike">
+              <a:tabLst>
+                <a:tab algn="l" pos="0"/>
+              </a:tabLst>
+            </a:pPr>
+            <a:fld id="{828A6818-1340-4829-96F8-C6AD6BAF14BC}" type="slidenum">
+              <a:rPr b="0" lang="en-US" sz="1200" spc="-1" strike="noStrike">
+                <a:solidFill>
+                  <a:schemeClr val="dk1">
+                    <a:tint val="75000"/>
+                  </a:schemeClr>
+                </a:solidFill>
+                <a:latin typeface="Calibri"/>
+              </a:rPr>
+              <a:t>&lt;number&gt;</a:t>
+            </a:fld>
+            <a:endParaRPr b="0" lang="en-US" sz="1200" spc="-1" strike="noStrike">
               <a:solidFill>
                 <a:srgbClr val="000000"/>
               </a:solidFill>
@@ -6221,18 +4713,18 @@
       </p:sp>
       <p:sp>
         <p:nvSpPr>
-          <p:cNvPr id="49" name="PlaceHolder 4"/>
+          <p:cNvPr id="38" name="PlaceHolder 4"/>
           <p:cNvSpPr>
             <a:spLocks noGrp="1"/>
           </p:cNvSpPr>
           <p:nvPr>
-            <p:ph type="sldNum" idx="24"/>
+            <p:ph type="dt" idx="24"/>
           </p:nvPr>
         </p:nvSpPr>
         <p:spPr>
           <a:xfrm>
-            <a:off x="6553080" y="6356520"/>
-            <a:ext cx="2133360" cy="364680"/>
+            <a:off x="457200" y="6356520"/>
+            <a:ext cx="2133000" cy="364320"/>
           </a:xfrm>
           <a:prstGeom prst="rect">
             <a:avLst/>
@@ -6247,40 +4739,30 @@
             <a:noAutofit/>
           </a:bodyPr>
           <a:lstStyle>
-            <a:lvl1pPr indent="0" algn="r" defTabSz="457200">
-              <a:lnSpc>
-                <a:spcPct val="100000"/>
-              </a:lnSpc>
+            <a:lvl1pPr indent="0">
               <a:buNone/>
-              <a:defRPr b="0" lang="en-US" sz="1200" spc="-1" strike="noStrike">
-                <a:solidFill>
-                  <a:schemeClr val="dk1">
-                    <a:tint val="75000"/>
-                  </a:schemeClr>
-                </a:solidFill>
-                <a:latin typeface="Calibri"/>
+              <a:defRPr b="0" lang="en-US" sz="1400" spc="-1" strike="noStrike">
+                <a:solidFill>
+                  <a:srgbClr val="000000"/>
+                </a:solidFill>
+                <a:latin typeface="Times New Roman"/>
               </a:defRPr>
             </a:lvl1pPr>
           </a:lstStyle>
           <a:p>
-            <a:pPr indent="0" algn="r" defTabSz="457200">
-              <a:lnSpc>
-                <a:spcPct val="100000"/>
-              </a:lnSpc>
+            <a:pPr indent="0">
               <a:buNone/>
             </a:pPr>
-            <a:fld id="{F05CFC5A-B6BA-428B-B35B-248A92A10163}" type="slidenum">
-              <a:rPr b="0" lang="en-US" sz="1200" spc="-1" strike="noStrike">
-                <a:solidFill>
-                  <a:schemeClr val="dk1">
-                    <a:tint val="75000"/>
-                  </a:schemeClr>
-                </a:solidFill>
-                <a:latin typeface="Calibri"/>
-              </a:rPr>
-              <a:t>&lt;number&gt;</a:t>
-            </a:fld>
-            <a:endParaRPr b="0" lang="en-US" sz="1200" spc="-1" strike="noStrike">
+            <a:r>
+              <a:rPr b="0" lang="en-US" sz="1400" spc="-1" strike="noStrike">
+                <a:solidFill>
+                  <a:srgbClr val="000000"/>
+                </a:solidFill>
+                <a:latin typeface="Times New Roman"/>
+              </a:rPr>
+              <a:t>&lt;date/time&gt;</a:t>
+            </a:r>
+            <a:endParaRPr b="0" lang="en-US" sz="1400" spc="-1" strike="noStrike">
               <a:solidFill>
                 <a:srgbClr val="000000"/>
               </a:solidFill>
@@ -6324,18 +4806,18 @@
       </p:grpSpPr>
       <p:sp>
         <p:nvSpPr>
-          <p:cNvPr id="51" name="PlaceHolder 1"/>
+          <p:cNvPr id="40" name="PlaceHolder 1"/>
           <p:cNvSpPr>
             <a:spLocks noGrp="1"/>
           </p:cNvSpPr>
           <p:nvPr>
-            <p:ph type="dt" idx="25"/>
+            <p:ph type="ftr" idx="25"/>
           </p:nvPr>
         </p:nvSpPr>
         <p:spPr>
           <a:xfrm>
-            <a:off x="457200" y="6356520"/>
-            <a:ext cx="2133360" cy="364680"/>
+            <a:off x="3124080" y="6356520"/>
+            <a:ext cx="2894760" cy="364320"/>
           </a:xfrm>
           <a:prstGeom prst="rect">
             <a:avLst/>
@@ -6350,40 +4832,42 @@
             <a:noAutofit/>
           </a:bodyPr>
           <a:lstStyle>
-            <a:lvl1pPr indent="0" defTabSz="457200">
+            <a:lvl1pPr indent="0" algn="ctr">
               <a:lnSpc>
                 <a:spcPct val="100000"/>
               </a:lnSpc>
               <a:buNone/>
-              <a:defRPr b="0" lang="en-US" sz="1200" spc="-1" strike="noStrike">
-                <a:solidFill>
-                  <a:schemeClr val="dk1">
-                    <a:tint val="75000"/>
-                  </a:schemeClr>
-                </a:solidFill>
-                <a:latin typeface="Calibri"/>
+              <a:tabLst>
+                <a:tab algn="l" pos="0"/>
+              </a:tabLst>
+              <a:defRPr b="0" lang="en-US" sz="1400" spc="-1" strike="noStrike">
+                <a:solidFill>
+                  <a:srgbClr val="000000"/>
+                </a:solidFill>
+                <a:latin typeface="Times New Roman"/>
               </a:defRPr>
             </a:lvl1pPr>
           </a:lstStyle>
           <a:p>
-            <a:pPr indent="0" defTabSz="457200">
+            <a:pPr indent="0" algn="ctr">
               <a:lnSpc>
                 <a:spcPct val="100000"/>
               </a:lnSpc>
               <a:buNone/>
-            </a:pPr>
-            <a:r>
-              <a:rPr b="0" lang="en-US" sz="1200" spc="-1" strike="noStrike">
-                <a:solidFill>
-                  <a:schemeClr val="dk1">
-                    <a:tint val="75000"/>
-                  </a:schemeClr>
-                </a:solidFill>
-                <a:latin typeface="Calibri"/>
-              </a:rPr>
-              <a:t>&lt;date/time&gt;</a:t>
-            </a:r>
-            <a:endParaRPr b="0" lang="en-US" sz="1200" spc="-1" strike="noStrike">
+              <a:tabLst>
+                <a:tab algn="l" pos="0"/>
+              </a:tabLst>
+            </a:pPr>
+            <a:r>
+              <a:rPr b="0" lang="en-US" sz="1400" spc="-1" strike="noStrike">
+                <a:solidFill>
+                  <a:srgbClr val="000000"/>
+                </a:solidFill>
+                <a:latin typeface="Times New Roman"/>
+              </a:rPr>
+              <a:t>&lt;footer&gt;</a:t>
+            </a:r>
+            <a:endParaRPr b="0" lang="en-US" sz="1400" spc="-1" strike="noStrike">
               <a:solidFill>
                 <a:srgbClr val="000000"/>
               </a:solidFill>
@@ -6394,18 +4878,18 @@
       </p:sp>
       <p:sp>
         <p:nvSpPr>
-          <p:cNvPr id="52" name="PlaceHolder 2"/>
+          <p:cNvPr id="41" name="PlaceHolder 2"/>
           <p:cNvSpPr>
             <a:spLocks noGrp="1"/>
           </p:cNvSpPr>
           <p:nvPr>
-            <p:ph type="ftr" idx="26"/>
+            <p:ph type="sldNum" idx="26"/>
           </p:nvPr>
         </p:nvSpPr>
         <p:spPr>
           <a:xfrm>
-            <a:off x="3124080" y="6356520"/>
-            <a:ext cx="2895120" cy="364680"/>
+            <a:off x="6553080" y="6356520"/>
+            <a:ext cx="2133000" cy="364320"/>
           </a:xfrm>
           <a:prstGeom prst="rect">
             <a:avLst/>
@@ -6420,30 +4904,46 @@
             <a:noAutofit/>
           </a:bodyPr>
           <a:lstStyle>
-            <a:lvl1pPr indent="0" algn="ctr">
+            <a:lvl1pPr indent="0" algn="r" defTabSz="457200">
+              <a:lnSpc>
+                <a:spcPct val="100000"/>
+              </a:lnSpc>
               <a:buNone/>
-              <a:defRPr b="0" lang="en-US" sz="1400" spc="-1" strike="noStrike">
-                <a:solidFill>
-                  <a:srgbClr val="000000"/>
-                </a:solidFill>
-                <a:latin typeface="Times New Roman"/>
+              <a:tabLst>
+                <a:tab algn="l" pos="0"/>
+              </a:tabLst>
+              <a:defRPr b="0" lang="en-US" sz="1200" spc="-1" strike="noStrike">
+                <a:solidFill>
+                  <a:schemeClr val="dk1">
+                    <a:tint val="75000"/>
+                  </a:schemeClr>
+                </a:solidFill>
+                <a:latin typeface="Calibri"/>
               </a:defRPr>
             </a:lvl1pPr>
           </a:lstStyle>
           <a:p>
-            <a:pPr indent="0" algn="ctr">
+            <a:pPr indent="0" algn="r" defTabSz="457200">
+              <a:lnSpc>
+                <a:spcPct val="100000"/>
+              </a:lnSpc>
               <a:buNone/>
-            </a:pPr>
-            <a:r>
-              <a:rPr b="0" lang="en-US" sz="1400" spc="-1" strike="noStrike">
-                <a:solidFill>
-                  <a:srgbClr val="000000"/>
-                </a:solidFill>
-                <a:latin typeface="Times New Roman"/>
-              </a:rPr>
-              <a:t>&lt;footer&gt;</a:t>
-            </a:r>
-            <a:endParaRPr b="0" lang="en-US" sz="1400" spc="-1" strike="noStrike">
+              <a:tabLst>
+                <a:tab algn="l" pos="0"/>
+              </a:tabLst>
+            </a:pPr>
+            <a:fld id="{627691DA-1317-4D13-8EC6-E95C727555FD}" type="slidenum">
+              <a:rPr b="0" lang="en-US" sz="1200" spc="-1" strike="noStrike">
+                <a:solidFill>
+                  <a:schemeClr val="dk1">
+                    <a:tint val="75000"/>
+                  </a:schemeClr>
+                </a:solidFill>
+                <a:latin typeface="Calibri"/>
+              </a:rPr>
+              <a:t>&lt;number&gt;</a:t>
+            </a:fld>
+            <a:endParaRPr b="0" lang="en-US" sz="1200" spc="-1" strike="noStrike">
               <a:solidFill>
                 <a:srgbClr val="000000"/>
               </a:solidFill>
@@ -6454,18 +4954,18 @@
       </p:sp>
       <p:sp>
         <p:nvSpPr>
-          <p:cNvPr id="53" name="PlaceHolder 3"/>
+          <p:cNvPr id="42" name="PlaceHolder 3"/>
           <p:cNvSpPr>
             <a:spLocks noGrp="1"/>
           </p:cNvSpPr>
           <p:nvPr>
-            <p:ph type="sldNum" idx="27"/>
+            <p:ph type="dt" idx="27"/>
           </p:nvPr>
         </p:nvSpPr>
         <p:spPr>
           <a:xfrm>
-            <a:off x="6553080" y="6356520"/>
-            <a:ext cx="2133360" cy="364680"/>
+            <a:off x="457200" y="6356520"/>
+            <a:ext cx="2133000" cy="364320"/>
           </a:xfrm>
           <a:prstGeom prst="rect">
             <a:avLst/>
@@ -6480,40 +4980,30 @@
             <a:noAutofit/>
           </a:bodyPr>
           <a:lstStyle>
-            <a:lvl1pPr indent="0" algn="r" defTabSz="457200">
-              <a:lnSpc>
-                <a:spcPct val="100000"/>
-              </a:lnSpc>
+            <a:lvl1pPr indent="0">
               <a:buNone/>
-              <a:defRPr b="0" lang="en-US" sz="1200" spc="-1" strike="noStrike">
-                <a:solidFill>
-                  <a:schemeClr val="dk1">
-                    <a:tint val="75000"/>
-                  </a:schemeClr>
-                </a:solidFill>
-                <a:latin typeface="Calibri"/>
+              <a:defRPr b="0" lang="en-US" sz="1400" spc="-1" strike="noStrike">
+                <a:solidFill>
+                  <a:srgbClr val="000000"/>
+                </a:solidFill>
+                <a:latin typeface="Times New Roman"/>
               </a:defRPr>
             </a:lvl1pPr>
           </a:lstStyle>
           <a:p>
-            <a:pPr indent="0" algn="r" defTabSz="457200">
-              <a:lnSpc>
-                <a:spcPct val="100000"/>
-              </a:lnSpc>
+            <a:pPr indent="0">
               <a:buNone/>
             </a:pPr>
-            <a:fld id="{6B25E941-F4A0-4017-BCA2-9070DA7F214B}" type="slidenum">
-              <a:rPr b="0" lang="en-US" sz="1200" spc="-1" strike="noStrike">
-                <a:solidFill>
-                  <a:schemeClr val="dk1">
-                    <a:tint val="75000"/>
-                  </a:schemeClr>
-                </a:solidFill>
-                <a:latin typeface="Calibri"/>
-              </a:rPr>
-              <a:t>&lt;number&gt;</a:t>
-            </a:fld>
-            <a:endParaRPr b="0" lang="en-US" sz="1200" spc="-1" strike="noStrike">
+            <a:r>
+              <a:rPr b="0" lang="en-US" sz="1400" spc="-1" strike="noStrike">
+                <a:solidFill>
+                  <a:srgbClr val="000000"/>
+                </a:solidFill>
+                <a:latin typeface="Times New Roman"/>
+              </a:rPr>
+              <a:t>&lt;date/time&gt;</a:t>
+            </a:r>
+            <a:endParaRPr b="0" lang="en-US" sz="1400" spc="-1" strike="noStrike">
               <a:solidFill>
                 <a:srgbClr val="000000"/>
               </a:solidFill>
@@ -6524,7 +5014,7 @@
       </p:sp>
       <p:sp>
         <p:nvSpPr>
-          <p:cNvPr id="54" name="PlaceHolder 4"/>
+          <p:cNvPr id="43" name="PlaceHolder 4"/>
           <p:cNvSpPr>
             <a:spLocks noGrp="1"/>
           </p:cNvSpPr>
@@ -6550,30 +5040,30 @@
             <a:noAutofit/>
           </a:bodyPr>
           <a:p>
-            <a:pPr indent="0">
+            <a:pPr indent="0" algn="ctr">
               <a:buNone/>
             </a:pPr>
             <a:r>
-              <a:rPr b="0" lang="en-US" sz="1800" spc="-1" strike="noStrike">
-                <a:solidFill>
-                  <a:schemeClr val="dk1"/>
-                </a:solidFill>
-                <a:latin typeface="Calibri"/>
+              <a:rPr b="0" lang="en-US" sz="4400" spc="-1" strike="noStrike">
+                <a:solidFill>
+                  <a:srgbClr val="000000"/>
+                </a:solidFill>
+                <a:latin typeface="Arial"/>
               </a:rPr>
               <a:t>Click to edit the title text format</a:t>
             </a:r>
-            <a:endParaRPr b="0" lang="en-US" sz="1800" spc="-1" strike="noStrike">
-              <a:solidFill>
-                <a:schemeClr val="dk1"/>
-              </a:solidFill>
-              <a:latin typeface="Calibri"/>
-            </a:endParaRPr>
-          </a:p>
-        </p:txBody>
-      </p:sp>
-      <p:sp>
-        <p:nvSpPr>
-          <p:cNvPr id="55" name="PlaceHolder 5"/>
+            <a:endParaRPr b="0" lang="en-US" sz="4400" spc="-1" strike="noStrike">
+              <a:solidFill>
+                <a:srgbClr val="000000"/>
+              </a:solidFill>
+              <a:latin typeface="Arial"/>
+            </a:endParaRPr>
+          </a:p>
+        </p:txBody>
+      </p:sp>
+      <p:sp>
+        <p:nvSpPr>
+          <p:cNvPr id="44" name="PlaceHolder 5"/>
           <p:cNvSpPr>
             <a:spLocks noGrp="1"/>
           </p:cNvSpPr>
@@ -6613,17 +5103,17 @@
             <a:r>
               <a:rPr b="0" lang="en-US" sz="3200" spc="-1" strike="noStrike">
                 <a:solidFill>
-                  <a:schemeClr val="dk1"/>
-                </a:solidFill>
-                <a:latin typeface="Calibri"/>
+                  <a:srgbClr val="000000"/>
+                </a:solidFill>
+                <a:latin typeface="Arial"/>
               </a:rPr>
               <a:t>Click to edit the outline text format</a:t>
             </a:r>
             <a:endParaRPr b="0" lang="en-US" sz="3200" spc="-1" strike="noStrike">
               <a:solidFill>
-                <a:schemeClr val="dk1"/>
-              </a:solidFill>
-              <a:latin typeface="Calibri"/>
+                <a:srgbClr val="000000"/>
+              </a:solidFill>
+              <a:latin typeface="Arial"/>
             </a:endParaRPr>
           </a:p>
           <a:p>
@@ -6639,19 +5129,19 @@
               <a:buChar char=""/>
             </a:pPr>
             <a:r>
-              <a:rPr b="0" lang="en-US" sz="2400" spc="-1" strike="noStrike">
-                <a:solidFill>
-                  <a:schemeClr val="dk1"/>
-                </a:solidFill>
-                <a:latin typeface="Calibri"/>
+              <a:rPr b="0" lang="en-US" sz="2800" spc="-1" strike="noStrike">
+                <a:solidFill>
+                  <a:srgbClr val="000000"/>
+                </a:solidFill>
+                <a:latin typeface="Arial"/>
               </a:rPr>
               <a:t>Second Outline Level</a:t>
             </a:r>
-            <a:endParaRPr b="0" lang="en-US" sz="2400" spc="-1" strike="noStrike">
-              <a:solidFill>
-                <a:schemeClr val="dk1"/>
-              </a:solidFill>
-              <a:latin typeface="Calibri"/>
+            <a:endParaRPr b="0" lang="en-US" sz="2800" spc="-1" strike="noStrike">
+              <a:solidFill>
+                <a:srgbClr val="000000"/>
+              </a:solidFill>
+              <a:latin typeface="Arial"/>
             </a:endParaRPr>
           </a:p>
           <a:p>
@@ -6667,19 +5157,19 @@
               <a:buChar char=""/>
             </a:pPr>
             <a:r>
-              <a:rPr b="0" lang="en-US" sz="2000" spc="-1" strike="noStrike">
-                <a:solidFill>
-                  <a:schemeClr val="dk1"/>
-                </a:solidFill>
-                <a:latin typeface="Calibri"/>
+              <a:rPr b="0" lang="en-US" sz="2400" spc="-1" strike="noStrike">
+                <a:solidFill>
+                  <a:srgbClr val="000000"/>
+                </a:solidFill>
+                <a:latin typeface="Arial"/>
               </a:rPr>
               <a:t>Third Outline Level</a:t>
             </a:r>
-            <a:endParaRPr b="0" lang="en-US" sz="2000" spc="-1" strike="noStrike">
-              <a:solidFill>
-                <a:schemeClr val="dk1"/>
-              </a:solidFill>
-              <a:latin typeface="Calibri"/>
+            <a:endParaRPr b="0" lang="en-US" sz="2400" spc="-1" strike="noStrike">
+              <a:solidFill>
+                <a:srgbClr val="000000"/>
+              </a:solidFill>
+              <a:latin typeface="Arial"/>
             </a:endParaRPr>
           </a:p>
           <a:p>
@@ -6697,17 +5187,17 @@
             <a:r>
               <a:rPr b="0" lang="en-US" sz="2000" spc="-1" strike="noStrike">
                 <a:solidFill>
-                  <a:schemeClr val="dk1"/>
-                </a:solidFill>
-                <a:latin typeface="Calibri"/>
+                  <a:srgbClr val="000000"/>
+                </a:solidFill>
+                <a:latin typeface="Arial"/>
               </a:rPr>
               <a:t>Fourth Outline Level</a:t>
             </a:r>
             <a:endParaRPr b="0" lang="en-US" sz="2000" spc="-1" strike="noStrike">
               <a:solidFill>
-                <a:schemeClr val="dk1"/>
-              </a:solidFill>
-              <a:latin typeface="Calibri"/>
+                <a:srgbClr val="000000"/>
+              </a:solidFill>
+              <a:latin typeface="Arial"/>
             </a:endParaRPr>
           </a:p>
           <a:p>
@@ -6725,17 +5215,17 @@
             <a:r>
               <a:rPr b="0" lang="en-US" sz="2000" spc="-1" strike="noStrike">
                 <a:solidFill>
-                  <a:schemeClr val="dk1"/>
-                </a:solidFill>
-                <a:latin typeface="Calibri"/>
+                  <a:srgbClr val="000000"/>
+                </a:solidFill>
+                <a:latin typeface="Arial"/>
               </a:rPr>
               <a:t>Fifth Outline Level</a:t>
             </a:r>
             <a:endParaRPr b="0" lang="en-US" sz="2000" spc="-1" strike="noStrike">
               <a:solidFill>
-                <a:schemeClr val="dk1"/>
-              </a:solidFill>
-              <a:latin typeface="Calibri"/>
+                <a:srgbClr val="000000"/>
+              </a:solidFill>
+              <a:latin typeface="Arial"/>
             </a:endParaRPr>
           </a:p>
           <a:p>
@@ -6753,17 +5243,17 @@
             <a:r>
               <a:rPr b="0" lang="en-US" sz="2000" spc="-1" strike="noStrike">
                 <a:solidFill>
-                  <a:schemeClr val="dk1"/>
-                </a:solidFill>
-                <a:latin typeface="Calibri"/>
+                  <a:srgbClr val="000000"/>
+                </a:solidFill>
+                <a:latin typeface="Arial"/>
               </a:rPr>
               <a:t>Sixth Outline Level</a:t>
             </a:r>
             <a:endParaRPr b="0" lang="en-US" sz="2000" spc="-1" strike="noStrike">
               <a:solidFill>
-                <a:schemeClr val="dk1"/>
-              </a:solidFill>
-              <a:latin typeface="Calibri"/>
+                <a:srgbClr val="000000"/>
+              </a:solidFill>
+              <a:latin typeface="Arial"/>
             </a:endParaRPr>
           </a:p>
           <a:p>
@@ -6781,17 +5271,17 @@
             <a:r>
               <a:rPr b="0" lang="en-US" sz="2000" spc="-1" strike="noStrike">
                 <a:solidFill>
-                  <a:schemeClr val="dk1"/>
-                </a:solidFill>
-                <a:latin typeface="Calibri"/>
+                  <a:srgbClr val="000000"/>
+                </a:solidFill>
+                <a:latin typeface="Arial"/>
               </a:rPr>
               <a:t>Seventh Outline Level</a:t>
             </a:r>
             <a:endParaRPr b="0" lang="en-US" sz="2000" spc="-1" strike="noStrike">
               <a:solidFill>
-                <a:schemeClr val="dk1"/>
-              </a:solidFill>
-              <a:latin typeface="Calibri"/>
+                <a:srgbClr val="000000"/>
+              </a:solidFill>
+              <a:latin typeface="Arial"/>
             </a:endParaRPr>
           </a:p>
         </p:txBody>
@@ -6824,7 +5314,7 @@
       </p:grpSpPr>
       <p:sp>
         <p:nvSpPr>
-          <p:cNvPr id="68" name="PlaceHolder 1"/>
+          <p:cNvPr id="51" name="PlaceHolder 1"/>
           <p:cNvSpPr>
             <a:spLocks noGrp="1"/>
           </p:cNvSpPr>
@@ -6835,7 +5325,7 @@
         <p:spPr>
           <a:xfrm>
             <a:off x="685800" y="2130480"/>
-            <a:ext cx="7772040" cy="1469520"/>
+            <a:ext cx="7771680" cy="1469160"/>
           </a:xfrm>
           <a:prstGeom prst="rect">
             <a:avLst/>
@@ -6855,6 +5345,9 @@
                 <a:spcPct val="100000"/>
               </a:lnSpc>
               <a:buNone/>
+              <a:tabLst>
+                <a:tab algn="l" pos="0"/>
+              </a:tabLst>
             </a:pPr>
             <a:r>
               <a:rPr b="1" lang="en-US" sz="4400" spc="-1" strike="noStrike">
@@ -6876,16 +5369,16 @@
             </a:r>
             <a:endParaRPr b="0" lang="en-US" sz="4400" spc="-1" strike="noStrike">
               <a:solidFill>
-                <a:schemeClr val="dk1"/>
-              </a:solidFill>
-              <a:latin typeface="Calibri"/>
-            </a:endParaRPr>
-          </a:p>
-        </p:txBody>
-      </p:sp>
-      <p:sp>
-        <p:nvSpPr>
-          <p:cNvPr id="69" name="PlaceHolder 2"/>
+                <a:srgbClr val="000000"/>
+              </a:solidFill>
+              <a:latin typeface="Arial"/>
+            </a:endParaRPr>
+          </a:p>
+        </p:txBody>
+      </p:sp>
+      <p:sp>
+        <p:nvSpPr>
+          <p:cNvPr id="52" name="PlaceHolder 2"/>
           <p:cNvSpPr>
             <a:spLocks noGrp="1"/>
           </p:cNvSpPr>
@@ -6896,7 +5389,7 @@
         <p:spPr>
           <a:xfrm>
             <a:off x="1371600" y="3886200"/>
-            <a:ext cx="6400440" cy="1752120"/>
+            <a:ext cx="6400080" cy="1751760"/>
           </a:xfrm>
           <a:prstGeom prst="rect">
             <a:avLst/>
@@ -6973,7 +5466,7 @@
       </p:grpSpPr>
       <p:sp>
         <p:nvSpPr>
-          <p:cNvPr id="98" name="PlaceHolder 1"/>
+          <p:cNvPr id="81" name="PlaceHolder 1"/>
           <p:cNvSpPr>
             <a:spLocks noGrp="1"/>
           </p:cNvSpPr>
@@ -6984,7 +5477,7 @@
         <p:spPr>
           <a:xfrm>
             <a:off x="457200" y="274680"/>
-            <a:ext cx="8229240" cy="1142640"/>
+            <a:ext cx="8228880" cy="1142280"/>
           </a:xfrm>
           <a:prstGeom prst="rect">
             <a:avLst/>
@@ -7004,6 +5497,9 @@
                 <a:spcPct val="100000"/>
               </a:lnSpc>
               <a:buNone/>
+              <a:tabLst>
+                <a:tab algn="l" pos="0"/>
+              </a:tabLst>
             </a:pPr>
             <a:r>
               <a:rPr b="1" lang="en-US" sz="3600" spc="-1" strike="noStrike">
@@ -7025,16 +5521,16 @@
             </a:r>
             <a:endParaRPr b="0" lang="en-US" sz="3600" spc="-1" strike="noStrike">
               <a:solidFill>
-                <a:schemeClr val="dk1"/>
-              </a:solidFill>
-              <a:latin typeface="Calibri"/>
-            </a:endParaRPr>
-          </a:p>
-        </p:txBody>
-      </p:sp>
-      <p:sp>
-        <p:nvSpPr>
-          <p:cNvPr id="99" name="PlaceHolder 2"/>
+                <a:srgbClr val="000000"/>
+              </a:solidFill>
+              <a:latin typeface="Arial"/>
+            </a:endParaRPr>
+          </a:p>
+        </p:txBody>
+      </p:sp>
+      <p:sp>
+        <p:nvSpPr>
+          <p:cNvPr id="82" name="PlaceHolder 2"/>
           <p:cNvSpPr>
             <a:spLocks noGrp="1"/>
           </p:cNvSpPr>
@@ -7045,7 +5541,7 @@
         <p:spPr>
           <a:xfrm>
             <a:off x="457200" y="1600200"/>
-            <a:ext cx="8229240" cy="4525560"/>
+            <a:ext cx="8228880" cy="4525200"/>
           </a:xfrm>
           <a:prstGeom prst="rect">
             <a:avLst/>
@@ -7087,9 +5583,9 @@
             </a:r>
             <a:endParaRPr b="0" lang="en-US" sz="2000" spc="-1" strike="noStrike">
               <a:solidFill>
-                <a:schemeClr val="dk1"/>
-              </a:solidFill>
-              <a:latin typeface="Calibri"/>
+                <a:srgbClr val="000000"/>
+              </a:solidFill>
+              <a:latin typeface="Arial"/>
             </a:endParaRPr>
           </a:p>
           <a:p>
@@ -7120,9 +5616,9 @@
             </a:r>
             <a:endParaRPr b="0" lang="en-US" sz="2000" spc="-1" strike="noStrike">
               <a:solidFill>
-                <a:schemeClr val="dk1"/>
-              </a:solidFill>
-              <a:latin typeface="Calibri"/>
+                <a:srgbClr val="000000"/>
+              </a:solidFill>
+              <a:latin typeface="Arial"/>
             </a:endParaRPr>
           </a:p>
           <a:p>
@@ -7153,9 +5649,9 @@
             </a:r>
             <a:endParaRPr b="0" lang="en-US" sz="2000" spc="-1" strike="noStrike">
               <a:solidFill>
-                <a:schemeClr val="dk1"/>
-              </a:solidFill>
-              <a:latin typeface="Calibri"/>
+                <a:srgbClr val="000000"/>
+              </a:solidFill>
+              <a:latin typeface="Arial"/>
             </a:endParaRPr>
           </a:p>
           <a:p>
@@ -7186,9 +5682,9 @@
             </a:r>
             <a:endParaRPr b="0" lang="en-US" sz="2000" spc="-1" strike="noStrike">
               <a:solidFill>
-                <a:schemeClr val="dk1"/>
-              </a:solidFill>
-              <a:latin typeface="Calibri"/>
+                <a:srgbClr val="000000"/>
+              </a:solidFill>
+              <a:latin typeface="Arial"/>
             </a:endParaRPr>
           </a:p>
           <a:p>
@@ -7219,9 +5715,9 @@
             </a:r>
             <a:endParaRPr b="0" lang="en-US" sz="2000" spc="-1" strike="noStrike">
               <a:solidFill>
-                <a:schemeClr val="dk1"/>
-              </a:solidFill>
-              <a:latin typeface="Calibri"/>
+                <a:srgbClr val="000000"/>
+              </a:solidFill>
+              <a:latin typeface="Arial"/>
             </a:endParaRPr>
           </a:p>
           <a:p>
@@ -7252,9 +5748,9 @@
             </a:r>
             <a:endParaRPr b="0" lang="en-US" sz="2000" spc="-1" strike="noStrike">
               <a:solidFill>
-                <a:schemeClr val="dk1"/>
-              </a:solidFill>
-              <a:latin typeface="Calibri"/>
+                <a:srgbClr val="000000"/>
+              </a:solidFill>
+              <a:latin typeface="Arial"/>
             </a:endParaRPr>
           </a:p>
         </p:txBody>
@@ -7291,14 +5787,14 @@
       </p:grpSpPr>
       <p:sp>
         <p:nvSpPr>
-          <p:cNvPr id="100" name="TextBox 1"/>
+          <p:cNvPr id="83" name="TextBox 1"/>
           <p:cNvSpPr/>
           <p:nvPr/>
         </p:nvSpPr>
         <p:spPr>
           <a:xfrm>
-            <a:off x="2101320" y="274320"/>
-            <a:ext cx="4940640" cy="577440"/>
+            <a:off x="2789640" y="274320"/>
+            <a:ext cx="3566160" cy="577440"/>
           </a:xfrm>
           <a:prstGeom prst="rect">
             <a:avLst/>
@@ -7340,7 +5836,7 @@
                 </a:solidFill>
                 <a:latin typeface="Calibri"/>
               </a:rPr>
-              <a:t>Ventaja Competitiva</a:t>
+              <a:t>En conclusion</a:t>
             </a:r>
             <a:endParaRPr b="0" lang="en-US" sz="3200" spc="-1" strike="noStrike">
               <a:solidFill>
@@ -7353,7 +5849,7 @@
       </p:sp>
       <p:sp>
         <p:nvSpPr>
-          <p:cNvPr id="101" name="TextBox 2"/>
+          <p:cNvPr id="84" name="TextBox 2"/>
           <p:cNvSpPr/>
           <p:nvPr/>
         </p:nvSpPr>
@@ -7610,7 +6106,7 @@
       </p:sp>
       <p:sp>
         <p:nvSpPr>
-          <p:cNvPr id="102" name="TextBox 3"/>
+          <p:cNvPr id="85" name="TextBox 3"/>
           <p:cNvSpPr/>
           <p:nvPr/>
         </p:nvSpPr>
@@ -7897,7 +6393,7 @@
       </p:grpSpPr>
       <p:sp>
         <p:nvSpPr>
-          <p:cNvPr id="70" name="PlaceHolder 1"/>
+          <p:cNvPr id="53" name="PlaceHolder 1"/>
           <p:cNvSpPr>
             <a:spLocks noGrp="1"/>
           </p:cNvSpPr>
@@ -7908,7 +6404,7 @@
         <p:spPr>
           <a:xfrm>
             <a:off x="457200" y="274680"/>
-            <a:ext cx="8229240" cy="1142640"/>
+            <a:ext cx="8228880" cy="1142280"/>
           </a:xfrm>
           <a:prstGeom prst="rect">
             <a:avLst/>
@@ -7928,6 +6424,9 @@
                 <a:spcPct val="100000"/>
               </a:lnSpc>
               <a:buNone/>
+              <a:tabLst>
+                <a:tab algn="l" pos="0"/>
+              </a:tabLst>
             </a:pPr>
             <a:r>
               <a:rPr b="1" lang="en-US" sz="3600" spc="-1" strike="noStrike">
@@ -7945,20 +6444,20 @@
                 </a:solidFill>
                 <a:latin typeface="Calibri"/>
               </a:rPr>
-              <a:t>Misión y Visión del Proyecto</a:t>
+              <a:t>Introduccion y objetivos</a:t>
             </a:r>
             <a:endParaRPr b="0" lang="en-US" sz="3600" spc="-1" strike="noStrike">
               <a:solidFill>
-                <a:schemeClr val="dk1"/>
-              </a:solidFill>
-              <a:latin typeface="Calibri"/>
-            </a:endParaRPr>
-          </a:p>
-        </p:txBody>
-      </p:sp>
-      <p:sp>
-        <p:nvSpPr>
-          <p:cNvPr id="71" name="PlaceHolder 2"/>
+                <a:srgbClr val="000000"/>
+              </a:solidFill>
+              <a:latin typeface="Arial"/>
+            </a:endParaRPr>
+          </a:p>
+        </p:txBody>
+      </p:sp>
+      <p:sp>
+        <p:nvSpPr>
+          <p:cNvPr id="54" name="PlaceHolder 2"/>
           <p:cNvSpPr>
             <a:spLocks noGrp="1"/>
           </p:cNvSpPr>
@@ -7969,7 +6468,7 @@
         <p:spPr>
           <a:xfrm>
             <a:off x="457200" y="1600200"/>
-            <a:ext cx="8229240" cy="4525560"/>
+            <a:ext cx="8228880" cy="4525200"/>
           </a:xfrm>
           <a:prstGeom prst="rect">
             <a:avLst/>
@@ -8011,9 +6510,9 @@
             </a:r>
             <a:endParaRPr b="0" lang="en-US" sz="2000" spc="-1" strike="noStrike">
               <a:solidFill>
-                <a:schemeClr val="dk1"/>
-              </a:solidFill>
-              <a:latin typeface="Calibri"/>
+                <a:srgbClr val="000000"/>
+              </a:solidFill>
+              <a:latin typeface="Arial"/>
             </a:endParaRPr>
           </a:p>
           <a:p>
@@ -8044,9 +6543,9 @@
             </a:r>
             <a:endParaRPr b="0" lang="en-US" sz="2000" spc="-1" strike="noStrike">
               <a:solidFill>
-                <a:schemeClr val="dk1"/>
-              </a:solidFill>
-              <a:latin typeface="Calibri"/>
+                <a:srgbClr val="000000"/>
+              </a:solidFill>
+              <a:latin typeface="Arial"/>
             </a:endParaRPr>
           </a:p>
           <a:p>
@@ -8077,9 +6576,9 @@
             </a:r>
             <a:endParaRPr b="0" lang="en-US" sz="2000" spc="-1" strike="noStrike">
               <a:solidFill>
-                <a:schemeClr val="dk1"/>
-              </a:solidFill>
-              <a:latin typeface="Calibri"/>
+                <a:srgbClr val="000000"/>
+              </a:solidFill>
+              <a:latin typeface="Arial"/>
             </a:endParaRPr>
           </a:p>
           <a:p>
@@ -8110,9 +6609,9 @@
             </a:r>
             <a:endParaRPr b="0" lang="en-US" sz="2000" spc="-1" strike="noStrike">
               <a:solidFill>
-                <a:schemeClr val="dk1"/>
-              </a:solidFill>
-              <a:latin typeface="Calibri"/>
+                <a:srgbClr val="000000"/>
+              </a:solidFill>
+              <a:latin typeface="Arial"/>
             </a:endParaRPr>
           </a:p>
           <a:p>
@@ -8143,9 +6642,9 @@
             </a:r>
             <a:endParaRPr b="0" lang="en-US" sz="2000" spc="-1" strike="noStrike">
               <a:solidFill>
-                <a:schemeClr val="dk1"/>
-              </a:solidFill>
-              <a:latin typeface="Calibri"/>
+                <a:srgbClr val="000000"/>
+              </a:solidFill>
+              <a:latin typeface="Arial"/>
             </a:endParaRPr>
           </a:p>
         </p:txBody>
@@ -8182,7 +6681,7 @@
       </p:grpSpPr>
       <p:sp>
         <p:nvSpPr>
-          <p:cNvPr id="72" name="PlaceHolder 1"/>
+          <p:cNvPr id="55" name="PlaceHolder 1"/>
           <p:cNvSpPr>
             <a:spLocks noGrp="1"/>
           </p:cNvSpPr>
@@ -8193,7 +6692,7 @@
         <p:spPr>
           <a:xfrm>
             <a:off x="457200" y="274680"/>
-            <a:ext cx="8229240" cy="1142640"/>
+            <a:ext cx="8228880" cy="1142280"/>
           </a:xfrm>
           <a:prstGeom prst="rect">
             <a:avLst/>
@@ -8213,6 +6712,9 @@
                 <a:spcPct val="100000"/>
               </a:lnSpc>
               <a:buNone/>
+              <a:tabLst>
+                <a:tab algn="l" pos="0"/>
+              </a:tabLst>
             </a:pPr>
             <a:r>
               <a:rPr b="1" lang="en-US" sz="3600" spc="-1" strike="noStrike">
@@ -8234,16 +6736,16 @@
             </a:r>
             <a:endParaRPr b="0" lang="en-US" sz="3600" spc="-1" strike="noStrike">
               <a:solidFill>
-                <a:schemeClr val="dk1"/>
-              </a:solidFill>
-              <a:latin typeface="Calibri"/>
-            </a:endParaRPr>
-          </a:p>
-        </p:txBody>
-      </p:sp>
-      <p:sp>
-        <p:nvSpPr>
-          <p:cNvPr id="73" name="PlaceHolder 2"/>
+                <a:srgbClr val="000000"/>
+              </a:solidFill>
+              <a:latin typeface="Arial"/>
+            </a:endParaRPr>
+          </a:p>
+        </p:txBody>
+      </p:sp>
+      <p:sp>
+        <p:nvSpPr>
+          <p:cNvPr id="56" name="PlaceHolder 2"/>
           <p:cNvSpPr>
             <a:spLocks noGrp="1"/>
           </p:cNvSpPr>
@@ -8254,7 +6756,7 @@
         <p:spPr>
           <a:xfrm>
             <a:off x="457200" y="1600200"/>
-            <a:ext cx="8229240" cy="4525560"/>
+            <a:ext cx="8228880" cy="4525200"/>
           </a:xfrm>
           <a:prstGeom prst="rect">
             <a:avLst/>
@@ -8296,9 +6798,9 @@
             </a:r>
             <a:endParaRPr b="0" lang="en-US" sz="2000" spc="-1" strike="noStrike">
               <a:solidFill>
-                <a:schemeClr val="dk1"/>
-              </a:solidFill>
-              <a:latin typeface="Calibri"/>
+                <a:srgbClr val="000000"/>
+              </a:solidFill>
+              <a:latin typeface="Arial"/>
             </a:endParaRPr>
           </a:p>
           <a:p>
@@ -8329,9 +6831,9 @@
             </a:r>
             <a:endParaRPr b="0" lang="en-US" sz="2000" spc="-1" strike="noStrike">
               <a:solidFill>
-                <a:schemeClr val="dk1"/>
-              </a:solidFill>
-              <a:latin typeface="Calibri"/>
+                <a:srgbClr val="000000"/>
+              </a:solidFill>
+              <a:latin typeface="Arial"/>
             </a:endParaRPr>
           </a:p>
           <a:p>
@@ -8362,9 +6864,9 @@
             </a:r>
             <a:endParaRPr b="0" lang="en-US" sz="2000" spc="-1" strike="noStrike">
               <a:solidFill>
-                <a:schemeClr val="dk1"/>
-              </a:solidFill>
-              <a:latin typeface="Calibri"/>
+                <a:srgbClr val="000000"/>
+              </a:solidFill>
+              <a:latin typeface="Arial"/>
             </a:endParaRPr>
           </a:p>
           <a:p>
@@ -8395,9 +6897,9 @@
             </a:r>
             <a:endParaRPr b="0" lang="en-US" sz="2000" spc="-1" strike="noStrike">
               <a:solidFill>
-                <a:schemeClr val="dk1"/>
-              </a:solidFill>
-              <a:latin typeface="Calibri"/>
+                <a:srgbClr val="000000"/>
+              </a:solidFill>
+              <a:latin typeface="Arial"/>
             </a:endParaRPr>
           </a:p>
           <a:p>
@@ -8428,9 +6930,9 @@
             </a:r>
             <a:endParaRPr b="0" lang="en-US" sz="2000" spc="-1" strike="noStrike">
               <a:solidFill>
-                <a:schemeClr val="dk1"/>
-              </a:solidFill>
-              <a:latin typeface="Calibri"/>
+                <a:srgbClr val="000000"/>
+              </a:solidFill>
+              <a:latin typeface="Arial"/>
             </a:endParaRPr>
           </a:p>
           <a:p>
@@ -8461,9 +6963,9 @@
             </a:r>
             <a:endParaRPr b="0" lang="en-US" sz="2000" spc="-1" strike="noStrike">
               <a:solidFill>
-                <a:schemeClr val="dk1"/>
-              </a:solidFill>
-              <a:latin typeface="Calibri"/>
+                <a:srgbClr val="000000"/>
+              </a:solidFill>
+              <a:latin typeface="Arial"/>
             </a:endParaRPr>
           </a:p>
         </p:txBody>
@@ -8500,7 +7002,7 @@
       </p:grpSpPr>
       <p:sp>
         <p:nvSpPr>
-          <p:cNvPr id="74" name="PlaceHolder 1"/>
+          <p:cNvPr id="57" name="PlaceHolder 1"/>
           <p:cNvSpPr>
             <a:spLocks noGrp="1"/>
           </p:cNvSpPr>
@@ -8511,7 +7013,7 @@
         <p:spPr>
           <a:xfrm>
             <a:off x="457200" y="274680"/>
-            <a:ext cx="8229240" cy="1142640"/>
+            <a:ext cx="8228880" cy="1142280"/>
           </a:xfrm>
           <a:prstGeom prst="rect">
             <a:avLst/>
@@ -8531,6 +7033,9 @@
                 <a:spcPct val="100000"/>
               </a:lnSpc>
               <a:buNone/>
+              <a:tabLst>
+                <a:tab algn="l" pos="0"/>
+              </a:tabLst>
             </a:pPr>
             <a:r>
               <a:rPr b="1" lang="en-US" sz="3600" spc="-1" strike="noStrike">
@@ -8552,16 +7057,16 @@
             </a:r>
             <a:endParaRPr b="0" lang="en-US" sz="3600" spc="-1" strike="noStrike">
               <a:solidFill>
-                <a:schemeClr val="dk1"/>
-              </a:solidFill>
-              <a:latin typeface="Calibri"/>
-            </a:endParaRPr>
-          </a:p>
-        </p:txBody>
-      </p:sp>
-      <p:sp>
-        <p:nvSpPr>
-          <p:cNvPr id="75" name="PlaceHolder 2"/>
+                <a:srgbClr val="000000"/>
+              </a:solidFill>
+              <a:latin typeface="Arial"/>
+            </a:endParaRPr>
+          </a:p>
+        </p:txBody>
+      </p:sp>
+      <p:sp>
+        <p:nvSpPr>
+          <p:cNvPr id="58" name="PlaceHolder 2"/>
           <p:cNvSpPr>
             <a:spLocks noGrp="1"/>
           </p:cNvSpPr>
@@ -8572,7 +7077,7 @@
         <p:spPr>
           <a:xfrm>
             <a:off x="457200" y="1600200"/>
-            <a:ext cx="8229240" cy="4525560"/>
+            <a:ext cx="8228880" cy="4525200"/>
           </a:xfrm>
           <a:prstGeom prst="rect">
             <a:avLst/>
@@ -8614,9 +7119,9 @@
             </a:r>
             <a:endParaRPr b="0" lang="en-US" sz="2000" spc="-1" strike="noStrike">
               <a:solidFill>
-                <a:schemeClr val="dk1"/>
-              </a:solidFill>
-              <a:latin typeface="Calibri"/>
+                <a:srgbClr val="000000"/>
+              </a:solidFill>
+              <a:latin typeface="Arial"/>
             </a:endParaRPr>
           </a:p>
           <a:p>
@@ -8647,9 +7152,9 @@
             </a:r>
             <a:endParaRPr b="0" lang="en-US" sz="2000" spc="-1" strike="noStrike">
               <a:solidFill>
-                <a:schemeClr val="dk1"/>
-              </a:solidFill>
-              <a:latin typeface="Calibri"/>
+                <a:srgbClr val="000000"/>
+              </a:solidFill>
+              <a:latin typeface="Arial"/>
             </a:endParaRPr>
           </a:p>
           <a:p>
@@ -8680,9 +7185,9 @@
             </a:r>
             <a:endParaRPr b="0" lang="en-US" sz="2000" spc="-1" strike="noStrike">
               <a:solidFill>
-                <a:schemeClr val="dk1"/>
-              </a:solidFill>
-              <a:latin typeface="Calibri"/>
+                <a:srgbClr val="000000"/>
+              </a:solidFill>
+              <a:latin typeface="Arial"/>
             </a:endParaRPr>
           </a:p>
           <a:p>
@@ -8713,9 +7218,9 @@
             </a:r>
             <a:endParaRPr b="0" lang="en-US" sz="2000" spc="-1" strike="noStrike">
               <a:solidFill>
-                <a:schemeClr val="dk1"/>
-              </a:solidFill>
-              <a:latin typeface="Calibri"/>
+                <a:srgbClr val="000000"/>
+              </a:solidFill>
+              <a:latin typeface="Arial"/>
             </a:endParaRPr>
           </a:p>
           <a:p>
@@ -8746,9 +7251,9 @@
             </a:r>
             <a:endParaRPr b="0" lang="en-US" sz="2000" spc="-1" strike="noStrike">
               <a:solidFill>
-                <a:schemeClr val="dk1"/>
-              </a:solidFill>
-              <a:latin typeface="Calibri"/>
+                <a:srgbClr val="000000"/>
+              </a:solidFill>
+              <a:latin typeface="Arial"/>
             </a:endParaRPr>
           </a:p>
           <a:p>
@@ -8779,9 +7284,9 @@
             </a:r>
             <a:endParaRPr b="0" lang="en-US" sz="2000" spc="-1" strike="noStrike">
               <a:solidFill>
-                <a:schemeClr val="dk1"/>
-              </a:solidFill>
-              <a:latin typeface="Calibri"/>
+                <a:srgbClr val="000000"/>
+              </a:solidFill>
+              <a:latin typeface="Arial"/>
             </a:endParaRPr>
           </a:p>
         </p:txBody>
@@ -8818,14 +7323,14 @@
       </p:grpSpPr>
       <p:sp>
         <p:nvSpPr>
-          <p:cNvPr id="76" name="TextBox 1"/>
+          <p:cNvPr id="59" name="TextBox 1"/>
           <p:cNvSpPr/>
           <p:nvPr/>
         </p:nvSpPr>
         <p:spPr>
           <a:xfrm>
             <a:off x="58680" y="274320"/>
-            <a:ext cx="9026640" cy="547560"/>
+            <a:ext cx="9026280" cy="546840"/>
           </a:xfrm>
           <a:prstGeom prst="rect">
             <a:avLst/>
@@ -8880,7 +7385,7 @@
       </p:sp>
       <p:sp>
         <p:nvSpPr>
-          <p:cNvPr id="77" name="TextBox 2"/>
+          <p:cNvPr id="60" name="TextBox 2"/>
           <p:cNvSpPr/>
           <p:nvPr/>
         </p:nvSpPr>
@@ -8942,7 +7447,7 @@
       </p:sp>
       <p:sp>
         <p:nvSpPr>
-          <p:cNvPr id="78" name="TextBox 3"/>
+          <p:cNvPr id="61" name="TextBox 3"/>
           <p:cNvSpPr/>
           <p:nvPr/>
         </p:nvSpPr>
@@ -8995,7 +7500,7 @@
       </p:sp>
       <p:sp>
         <p:nvSpPr>
-          <p:cNvPr id="79" name="TextBox 4"/>
+          <p:cNvPr id="62" name="TextBox 4"/>
           <p:cNvSpPr/>
           <p:nvPr/>
         </p:nvSpPr>
@@ -9057,7 +7562,7 @@
       </p:sp>
       <p:sp>
         <p:nvSpPr>
-          <p:cNvPr id="80" name="TextBox 5"/>
+          <p:cNvPr id="63" name="TextBox 5"/>
           <p:cNvSpPr/>
           <p:nvPr/>
         </p:nvSpPr>
@@ -9110,7 +7615,7 @@
       </p:sp>
       <p:sp>
         <p:nvSpPr>
-          <p:cNvPr id="81" name="TextBox 6"/>
+          <p:cNvPr id="64" name="TextBox 6"/>
           <p:cNvSpPr/>
           <p:nvPr/>
         </p:nvSpPr>
@@ -9172,14 +7677,14 @@
       </p:sp>
       <p:sp>
         <p:nvSpPr>
-          <p:cNvPr id="82" name="TextBox 7"/>
+          <p:cNvPr id="65" name="TextBox 7"/>
           <p:cNvSpPr/>
           <p:nvPr/>
         </p:nvSpPr>
         <p:spPr>
           <a:xfrm>
             <a:off x="42840" y="3200400"/>
-            <a:ext cx="9101160" cy="318960"/>
+            <a:ext cx="9100800" cy="318240"/>
           </a:xfrm>
           <a:prstGeom prst="rect">
             <a:avLst/>
@@ -9225,7 +7730,7 @@
       </p:sp>
       <p:sp>
         <p:nvSpPr>
-          <p:cNvPr id="83" name="TextBox 8"/>
+          <p:cNvPr id="66" name="TextBox 8"/>
           <p:cNvSpPr/>
           <p:nvPr/>
         </p:nvSpPr>
@@ -9287,7 +7792,7 @@
       </p:sp>
       <p:sp>
         <p:nvSpPr>
-          <p:cNvPr id="84" name="TextBox 9"/>
+          <p:cNvPr id="67" name="TextBox 9"/>
           <p:cNvSpPr/>
           <p:nvPr/>
         </p:nvSpPr>
@@ -9340,7 +7845,7 @@
       </p:sp>
       <p:sp>
         <p:nvSpPr>
-          <p:cNvPr id="85" name="TextBox 10"/>
+          <p:cNvPr id="68" name="TextBox 10"/>
           <p:cNvSpPr/>
           <p:nvPr/>
         </p:nvSpPr>
@@ -9402,7 +7907,7 @@
       </p:sp>
       <p:sp>
         <p:nvSpPr>
-          <p:cNvPr id="86" name="TextBox 11"/>
+          <p:cNvPr id="69" name="TextBox 11"/>
           <p:cNvSpPr/>
           <p:nvPr/>
         </p:nvSpPr>
@@ -9455,7 +7960,7 @@
       </p:sp>
       <p:sp>
         <p:nvSpPr>
-          <p:cNvPr id="87" name="TextBox 12"/>
+          <p:cNvPr id="70" name="TextBox 12"/>
           <p:cNvSpPr/>
           <p:nvPr/>
         </p:nvSpPr>
@@ -9517,7 +8022,7 @@
       </p:sp>
       <p:sp>
         <p:nvSpPr>
-          <p:cNvPr id="88" name="TextBox 13"/>
+          <p:cNvPr id="71" name="TextBox 13"/>
           <p:cNvSpPr/>
           <p:nvPr/>
         </p:nvSpPr>
@@ -9600,7 +8105,7 @@
       </p:grpSpPr>
       <p:sp>
         <p:nvSpPr>
-          <p:cNvPr id="89" name="PlaceHolder 1"/>
+          <p:cNvPr id="72" name="PlaceHolder 1"/>
           <p:cNvSpPr>
             <a:spLocks noGrp="1"/>
           </p:cNvSpPr>
@@ -9611,7 +8116,7 @@
         <p:spPr>
           <a:xfrm>
             <a:off x="457200" y="274680"/>
-            <a:ext cx="8229240" cy="1142640"/>
+            <a:ext cx="8228880" cy="1142280"/>
           </a:xfrm>
           <a:prstGeom prst="rect">
             <a:avLst/>
@@ -9631,6 +8136,9 @@
                 <a:spcPct val="100000"/>
               </a:lnSpc>
               <a:buNone/>
+              <a:tabLst>
+                <a:tab algn="l" pos="0"/>
+              </a:tabLst>
             </a:pPr>
             <a:r>
               <a:rPr b="1" lang="en-US" sz="3600" spc="-1" strike="noStrike">
@@ -9652,16 +8160,16 @@
             </a:r>
             <a:endParaRPr b="0" lang="en-US" sz="3600" spc="-1" strike="noStrike">
               <a:solidFill>
-                <a:schemeClr val="dk1"/>
-              </a:solidFill>
-              <a:latin typeface="Calibri"/>
-            </a:endParaRPr>
-          </a:p>
-        </p:txBody>
-      </p:sp>
-      <p:sp>
-        <p:nvSpPr>
-          <p:cNvPr id="90" name="PlaceHolder 2"/>
+                <a:srgbClr val="000000"/>
+              </a:solidFill>
+              <a:latin typeface="Arial"/>
+            </a:endParaRPr>
+          </a:p>
+        </p:txBody>
+      </p:sp>
+      <p:sp>
+        <p:nvSpPr>
+          <p:cNvPr id="73" name="PlaceHolder 2"/>
           <p:cNvSpPr>
             <a:spLocks noGrp="1"/>
           </p:cNvSpPr>
@@ -9672,7 +8180,7 @@
         <p:spPr>
           <a:xfrm>
             <a:off x="457200" y="1600200"/>
-            <a:ext cx="8229240" cy="4525560"/>
+            <a:ext cx="8228880" cy="4525200"/>
           </a:xfrm>
           <a:prstGeom prst="rect">
             <a:avLst/>
@@ -9714,9 +8222,9 @@
             </a:r>
             <a:endParaRPr b="0" lang="en-US" sz="2000" spc="-1" strike="noStrike">
               <a:solidFill>
-                <a:schemeClr val="dk1"/>
-              </a:solidFill>
-              <a:latin typeface="Calibri"/>
+                <a:srgbClr val="000000"/>
+              </a:solidFill>
+              <a:latin typeface="Arial"/>
             </a:endParaRPr>
           </a:p>
           <a:p>
@@ -9747,9 +8255,9 @@
             </a:r>
             <a:endParaRPr b="0" lang="en-US" sz="2000" spc="-1" strike="noStrike">
               <a:solidFill>
-                <a:schemeClr val="dk1"/>
-              </a:solidFill>
-              <a:latin typeface="Calibri"/>
+                <a:srgbClr val="000000"/>
+              </a:solidFill>
+              <a:latin typeface="Arial"/>
             </a:endParaRPr>
           </a:p>
           <a:p>
@@ -9780,9 +8288,9 @@
             </a:r>
             <a:endParaRPr b="0" lang="en-US" sz="2000" spc="-1" strike="noStrike">
               <a:solidFill>
-                <a:schemeClr val="dk1"/>
-              </a:solidFill>
-              <a:latin typeface="Calibri"/>
+                <a:srgbClr val="000000"/>
+              </a:solidFill>
+              <a:latin typeface="Arial"/>
             </a:endParaRPr>
           </a:p>
           <a:p>
@@ -9813,9 +8321,9 @@
             </a:r>
             <a:endParaRPr b="0" lang="en-US" sz="2000" spc="-1" strike="noStrike">
               <a:solidFill>
-                <a:schemeClr val="dk1"/>
-              </a:solidFill>
-              <a:latin typeface="Calibri"/>
+                <a:srgbClr val="000000"/>
+              </a:solidFill>
+              <a:latin typeface="Arial"/>
             </a:endParaRPr>
           </a:p>
           <a:p>
@@ -9846,9 +8354,9 @@
             </a:r>
             <a:endParaRPr b="0" lang="en-US" sz="2000" spc="-1" strike="noStrike">
               <a:solidFill>
-                <a:schemeClr val="dk1"/>
-              </a:solidFill>
-              <a:latin typeface="Calibri"/>
+                <a:srgbClr val="000000"/>
+              </a:solidFill>
+              <a:latin typeface="Arial"/>
             </a:endParaRPr>
           </a:p>
           <a:p>
@@ -9879,9 +8387,9 @@
             </a:r>
             <a:endParaRPr b="0" lang="en-US" sz="2000" spc="-1" strike="noStrike">
               <a:solidFill>
-                <a:schemeClr val="dk1"/>
-              </a:solidFill>
-              <a:latin typeface="Calibri"/>
+                <a:srgbClr val="000000"/>
+              </a:solidFill>
+              <a:latin typeface="Arial"/>
             </a:endParaRPr>
           </a:p>
         </p:txBody>
@@ -9918,7 +8426,7 @@
       </p:grpSpPr>
       <p:sp>
         <p:nvSpPr>
-          <p:cNvPr id="91" name="PlaceHolder 1"/>
+          <p:cNvPr id="74" name="PlaceHolder 1"/>
           <p:cNvSpPr>
             <a:spLocks noGrp="1"/>
           </p:cNvSpPr>
@@ -9929,7 +8437,7 @@
         <p:spPr>
           <a:xfrm>
             <a:off x="457200" y="274680"/>
-            <a:ext cx="8229240" cy="1142640"/>
+            <a:ext cx="8228880" cy="1142280"/>
           </a:xfrm>
           <a:prstGeom prst="rect">
             <a:avLst/>
@@ -9949,6 +8457,9 @@
                 <a:spcPct val="100000"/>
               </a:lnSpc>
               <a:buNone/>
+              <a:tabLst>
+                <a:tab algn="l" pos="0"/>
+              </a:tabLst>
             </a:pPr>
             <a:r>
               <a:rPr b="1" lang="en-US" sz="3600" spc="-1" strike="noStrike">
@@ -9970,16 +8481,16 @@
             </a:r>
             <a:endParaRPr b="0" lang="en-US" sz="3600" spc="-1" strike="noStrike">
               <a:solidFill>
-                <a:schemeClr val="dk1"/>
-              </a:solidFill>
-              <a:latin typeface="Calibri"/>
-            </a:endParaRPr>
-          </a:p>
-        </p:txBody>
-      </p:sp>
-      <p:sp>
-        <p:nvSpPr>
-          <p:cNvPr id="92" name="PlaceHolder 2"/>
+                <a:srgbClr val="000000"/>
+              </a:solidFill>
+              <a:latin typeface="Arial"/>
+            </a:endParaRPr>
+          </a:p>
+        </p:txBody>
+      </p:sp>
+      <p:sp>
+        <p:nvSpPr>
+          <p:cNvPr id="75" name="PlaceHolder 2"/>
           <p:cNvSpPr>
             <a:spLocks noGrp="1"/>
           </p:cNvSpPr>
@@ -9990,7 +8501,7 @@
         <p:spPr>
           <a:xfrm>
             <a:off x="457200" y="1600200"/>
-            <a:ext cx="8229240" cy="4525560"/>
+            <a:ext cx="8228880" cy="4525200"/>
           </a:xfrm>
           <a:prstGeom prst="rect">
             <a:avLst/>
@@ -10032,9 +8543,9 @@
             </a:r>
             <a:endParaRPr b="0" lang="en-US" sz="2000" spc="-1" strike="noStrike">
               <a:solidFill>
-                <a:schemeClr val="dk1"/>
-              </a:solidFill>
-              <a:latin typeface="Calibri"/>
+                <a:srgbClr val="000000"/>
+              </a:solidFill>
+              <a:latin typeface="Arial"/>
             </a:endParaRPr>
           </a:p>
           <a:p>
@@ -10065,9 +8576,9 @@
             </a:r>
             <a:endParaRPr b="0" lang="en-US" sz="2000" spc="-1" strike="noStrike">
               <a:solidFill>
-                <a:schemeClr val="dk1"/>
-              </a:solidFill>
-              <a:latin typeface="Calibri"/>
+                <a:srgbClr val="000000"/>
+              </a:solidFill>
+              <a:latin typeface="Arial"/>
             </a:endParaRPr>
           </a:p>
           <a:p>
@@ -10098,9 +8609,9 @@
             </a:r>
             <a:endParaRPr b="0" lang="en-US" sz="2000" spc="-1" strike="noStrike">
               <a:solidFill>
-                <a:schemeClr val="dk1"/>
-              </a:solidFill>
-              <a:latin typeface="Calibri"/>
+                <a:srgbClr val="000000"/>
+              </a:solidFill>
+              <a:latin typeface="Arial"/>
             </a:endParaRPr>
           </a:p>
           <a:p>
@@ -10131,9 +8642,9 @@
             </a:r>
             <a:endParaRPr b="0" lang="en-US" sz="2000" spc="-1" strike="noStrike">
               <a:solidFill>
-                <a:schemeClr val="dk1"/>
-              </a:solidFill>
-              <a:latin typeface="Calibri"/>
+                <a:srgbClr val="000000"/>
+              </a:solidFill>
+              <a:latin typeface="Arial"/>
             </a:endParaRPr>
           </a:p>
           <a:p>
@@ -10164,9 +8675,9 @@
             </a:r>
             <a:endParaRPr b="0" lang="en-US" sz="2000" spc="-1" strike="noStrike">
               <a:solidFill>
-                <a:schemeClr val="dk1"/>
-              </a:solidFill>
-              <a:latin typeface="Calibri"/>
+                <a:srgbClr val="000000"/>
+              </a:solidFill>
+              <a:latin typeface="Arial"/>
             </a:endParaRPr>
           </a:p>
           <a:p>
@@ -10197,9 +8708,9 @@
             </a:r>
             <a:endParaRPr b="0" lang="en-US" sz="2000" spc="-1" strike="noStrike">
               <a:solidFill>
-                <a:schemeClr val="dk1"/>
-              </a:solidFill>
-              <a:latin typeface="Calibri"/>
+                <a:srgbClr val="000000"/>
+              </a:solidFill>
+              <a:latin typeface="Arial"/>
             </a:endParaRPr>
           </a:p>
         </p:txBody>
@@ -10236,7 +8747,7 @@
       </p:grpSpPr>
       <p:sp>
         <p:nvSpPr>
-          <p:cNvPr id="93" name="PlaceHolder 1"/>
+          <p:cNvPr id="76" name="PlaceHolder 1"/>
           <p:cNvSpPr>
             <a:spLocks noGrp="1"/>
           </p:cNvSpPr>
@@ -10247,7 +8758,7 @@
         <p:spPr>
           <a:xfrm>
             <a:off x="457200" y="274680"/>
-            <a:ext cx="8229240" cy="1142640"/>
+            <a:ext cx="8228880" cy="1142280"/>
           </a:xfrm>
           <a:prstGeom prst="rect">
             <a:avLst/>
@@ -10267,6 +8778,9 @@
                 <a:spcPct val="100000"/>
               </a:lnSpc>
               <a:buNone/>
+              <a:tabLst>
+                <a:tab algn="l" pos="0"/>
+              </a:tabLst>
             </a:pPr>
             <a:r>
               <a:rPr b="1" lang="en-US" sz="3600" spc="-1" strike="noStrike">
@@ -10288,16 +8802,16 @@
             </a:r>
             <a:endParaRPr b="0" lang="en-US" sz="3600" spc="-1" strike="noStrike">
               <a:solidFill>
-                <a:schemeClr val="dk1"/>
-              </a:solidFill>
-              <a:latin typeface="Calibri"/>
-            </a:endParaRPr>
-          </a:p>
-        </p:txBody>
-      </p:sp>
-      <p:sp>
-        <p:nvSpPr>
-          <p:cNvPr id="94" name="PlaceHolder 2"/>
+                <a:srgbClr val="000000"/>
+              </a:solidFill>
+              <a:latin typeface="Arial"/>
+            </a:endParaRPr>
+          </a:p>
+        </p:txBody>
+      </p:sp>
+      <p:sp>
+        <p:nvSpPr>
+          <p:cNvPr id="77" name="PlaceHolder 2"/>
           <p:cNvSpPr>
             <a:spLocks noGrp="1"/>
           </p:cNvSpPr>
@@ -10308,7 +8822,7 @@
         <p:spPr>
           <a:xfrm>
             <a:off x="457200" y="1600200"/>
-            <a:ext cx="8229240" cy="4525560"/>
+            <a:ext cx="8228880" cy="4525200"/>
           </a:xfrm>
           <a:prstGeom prst="rect">
             <a:avLst/>
@@ -10350,9 +8864,9 @@
             </a:r>
             <a:endParaRPr b="0" lang="en-US" sz="2000" spc="-1" strike="noStrike">
               <a:solidFill>
-                <a:schemeClr val="dk1"/>
-              </a:solidFill>
-              <a:latin typeface="Calibri"/>
+                <a:srgbClr val="000000"/>
+              </a:solidFill>
+              <a:latin typeface="Arial"/>
             </a:endParaRPr>
           </a:p>
           <a:p>
@@ -10383,9 +8897,9 @@
             </a:r>
             <a:endParaRPr b="0" lang="en-US" sz="2000" spc="-1" strike="noStrike">
               <a:solidFill>
-                <a:schemeClr val="dk1"/>
-              </a:solidFill>
-              <a:latin typeface="Calibri"/>
+                <a:srgbClr val="000000"/>
+              </a:solidFill>
+              <a:latin typeface="Arial"/>
             </a:endParaRPr>
           </a:p>
           <a:p>
@@ -10416,9 +8930,9 @@
             </a:r>
             <a:endParaRPr b="0" lang="en-US" sz="2000" spc="-1" strike="noStrike">
               <a:solidFill>
-                <a:schemeClr val="dk1"/>
-              </a:solidFill>
-              <a:latin typeface="Calibri"/>
+                <a:srgbClr val="000000"/>
+              </a:solidFill>
+              <a:latin typeface="Arial"/>
             </a:endParaRPr>
           </a:p>
           <a:p>
@@ -10449,9 +8963,9 @@
             </a:r>
             <a:endParaRPr b="0" lang="en-US" sz="2000" spc="-1" strike="noStrike">
               <a:solidFill>
-                <a:schemeClr val="dk1"/>
-              </a:solidFill>
-              <a:latin typeface="Calibri"/>
+                <a:srgbClr val="000000"/>
+              </a:solidFill>
+              <a:latin typeface="Arial"/>
             </a:endParaRPr>
           </a:p>
           <a:p>
@@ -10482,9 +8996,9 @@
             </a:r>
             <a:endParaRPr b="0" lang="en-US" sz="2000" spc="-1" strike="noStrike">
               <a:solidFill>
-                <a:schemeClr val="dk1"/>
-              </a:solidFill>
-              <a:latin typeface="Calibri"/>
+                <a:srgbClr val="000000"/>
+              </a:solidFill>
+              <a:latin typeface="Arial"/>
             </a:endParaRPr>
           </a:p>
           <a:p>
@@ -10515,9 +9029,9 @@
             </a:r>
             <a:endParaRPr b="0" lang="en-US" sz="2000" spc="-1" strike="noStrike">
               <a:solidFill>
-                <a:schemeClr val="dk1"/>
-              </a:solidFill>
-              <a:latin typeface="Calibri"/>
+                <a:srgbClr val="000000"/>
+              </a:solidFill>
+              <a:latin typeface="Arial"/>
             </a:endParaRPr>
           </a:p>
         </p:txBody>
@@ -10554,14 +9068,14 @@
       </p:grpSpPr>
       <p:sp>
         <p:nvSpPr>
-          <p:cNvPr id="95" name="TextBox 1"/>
+          <p:cNvPr id="78" name="TextBox 1"/>
           <p:cNvSpPr/>
           <p:nvPr/>
         </p:nvSpPr>
         <p:spPr>
           <a:xfrm>
             <a:off x="993600" y="274320"/>
-            <a:ext cx="7156440" cy="577440"/>
+            <a:ext cx="7156080" cy="577440"/>
           </a:xfrm>
           <a:prstGeom prst="rect">
             <a:avLst/>
@@ -10616,14 +9130,14 @@
       </p:sp>
       <p:sp>
         <p:nvSpPr>
-          <p:cNvPr id="96" name="TextBox 2"/>
+          <p:cNvPr id="79" name="TextBox 2"/>
           <p:cNvSpPr/>
           <p:nvPr/>
         </p:nvSpPr>
         <p:spPr>
           <a:xfrm>
             <a:off x="-60840" y="1188720"/>
-            <a:ext cx="4876560" cy="1629360"/>
+            <a:ext cx="4876200" cy="1628640"/>
           </a:xfrm>
           <a:prstGeom prst="rect">
             <a:avLst/>
@@ -10805,14 +9319,14 @@
       </p:sp>
       <p:sp>
         <p:nvSpPr>
-          <p:cNvPr id="97" name="TextBox 3"/>
+          <p:cNvPr id="80" name="TextBox 3"/>
           <p:cNvSpPr/>
           <p:nvPr/>
         </p:nvSpPr>
         <p:spPr>
           <a:xfrm>
             <a:off x="4696920" y="1188720"/>
-            <a:ext cx="4138920" cy="1629360"/>
+            <a:ext cx="4138560" cy="1628640"/>
           </a:xfrm>
           <a:prstGeom prst="rect">
             <a:avLst/>
